--- a/표준MES플랫폼서비스개발_신범용_19931025.pptx
+++ b/표준MES플랫폼서비스개발_신범용_19931025.pptx
@@ -7,6 +7,10 @@
   <p:sldIdLst>
     <p:sldId id="256" r:id="rId2"/>
     <p:sldId id="257" r:id="rId3"/>
+    <p:sldId id="258" r:id="rId4"/>
+    <p:sldId id="259" r:id="rId5"/>
+    <p:sldId id="261" r:id="rId6"/>
+    <p:sldId id="260" r:id="rId7"/>
   </p:sldIdLst>
   <p:sldSz cx="9144000" cy="6858000" type="screen4x3"/>
   <p:notesSz cx="6858000" cy="9144000"/>
@@ -105,6 +109,11 @@
       </a:defRPr>
     </a:lvl9pPr>
   </p:defaultTextStyle>
+  <p:extLst>
+    <p:ext uri="{EFAFB233-063F-42B5-8137-9DF3F51BA10A}">
+      <p15:sldGuideLst xmlns:p15="http://schemas.microsoft.com/office/powerpoint/2012/main"/>
+    </p:ext>
+  </p:extLst>
 </p:presentation>
 </file>
 
@@ -404,7 +413,7 @@
           <a:p>
             <a:fld id="{89B800FF-7F28-4514-9424-2BB6068BDEEF}" type="datetimeFigureOut">
               <a:rPr lang="ko-KR" altLang="en-US" smtClean="0"/>
-              <a:t>2023-02-15</a:t>
+              <a:t>2023-02-17</a:t>
             </a:fld>
             <a:endParaRPr lang="ko-KR" altLang="en-US"/>
           </a:p>
@@ -2231,8 +2240,12 @@
           <a:lstStyle/>
           <a:p>
             <a:r>
+              <a:rPr lang="en-US" altLang="ko-KR" dirty="0"/>
+              <a:t>I</a:t>
+            </a:r>
+            <a:r>
               <a:rPr lang="en-US" altLang="ko-KR" dirty="0" smtClean="0"/>
-              <a:t>1. </a:t>
+              <a:t>. </a:t>
             </a:r>
             <a:r>
               <a:rPr lang="ko-KR" altLang="en-US" dirty="0" smtClean="0"/>
@@ -4414,21 +4427,7 @@
                   <a:latin typeface="현대하모니 B" panose="02020603020101020101" pitchFamily="18" charset="-127"/>
                   <a:ea typeface="현대하모니 B" panose="02020603020101020101" pitchFamily="18" charset="-127"/>
                 </a:rPr>
-                <a:t>     - C, C</a:t>
-              </a:r>
-              <a:r>
-                <a:rPr lang="en-US" altLang="ko-KR" sz="1050" dirty="0" smtClean="0">
-                  <a:latin typeface="현대하모니 B" panose="02020603020101020101" pitchFamily="18" charset="-127"/>
-                  <a:ea typeface="현대하모니 B" panose="02020603020101020101" pitchFamily="18" charset="-127"/>
-                </a:rPr>
-                <a:t>#</a:t>
-              </a:r>
-              <a:r>
-                <a:rPr lang="en-US" altLang="ko-KR" sz="1050" dirty="0" smtClean="0">
-                  <a:latin typeface="현대하모니 B" panose="02020603020101020101" pitchFamily="18" charset="-127"/>
-                  <a:ea typeface="현대하모니 B" panose="02020603020101020101" pitchFamily="18" charset="-127"/>
-                </a:rPr>
-                <a:t>, VB6</a:t>
+                <a:t>     - C, C#, VB6</a:t>
               </a:r>
             </a:p>
             <a:p>
@@ -4450,21 +4449,7 @@
                   <a:latin typeface="현대하모니 B" panose="02020603020101020101" pitchFamily="18" charset="-127"/>
                   <a:ea typeface="현대하모니 B" panose="02020603020101020101" pitchFamily="18" charset="-127"/>
                 </a:rPr>
-                <a:t>     </a:t>
-              </a:r>
-              <a:r>
-                <a:rPr lang="en-US" altLang="ko-KR" sz="1050" dirty="0" smtClean="0">
-                  <a:latin typeface="현대하모니 B" panose="02020603020101020101" pitchFamily="18" charset="-127"/>
-                  <a:ea typeface="현대하모니 B" panose="02020603020101020101" pitchFamily="18" charset="-127"/>
-                </a:rPr>
-                <a:t>- </a:t>
-              </a:r>
-              <a:r>
-                <a:rPr lang="en-US" altLang="ko-KR" sz="1050" dirty="0" smtClean="0">
-                  <a:latin typeface="현대하모니 B" panose="02020603020101020101" pitchFamily="18" charset="-127"/>
-                  <a:ea typeface="현대하모니 B" panose="02020603020101020101" pitchFamily="18" charset="-127"/>
-                </a:rPr>
-                <a:t>.NET, </a:t>
+                <a:t>     - .NET, </a:t>
               </a:r>
               <a:r>
                 <a:rPr lang="en-US" altLang="ko-KR" sz="1050" dirty="0" err="1" smtClean="0">
@@ -4525,14 +4510,7 @@
                   <a:latin typeface="현대하모니 B" panose="02020603020101020101" pitchFamily="18" charset="-127"/>
                   <a:ea typeface="현대하모니 B" panose="02020603020101020101" pitchFamily="18" charset="-127"/>
                 </a:rPr>
-                <a:t>  - </a:t>
-              </a:r>
-              <a:r>
-                <a:rPr lang="en-US" altLang="ko-KR" sz="1050" dirty="0" smtClean="0">
-                  <a:latin typeface="현대하모니 B" panose="02020603020101020101" pitchFamily="18" charset="-127"/>
-                  <a:ea typeface="현대하모니 B" panose="02020603020101020101" pitchFamily="18" charset="-127"/>
-                </a:rPr>
-                <a:t>Visual </a:t>
+                <a:t>  - Visual </a:t>
               </a:r>
               <a:r>
                 <a:rPr lang="en-US" altLang="ko-KR" sz="1050" dirty="0">
@@ -4579,14 +4557,7 @@
                   <a:latin typeface="현대하모니 B" panose="02020603020101020101" pitchFamily="18" charset="-127"/>
                   <a:ea typeface="현대하모니 B" panose="02020603020101020101" pitchFamily="18" charset="-127"/>
                 </a:rPr>
-                <a:t>  - </a:t>
-              </a:r>
-              <a:r>
-                <a:rPr lang="en-US" altLang="ko-KR" sz="1050" dirty="0" smtClean="0">
-                  <a:latin typeface="현대하모니 B" panose="02020603020101020101" pitchFamily="18" charset="-127"/>
-                  <a:ea typeface="현대하모니 B" panose="02020603020101020101" pitchFamily="18" charset="-127"/>
-                </a:rPr>
-                <a:t>GitHub, SVN </a:t>
+                <a:t>  - GitHub, SVN </a:t>
               </a:r>
               <a:endParaRPr lang="en-US" altLang="ko-KR" sz="1050" dirty="0">
                 <a:latin typeface="현대하모니 B" panose="02020603020101020101" pitchFamily="18" charset="-127"/>
@@ -5076,10 +5047,6 @@
                 </a:rPr>
                 <a:t>)</a:t>
               </a:r>
-              <a:endParaRPr lang="en-US" altLang="ko-KR" sz="1050" b="1" dirty="0" smtClean="0">
-                <a:latin typeface="현대하모니 B" panose="02020603020101020101" pitchFamily="18" charset="-127"/>
-                <a:ea typeface="현대하모니 B" panose="02020603020101020101" pitchFamily="18" charset="-127"/>
-              </a:endParaRPr>
             </a:p>
             <a:p>
               <a:r>
@@ -5087,21 +5054,7 @@
                   <a:latin typeface="현대하모니 B" panose="02020603020101020101" pitchFamily="18" charset="-127"/>
                   <a:ea typeface="현대하모니 B" panose="02020603020101020101" pitchFamily="18" charset="-127"/>
                 </a:rPr>
-                <a:t>     - VB6 </a:t>
-              </a:r>
-              <a:r>
-                <a:rPr lang="en-US" altLang="ko-KR" sz="1050" dirty="0" smtClean="0">
-                  <a:latin typeface="현대하모니 B" panose="02020603020101020101" pitchFamily="18" charset="-127"/>
-                  <a:ea typeface="현대하모니 B" panose="02020603020101020101" pitchFamily="18" charset="-127"/>
-                </a:rPr>
-                <a:t>PGM</a:t>
-              </a:r>
-              <a:r>
-                <a:rPr lang="en-US" altLang="ko-KR" sz="1050" dirty="0" smtClean="0">
-                  <a:latin typeface="현대하모니 B" panose="02020603020101020101" pitchFamily="18" charset="-127"/>
-                  <a:ea typeface="현대하모니 B" panose="02020603020101020101" pitchFamily="18" charset="-127"/>
-                </a:rPr>
-                <a:t> </a:t>
+                <a:t>     - VB6 APP </a:t>
               </a:r>
               <a:r>
                 <a:rPr lang="ko-KR" altLang="en-US" sz="1050" dirty="0" smtClean="0">
@@ -5121,14 +5074,7 @@
                   <a:latin typeface="현대하모니 B" panose="02020603020101020101" pitchFamily="18" charset="-127"/>
                   <a:ea typeface="현대하모니 B" panose="02020603020101020101" pitchFamily="18" charset="-127"/>
                 </a:rPr>
-                <a:t>     - </a:t>
-              </a:r>
-              <a:r>
-                <a:rPr lang="en-US" altLang="ko-KR" sz="1050" dirty="0" smtClean="0">
-                  <a:latin typeface="현대하모니 B" panose="02020603020101020101" pitchFamily="18" charset="-127"/>
-                  <a:ea typeface="현대하모니 B" panose="02020603020101020101" pitchFamily="18" charset="-127"/>
-                </a:rPr>
-                <a:t>Server (C) </a:t>
+                <a:t>     - Server (C) </a:t>
               </a:r>
               <a:r>
                 <a:rPr lang="ko-KR" altLang="en-US" sz="1050" dirty="0" smtClean="0">
@@ -5152,21 +5098,7 @@
                   <a:latin typeface="현대하모니 B" panose="02020603020101020101" pitchFamily="18" charset="-127"/>
                   <a:ea typeface="현대하모니 B" panose="02020603020101020101" pitchFamily="18" charset="-127"/>
                 </a:rPr>
-                <a:t>WPF .</a:t>
-              </a:r>
-              <a:r>
-                <a:rPr lang="en-US" altLang="ko-KR" sz="1050" b="1" dirty="0" smtClean="0">
-                  <a:latin typeface="현대하모니 B" panose="02020603020101020101" pitchFamily="18" charset="-127"/>
-                  <a:ea typeface="현대하모니 B" panose="02020603020101020101" pitchFamily="18" charset="-127"/>
-                </a:rPr>
-                <a:t>NET </a:t>
-              </a:r>
-              <a:r>
-                <a:rPr lang="en-US" altLang="ko-KR" sz="1050" b="1" dirty="0" smtClean="0">
-                  <a:latin typeface="현대하모니 B" panose="02020603020101020101" pitchFamily="18" charset="-127"/>
-                  <a:ea typeface="현대하모니 B" panose="02020603020101020101" pitchFamily="18" charset="-127"/>
-                </a:rPr>
-                <a:t>Programing (NEW</a:t>
+                <a:t>WPF .NET Programing (NEW</a:t>
               </a:r>
               <a:r>
                 <a:rPr lang="ko-KR" altLang="en-US" sz="1050" b="1" dirty="0" smtClean="0">
@@ -5214,14 +5146,7 @@
                   <a:latin typeface="현대하모니 B" panose="02020603020101020101" pitchFamily="18" charset="-127"/>
                   <a:ea typeface="현대하모니 B" panose="02020603020101020101" pitchFamily="18" charset="-127"/>
                 </a:rPr>
-                <a:t>- </a:t>
-              </a:r>
-              <a:r>
-                <a:rPr lang="en-US" altLang="ko-KR" sz="1050" dirty="0" smtClean="0">
-                  <a:latin typeface="현대하모니 B" panose="02020603020101020101" pitchFamily="18" charset="-127"/>
-                  <a:ea typeface="현대하모니 B" panose="02020603020101020101" pitchFamily="18" charset="-127"/>
-                </a:rPr>
-                <a:t>WPF UI </a:t>
+                <a:t>- WPF UI </a:t>
               </a:r>
               <a:r>
                 <a:rPr lang="ko-KR" altLang="en-US" sz="1050" dirty="0" smtClean="0">
@@ -5533,6 +5458,6958 @@
     <p:extLst>
       <p:ext uri="{BB962C8B-B14F-4D97-AF65-F5344CB8AC3E}">
         <p14:creationId xmlns:p14="http://schemas.microsoft.com/office/powerpoint/2010/main" val="4029788702"/>
+      </p:ext>
+    </p:extLst>
+  </p:cSld>
+  <p:clrMapOvr>
+    <a:masterClrMapping/>
+  </p:clrMapOvr>
+  <p:timing>
+    <p:tnLst>
+      <p:par>
+        <p:cTn id="1" dur="indefinite" restart="never" nodeType="tmRoot"/>
+      </p:par>
+    </p:tnLst>
+  </p:timing>
+</p:sld>
+</file>
+
+<file path=ppt/slides/slide3.xml><?xml version="1.0" encoding="utf-8"?>
+<p:sld xmlns:a="http://schemas.openxmlformats.org/drawingml/2006/main" xmlns:r="http://schemas.openxmlformats.org/officeDocument/2006/relationships" xmlns:p="http://schemas.openxmlformats.org/presentationml/2006/main">
+  <p:cSld>
+    <p:spTree>
+      <p:nvGrpSpPr>
+        <p:cNvPr id="1" name=""/>
+        <p:cNvGrpSpPr/>
+        <p:nvPr/>
+      </p:nvGrpSpPr>
+      <p:grpSpPr>
+        <a:xfrm>
+          <a:off x="0" y="0"/>
+          <a:ext cx="0" cy="0"/>
+          <a:chOff x="0" y="0"/>
+          <a:chExt cx="0" cy="0"/>
+        </a:xfrm>
+      </p:grpSpPr>
+      <p:sp>
+        <p:nvSpPr>
+          <p:cNvPr id="2" name="제목 1"/>
+          <p:cNvSpPr>
+            <a:spLocks noGrp="1"/>
+          </p:cNvSpPr>
+          <p:nvPr>
+            <p:ph type="title"/>
+          </p:nvPr>
+        </p:nvSpPr>
+        <p:spPr/>
+        <p:txBody>
+          <a:bodyPr/>
+          <a:lstStyle/>
+          <a:p>
+            <a:r>
+              <a:rPr lang="en-US" altLang="ko-KR" dirty="0" smtClean="0"/>
+              <a:t>II. Auto Schedule System Development (2022.01 ~ 2022.08)</a:t>
+            </a:r>
+            <a:endParaRPr lang="ko-KR" altLang="en-US" dirty="0"/>
+          </a:p>
+        </p:txBody>
+      </p:sp>
+      <p:sp>
+        <p:nvSpPr>
+          <p:cNvPr id="4" name="내용 개체 틀 5">
+            <a:extLst>
+              <a:ext uri="{FF2B5EF4-FFF2-40B4-BE49-F238E27FC236}">
+                <a16:creationId xmlns:a16="http://schemas.microsoft.com/office/drawing/2014/main" id="{E82A5FAB-6C6B-6D17-C6D5-B36C22C11895}"/>
+              </a:ext>
+            </a:extLst>
+          </p:cNvPr>
+          <p:cNvSpPr txBox="1">
+            <a:spLocks/>
+          </p:cNvSpPr>
+          <p:nvPr/>
+        </p:nvSpPr>
+        <p:spPr>
+          <a:xfrm>
+            <a:off x="457200" y="994941"/>
+            <a:ext cx="6336704" cy="785284"/>
+          </a:xfrm>
+          <a:prstGeom prst="rect">
+            <a:avLst/>
+          </a:prstGeom>
+        </p:spPr>
+        <p:txBody>
+          <a:bodyPr vert="horz" lIns="91440" tIns="45720" rIns="91440" bIns="45720" rtlCol="0">
+            <a:normAutofit/>
+          </a:bodyPr>
+          <a:lstStyle>
+            <a:lvl1pPr marL="342900" indent="-342900" algn="l" defTabSz="914400" rtl="0" eaLnBrk="1" latinLnBrk="1" hangingPunct="1">
+              <a:spcBef>
+                <a:spcPct val="20000"/>
+              </a:spcBef>
+              <a:buFont typeface="Arial" pitchFamily="34" charset="0"/>
+              <a:buNone/>
+              <a:defRPr lang="ko-KR" altLang="en-US" sz="2000" kern="1200" baseline="0">
+                <a:solidFill>
+                  <a:schemeClr val="tx1">
+                    <a:lumMod val="65000"/>
+                    <a:lumOff val="35000"/>
+                  </a:schemeClr>
+                </a:solidFill>
+                <a:latin typeface="Noto Sans" pitchFamily="34" charset="0"/>
+                <a:ea typeface="맑은 고딕" pitchFamily="50" charset="-127"/>
+                <a:cs typeface="+mn-cs"/>
+              </a:defRPr>
+            </a:lvl1pPr>
+            <a:lvl2pPr marL="742950" indent="-285750" algn="l" defTabSz="914400" rtl="0" eaLnBrk="1" latinLnBrk="1" hangingPunct="1">
+              <a:spcBef>
+                <a:spcPct val="20000"/>
+              </a:spcBef>
+              <a:buFont typeface="Arial" pitchFamily="34" charset="0"/>
+              <a:buNone/>
+              <a:defRPr lang="ko-KR" altLang="en-US" sz="1800" kern="1200" baseline="0">
+                <a:solidFill>
+                  <a:schemeClr val="tx1">
+                    <a:lumMod val="65000"/>
+                    <a:lumOff val="35000"/>
+                  </a:schemeClr>
+                </a:solidFill>
+                <a:latin typeface="Noto Sans" pitchFamily="34" charset="0"/>
+                <a:ea typeface="맑은 고딕" pitchFamily="50" charset="-127"/>
+                <a:cs typeface="+mn-cs"/>
+              </a:defRPr>
+            </a:lvl2pPr>
+            <a:lvl3pPr marL="1143000" indent="-228600" algn="l" defTabSz="914400" rtl="0" eaLnBrk="1" latinLnBrk="1" hangingPunct="1">
+              <a:spcBef>
+                <a:spcPct val="20000"/>
+              </a:spcBef>
+              <a:buFont typeface="Arial" pitchFamily="34" charset="0"/>
+              <a:buNone/>
+              <a:defRPr lang="ko-KR" altLang="en-US" sz="1800" kern="1200" baseline="0">
+                <a:solidFill>
+                  <a:schemeClr val="tx1">
+                    <a:lumMod val="65000"/>
+                    <a:lumOff val="35000"/>
+                  </a:schemeClr>
+                </a:solidFill>
+                <a:latin typeface="Noto Sans" pitchFamily="34" charset="0"/>
+                <a:ea typeface="맑은 고딕" pitchFamily="50" charset="-127"/>
+                <a:cs typeface="+mn-cs"/>
+              </a:defRPr>
+            </a:lvl3pPr>
+            <a:lvl4pPr marL="1600200" indent="-228600" algn="l" defTabSz="914400" rtl="0" eaLnBrk="1" latinLnBrk="1" hangingPunct="1">
+              <a:spcBef>
+                <a:spcPct val="20000"/>
+              </a:spcBef>
+              <a:buFont typeface="Arial" pitchFamily="34" charset="0"/>
+              <a:buNone/>
+              <a:defRPr lang="ko-KR" altLang="en-US" sz="1800" kern="1200" baseline="0">
+                <a:solidFill>
+                  <a:schemeClr val="tx1">
+                    <a:lumMod val="65000"/>
+                    <a:lumOff val="35000"/>
+                  </a:schemeClr>
+                </a:solidFill>
+                <a:latin typeface="Noto Sans" pitchFamily="34" charset="0"/>
+                <a:ea typeface="맑은 고딕" pitchFamily="50" charset="-127"/>
+                <a:cs typeface="+mn-cs"/>
+              </a:defRPr>
+            </a:lvl4pPr>
+            <a:lvl5pPr marL="2057400" indent="-228600" algn="l" defTabSz="914400" rtl="0" eaLnBrk="1" latinLnBrk="1" hangingPunct="1">
+              <a:spcBef>
+                <a:spcPct val="20000"/>
+              </a:spcBef>
+              <a:buFont typeface="Arial" pitchFamily="34" charset="0"/>
+              <a:buNone/>
+              <a:defRPr lang="ko-KR" altLang="en-US" sz="1800" kern="1200" baseline="0">
+                <a:solidFill>
+                  <a:schemeClr val="tx1">
+                    <a:lumMod val="65000"/>
+                    <a:lumOff val="35000"/>
+                  </a:schemeClr>
+                </a:solidFill>
+                <a:latin typeface="Noto Sans" pitchFamily="34" charset="0"/>
+                <a:ea typeface="맑은 고딕" pitchFamily="50" charset="-127"/>
+                <a:cs typeface="+mn-cs"/>
+              </a:defRPr>
+            </a:lvl5pPr>
+            <a:lvl6pPr marL="2514600" indent="-228600" algn="l" defTabSz="914400" rtl="0" eaLnBrk="1" latinLnBrk="1" hangingPunct="1">
+              <a:spcBef>
+                <a:spcPct val="20000"/>
+              </a:spcBef>
+              <a:buFont typeface="Arial" pitchFamily="34" charset="0"/>
+              <a:buChar char="•"/>
+              <a:defRPr sz="2000" kern="1200">
+                <a:solidFill>
+                  <a:schemeClr val="tx1"/>
+                </a:solidFill>
+                <a:latin typeface="+mn-lt"/>
+                <a:ea typeface="+mn-ea"/>
+                <a:cs typeface="+mn-cs"/>
+              </a:defRPr>
+            </a:lvl6pPr>
+            <a:lvl7pPr marL="2971800" indent="-228600" algn="l" defTabSz="914400" rtl="0" eaLnBrk="1" latinLnBrk="1" hangingPunct="1">
+              <a:spcBef>
+                <a:spcPct val="20000"/>
+              </a:spcBef>
+              <a:buFont typeface="Arial" pitchFamily="34" charset="0"/>
+              <a:buChar char="•"/>
+              <a:defRPr sz="2000" kern="1200">
+                <a:solidFill>
+                  <a:schemeClr val="tx1"/>
+                </a:solidFill>
+                <a:latin typeface="+mn-lt"/>
+                <a:ea typeface="+mn-ea"/>
+                <a:cs typeface="+mn-cs"/>
+              </a:defRPr>
+            </a:lvl7pPr>
+            <a:lvl8pPr marL="3429000" indent="-228600" algn="l" defTabSz="914400" rtl="0" eaLnBrk="1" latinLnBrk="1" hangingPunct="1">
+              <a:spcBef>
+                <a:spcPct val="20000"/>
+              </a:spcBef>
+              <a:buFont typeface="Arial" pitchFamily="34" charset="0"/>
+              <a:buChar char="•"/>
+              <a:defRPr sz="2000" kern="1200">
+                <a:solidFill>
+                  <a:schemeClr val="tx1"/>
+                </a:solidFill>
+                <a:latin typeface="+mn-lt"/>
+                <a:ea typeface="+mn-ea"/>
+                <a:cs typeface="+mn-cs"/>
+              </a:defRPr>
+            </a:lvl8pPr>
+            <a:lvl9pPr marL="3886200" indent="-228600" algn="l" defTabSz="914400" rtl="0" eaLnBrk="1" latinLnBrk="1" hangingPunct="1">
+              <a:spcBef>
+                <a:spcPct val="20000"/>
+              </a:spcBef>
+              <a:buFont typeface="Arial" pitchFamily="34" charset="0"/>
+              <a:buChar char="•"/>
+              <a:defRPr sz="2000" kern="1200">
+                <a:solidFill>
+                  <a:schemeClr val="tx1"/>
+                </a:solidFill>
+                <a:latin typeface="+mn-lt"/>
+                <a:ea typeface="+mn-ea"/>
+                <a:cs typeface="+mn-cs"/>
+              </a:defRPr>
+            </a:lvl9pPr>
+          </a:lstStyle>
+          <a:p>
+            <a:r>
+              <a:rPr lang="en-US" altLang="ko-KR" sz="1100" b="1" dirty="0">
+                <a:solidFill>
+                  <a:schemeClr val="tx1"/>
+                </a:solidFill>
+                <a:latin typeface="현대하모니 B" panose="02020603020101020101" pitchFamily="18" charset="-127"/>
+                <a:ea typeface="현대하모니 B" panose="02020603020101020101" pitchFamily="18" charset="-127"/>
+                <a:sym typeface="Wingdings" panose="05000000000000000000" pitchFamily="2" charset="2"/>
+              </a:rPr>
+              <a:t>[ </a:t>
+            </a:r>
+            <a:r>
+              <a:rPr lang="en-US" altLang="ko-KR" sz="1100" b="1" dirty="0" smtClean="0">
+                <a:solidFill>
+                  <a:schemeClr val="tx1"/>
+                </a:solidFill>
+                <a:latin typeface="현대하모니 B" panose="02020603020101020101" pitchFamily="18" charset="-127"/>
+                <a:ea typeface="현대하모니 B" panose="02020603020101020101" pitchFamily="18" charset="-127"/>
+                <a:sym typeface="Wingdings" panose="05000000000000000000" pitchFamily="2" charset="2"/>
+              </a:rPr>
+              <a:t>Auto Schedule </a:t>
+            </a:r>
+            <a:r>
+              <a:rPr lang="ko-KR" altLang="en-US" sz="1100" b="1" dirty="0" smtClean="0">
+                <a:solidFill>
+                  <a:schemeClr val="tx1"/>
+                </a:solidFill>
+                <a:latin typeface="현대하모니 B" panose="02020603020101020101" pitchFamily="18" charset="-127"/>
+                <a:ea typeface="현대하모니 B" panose="02020603020101020101" pitchFamily="18" charset="-127"/>
+                <a:sym typeface="Wingdings" panose="05000000000000000000" pitchFamily="2" charset="2"/>
+              </a:rPr>
+              <a:t>시스템 </a:t>
+            </a:r>
+            <a:r>
+              <a:rPr lang="ko-KR" altLang="en-US" sz="1100" b="1" dirty="0">
+                <a:solidFill>
+                  <a:schemeClr val="tx1"/>
+                </a:solidFill>
+                <a:latin typeface="현대하모니 B" panose="02020603020101020101" pitchFamily="18" charset="-127"/>
+                <a:ea typeface="현대하모니 B" panose="02020603020101020101" pitchFamily="18" charset="-127"/>
+                <a:sym typeface="Wingdings" panose="05000000000000000000" pitchFamily="2" charset="2"/>
+              </a:rPr>
+              <a:t>개발 </a:t>
+            </a:r>
+            <a:r>
+              <a:rPr lang="en-US" altLang="ko-KR" sz="1100" b="1" dirty="0">
+                <a:solidFill>
+                  <a:schemeClr val="tx1"/>
+                </a:solidFill>
+                <a:latin typeface="현대하모니 B" panose="02020603020101020101" pitchFamily="18" charset="-127"/>
+                <a:ea typeface="현대하모니 B" panose="02020603020101020101" pitchFamily="18" charset="-127"/>
+                <a:sym typeface="Wingdings" panose="05000000000000000000" pitchFamily="2" charset="2"/>
+              </a:rPr>
+              <a:t>]</a:t>
+            </a:r>
+            <a:endParaRPr lang="en-US" altLang="ko-KR" sz="1100" b="1" dirty="0" smtClean="0">
+              <a:solidFill>
+                <a:schemeClr val="tx1"/>
+              </a:solidFill>
+              <a:latin typeface="현대하모니 B" panose="02020603020101020101" pitchFamily="18" charset="-127"/>
+              <a:ea typeface="현대하모니 B" panose="02020603020101020101" pitchFamily="18" charset="-127"/>
+              <a:sym typeface="Wingdings" panose="05000000000000000000" pitchFamily="2" charset="2"/>
+            </a:endParaRPr>
+          </a:p>
+        </p:txBody>
+      </p:sp>
+      <p:sp>
+        <p:nvSpPr>
+          <p:cNvPr id="6" name="직사각형 5">
+            <a:extLst>
+              <a:ext uri="{FF2B5EF4-FFF2-40B4-BE49-F238E27FC236}">
+                <a16:creationId xmlns:a16="http://schemas.microsoft.com/office/drawing/2014/main" id="{9279B9C4-4373-59E1-49F3-97C1BCBA9C8C}"/>
+              </a:ext>
+            </a:extLst>
+          </p:cNvPr>
+          <p:cNvSpPr/>
+          <p:nvPr/>
+        </p:nvSpPr>
+        <p:spPr>
+          <a:xfrm>
+            <a:off x="791580" y="1193320"/>
+            <a:ext cx="7560840" cy="707886"/>
+          </a:xfrm>
+          <a:prstGeom prst="rect">
+            <a:avLst/>
+          </a:prstGeom>
+        </p:spPr>
+        <p:txBody>
+          <a:bodyPr wrap="square">
+            <a:spAutoFit/>
+          </a:bodyPr>
+          <a:lstStyle/>
+          <a:p>
+            <a:r>
+              <a:rPr lang="en-US" altLang="ko-KR" sz="1000" dirty="0">
+                <a:solidFill>
+                  <a:srgbClr val="595959"/>
+                </a:solidFill>
+                <a:latin typeface="현대하모니 B" panose="02020603020101020101" pitchFamily="18" charset="-127"/>
+                <a:ea typeface="현대하모니 B" panose="02020603020101020101" pitchFamily="18" charset="-127"/>
+              </a:rPr>
+              <a:t>[</a:t>
+            </a:r>
+            <a:r>
+              <a:rPr lang="ko-KR" altLang="en-US" sz="1000" dirty="0" smtClean="0">
+                <a:latin typeface="현대하모니 B" panose="02020603020101020101" pitchFamily="18" charset="-127"/>
+                <a:ea typeface="현대하모니 B" panose="02020603020101020101" pitchFamily="18" charset="-127"/>
+              </a:rPr>
+              <a:t>주요업무</a:t>
+            </a:r>
+            <a:r>
+              <a:rPr lang="en-US" altLang="ko-KR" sz="1000" dirty="0" smtClean="0">
+                <a:latin typeface="현대하모니 B" panose="02020603020101020101" pitchFamily="18" charset="-127"/>
+                <a:ea typeface="현대하모니 B" panose="02020603020101020101" pitchFamily="18" charset="-127"/>
+              </a:rPr>
+              <a:t>]</a:t>
+            </a:r>
+            <a:endParaRPr lang="en-US" altLang="ko-KR" sz="1000" dirty="0">
+              <a:latin typeface="현대하모니 B" panose="02020603020101020101" pitchFamily="18" charset="-127"/>
+              <a:ea typeface="현대하모니 B" panose="02020603020101020101" pitchFamily="18" charset="-127"/>
+            </a:endParaRPr>
+          </a:p>
+          <a:p>
+            <a:pPr marL="228600" indent="-228600">
+              <a:buAutoNum type="arabicPeriod"/>
+            </a:pPr>
+            <a:r>
+              <a:rPr lang="en-US" altLang="ko-KR" sz="1000" dirty="0" smtClean="0">
+                <a:latin typeface="현대하모니 B" panose="02020603020101020101" pitchFamily="18" charset="-127"/>
+                <a:ea typeface="현대하모니 B" panose="02020603020101020101" pitchFamily="18" charset="-127"/>
+              </a:rPr>
+              <a:t>Vb6 </a:t>
+            </a:r>
+            <a:r>
+              <a:rPr lang="ko-KR" altLang="en-US" sz="1000" dirty="0" smtClean="0">
+                <a:latin typeface="현대하모니 B" panose="02020603020101020101" pitchFamily="18" charset="-127"/>
+                <a:ea typeface="현대하모니 B" panose="02020603020101020101" pitchFamily="18" charset="-127"/>
+              </a:rPr>
+              <a:t>기반 </a:t>
+            </a:r>
+            <a:r>
+              <a:rPr lang="en-US" altLang="ko-KR" sz="1000" dirty="0" smtClean="0">
+                <a:latin typeface="현대하모니 B" panose="02020603020101020101" pitchFamily="18" charset="-127"/>
+                <a:ea typeface="현대하모니 B" panose="02020603020101020101" pitchFamily="18" charset="-127"/>
+              </a:rPr>
+              <a:t>-&gt;</a:t>
+            </a:r>
+            <a:r>
+              <a:rPr lang="ko-KR" altLang="en-US" sz="1000" dirty="0" smtClean="0">
+                <a:latin typeface="현대하모니 B" panose="02020603020101020101" pitchFamily="18" charset="-127"/>
+                <a:ea typeface="현대하모니 B" panose="02020603020101020101" pitchFamily="18" charset="-127"/>
+              </a:rPr>
+              <a:t> </a:t>
+            </a:r>
+            <a:r>
+              <a:rPr lang="en-US" altLang="ko-KR" sz="1000" dirty="0" smtClean="0">
+                <a:latin typeface="현대하모니 B" panose="02020603020101020101" pitchFamily="18" charset="-127"/>
+                <a:ea typeface="현대하모니 B" panose="02020603020101020101" pitchFamily="18" charset="-127"/>
+              </a:rPr>
+              <a:t>C# .NET Framework </a:t>
+            </a:r>
+            <a:r>
+              <a:rPr lang="ko-KR" altLang="en-US" sz="1000" dirty="0" smtClean="0">
+                <a:latin typeface="현대하모니 B" panose="02020603020101020101" pitchFamily="18" charset="-127"/>
+                <a:ea typeface="현대하모니 B" panose="02020603020101020101" pitchFamily="18" charset="-127"/>
+              </a:rPr>
+              <a:t>기반으로 이식</a:t>
+            </a:r>
+            <a:r>
+              <a:rPr lang="en-US" altLang="ko-KR" sz="1000" dirty="0" smtClean="0">
+                <a:latin typeface="현대하모니 B" panose="02020603020101020101" pitchFamily="18" charset="-127"/>
+                <a:ea typeface="현대하모니 B" panose="02020603020101020101" pitchFamily="18" charset="-127"/>
+              </a:rPr>
+              <a:t>. </a:t>
+            </a:r>
+          </a:p>
+          <a:p>
+            <a:pPr marL="228600" indent="-228600">
+              <a:buAutoNum type="arabicPeriod"/>
+            </a:pPr>
+            <a:r>
+              <a:rPr lang="ko-KR" altLang="en-US" sz="1000" dirty="0" smtClean="0">
+                <a:latin typeface="현대하모니 B" panose="02020603020101020101" pitchFamily="18" charset="-127"/>
+                <a:ea typeface="현대하모니 B" panose="02020603020101020101" pitchFamily="18" charset="-127"/>
+              </a:rPr>
+              <a:t>실시간 </a:t>
+            </a:r>
+            <a:r>
+              <a:rPr lang="en-US" altLang="ko-KR" sz="1000" dirty="0" smtClean="0">
+                <a:latin typeface="현대하모니 B" panose="02020603020101020101" pitchFamily="18" charset="-127"/>
+                <a:ea typeface="현대하모니 B" panose="02020603020101020101" pitchFamily="18" charset="-127"/>
+              </a:rPr>
+              <a:t>Schedule </a:t>
+            </a:r>
+            <a:r>
+              <a:rPr lang="ko-KR" altLang="en-US" sz="1000" dirty="0" smtClean="0">
+                <a:latin typeface="현대하모니 B" panose="02020603020101020101" pitchFamily="18" charset="-127"/>
+                <a:ea typeface="현대하모니 B" panose="02020603020101020101" pitchFamily="18" charset="-127"/>
+              </a:rPr>
+              <a:t>투입 여부 확인 가능한 </a:t>
+            </a:r>
+            <a:r>
+              <a:rPr lang="en-US" altLang="ko-KR" sz="1000" dirty="0" smtClean="0">
+                <a:latin typeface="현대하모니 B" panose="02020603020101020101" pitchFamily="18" charset="-127"/>
+                <a:ea typeface="현대하모니 B" panose="02020603020101020101" pitchFamily="18" charset="-127"/>
+              </a:rPr>
+              <a:t>mail </a:t>
+            </a:r>
+            <a:r>
+              <a:rPr lang="ko-KR" altLang="en-US" sz="1000" dirty="0" smtClean="0">
+                <a:latin typeface="현대하모니 B" panose="02020603020101020101" pitchFamily="18" charset="-127"/>
+                <a:ea typeface="현대하모니 B" panose="02020603020101020101" pitchFamily="18" charset="-127"/>
+              </a:rPr>
+              <a:t>시스템 구축</a:t>
+            </a:r>
+            <a:r>
+              <a:rPr lang="en-US" altLang="ko-KR" sz="1000" dirty="0" smtClean="0">
+                <a:latin typeface="현대하모니 B" panose="02020603020101020101" pitchFamily="18" charset="-127"/>
+                <a:ea typeface="현대하모니 B" panose="02020603020101020101" pitchFamily="18" charset="-127"/>
+              </a:rPr>
+              <a:t>. (.NET Mail Library </a:t>
+            </a:r>
+            <a:r>
+              <a:rPr lang="ko-KR" altLang="en-US" sz="1000" dirty="0" smtClean="0">
+                <a:latin typeface="현대하모니 B" panose="02020603020101020101" pitchFamily="18" charset="-127"/>
+                <a:ea typeface="현대하모니 B" panose="02020603020101020101" pitchFamily="18" charset="-127"/>
+              </a:rPr>
+              <a:t>사용</a:t>
+            </a:r>
+            <a:r>
+              <a:rPr lang="en-US" altLang="ko-KR" sz="1000" dirty="0" smtClean="0">
+                <a:latin typeface="현대하모니 B" panose="02020603020101020101" pitchFamily="18" charset="-127"/>
+                <a:ea typeface="현대하모니 B" panose="02020603020101020101" pitchFamily="18" charset="-127"/>
+              </a:rPr>
+              <a:t>)</a:t>
+            </a:r>
+          </a:p>
+          <a:p>
+            <a:pPr marL="228600" indent="-228600">
+              <a:buAutoNum type="arabicPeriod"/>
+            </a:pPr>
+            <a:r>
+              <a:rPr lang="en-US" altLang="ko-KR" sz="1000" dirty="0" smtClean="0">
+                <a:latin typeface="현대하모니 B" panose="02020603020101020101" pitchFamily="18" charset="-127"/>
+                <a:ea typeface="현대하모니 B" panose="02020603020101020101" pitchFamily="18" charset="-127"/>
+              </a:rPr>
+              <a:t>Run </a:t>
+            </a:r>
+            <a:r>
+              <a:rPr lang="ko-KR" altLang="en-US" sz="1000" dirty="0" smtClean="0">
+                <a:latin typeface="현대하모니 B" panose="02020603020101020101" pitchFamily="18" charset="-127"/>
+                <a:ea typeface="현대하모니 B" panose="02020603020101020101" pitchFamily="18" charset="-127"/>
+              </a:rPr>
+              <a:t>및 </a:t>
+            </a:r>
+            <a:r>
+              <a:rPr lang="en-US" altLang="ko-KR" sz="1000" dirty="0" smtClean="0">
+                <a:latin typeface="현대하모니 B" panose="02020603020101020101" pitchFamily="18" charset="-127"/>
+                <a:ea typeface="현대하모니 B" panose="02020603020101020101" pitchFamily="18" charset="-127"/>
+              </a:rPr>
+              <a:t>Combine Lot </a:t>
+            </a:r>
+            <a:r>
+              <a:rPr lang="ko-KR" altLang="en-US" sz="1000" dirty="0" smtClean="0">
+                <a:latin typeface="현대하모니 B" panose="02020603020101020101" pitchFamily="18" charset="-127"/>
+                <a:ea typeface="현대하모니 B" panose="02020603020101020101" pitchFamily="18" charset="-127"/>
+              </a:rPr>
+              <a:t>구성 시 </a:t>
+            </a:r>
+            <a:r>
+              <a:rPr lang="en-US" altLang="ko-KR" sz="1000" dirty="0" smtClean="0">
+                <a:latin typeface="현대하모니 B" panose="02020603020101020101" pitchFamily="18" charset="-127"/>
+                <a:ea typeface="현대하모니 B" panose="02020603020101020101" pitchFamily="18" charset="-127"/>
+              </a:rPr>
+              <a:t>Fab Site </a:t>
+            </a:r>
+            <a:r>
+              <a:rPr lang="ko-KR" altLang="en-US" sz="1000" dirty="0" smtClean="0">
+                <a:latin typeface="현대하모니 B" panose="02020603020101020101" pitchFamily="18" charset="-127"/>
+                <a:ea typeface="현대하모니 B" panose="02020603020101020101" pitchFamily="18" charset="-127"/>
+              </a:rPr>
+              <a:t>및 </a:t>
+            </a:r>
+            <a:r>
+              <a:rPr lang="en-US" altLang="ko-KR" sz="1000" dirty="0" err="1" smtClean="0">
+                <a:latin typeface="현대하모니 B" panose="02020603020101020101" pitchFamily="18" charset="-127"/>
+                <a:ea typeface="현대하모니 B" panose="02020603020101020101" pitchFamily="18" charset="-127"/>
+              </a:rPr>
+              <a:t>WorkWeek</a:t>
+            </a:r>
+            <a:r>
+              <a:rPr lang="en-US" altLang="ko-KR" sz="1000" dirty="0" smtClean="0">
+                <a:latin typeface="현대하모니 B" panose="02020603020101020101" pitchFamily="18" charset="-127"/>
+                <a:ea typeface="현대하모니 B" panose="02020603020101020101" pitchFamily="18" charset="-127"/>
+              </a:rPr>
+              <a:t> </a:t>
+            </a:r>
+            <a:r>
+              <a:rPr lang="ko-KR" altLang="en-US" sz="1000" dirty="0" smtClean="0">
+                <a:latin typeface="현대하모니 B" panose="02020603020101020101" pitchFamily="18" charset="-127"/>
+                <a:ea typeface="현대하모니 B" panose="02020603020101020101" pitchFamily="18" charset="-127"/>
+              </a:rPr>
+              <a:t>체크 하여 자동 </a:t>
+            </a:r>
+            <a:r>
+              <a:rPr lang="en-US" altLang="ko-KR" sz="1000" dirty="0" smtClean="0">
+                <a:latin typeface="현대하모니 B" panose="02020603020101020101" pitchFamily="18" charset="-127"/>
+                <a:ea typeface="현대하모니 B" panose="02020603020101020101" pitchFamily="18" charset="-127"/>
+              </a:rPr>
+              <a:t>Split </a:t>
+            </a:r>
+            <a:r>
+              <a:rPr lang="ko-KR" altLang="en-US" sz="1000" dirty="0" smtClean="0">
+                <a:latin typeface="현대하모니 B" panose="02020603020101020101" pitchFamily="18" charset="-127"/>
+                <a:ea typeface="현대하모니 B" panose="02020603020101020101" pitchFamily="18" charset="-127"/>
+              </a:rPr>
+              <a:t>및 생성</a:t>
+            </a:r>
+            <a:r>
+              <a:rPr lang="en-US" altLang="ko-KR" sz="1000" dirty="0" smtClean="0">
+                <a:latin typeface="현대하모니 B" panose="02020603020101020101" pitchFamily="18" charset="-127"/>
+                <a:ea typeface="현대하모니 B" panose="02020603020101020101" pitchFamily="18" charset="-127"/>
+              </a:rPr>
+              <a:t>.</a:t>
+            </a:r>
+          </a:p>
+        </p:txBody>
+      </p:sp>
+      <p:sp>
+        <p:nvSpPr>
+          <p:cNvPr id="7" name="직사각형 6">
+            <a:extLst>
+              <a:ext uri="{FF2B5EF4-FFF2-40B4-BE49-F238E27FC236}">
+                <a16:creationId xmlns:a16="http://schemas.microsoft.com/office/drawing/2014/main" id="{909668C4-1BF4-4ED3-7629-284DFFA5E9F1}"/>
+              </a:ext>
+            </a:extLst>
+          </p:cNvPr>
+          <p:cNvSpPr/>
+          <p:nvPr/>
+        </p:nvSpPr>
+        <p:spPr>
+          <a:xfrm>
+            <a:off x="885773" y="5702697"/>
+            <a:ext cx="7593763" cy="477054"/>
+          </a:xfrm>
+          <a:prstGeom prst="rect">
+            <a:avLst/>
+          </a:prstGeom>
+        </p:spPr>
+        <p:txBody>
+          <a:bodyPr wrap="square">
+            <a:spAutoFit/>
+          </a:bodyPr>
+          <a:lstStyle/>
+          <a:p>
+            <a:pPr>
+              <a:lnSpc>
+                <a:spcPct val="150000"/>
+              </a:lnSpc>
+            </a:pPr>
+            <a:r>
+              <a:rPr lang="en-US" altLang="ko-KR" sz="1000" dirty="0" smtClean="0">
+                <a:latin typeface="현대하모니 B" panose="02020603020101020101" pitchFamily="18" charset="-127"/>
+                <a:ea typeface="현대하모니 B" panose="02020603020101020101" pitchFamily="18" charset="-127"/>
+              </a:rPr>
+              <a:t>[</a:t>
+            </a:r>
+            <a:r>
+              <a:rPr lang="ko-KR" altLang="en-US" sz="1000" dirty="0" smtClean="0">
+                <a:latin typeface="현대하모니 B" panose="02020603020101020101" pitchFamily="18" charset="-127"/>
+                <a:ea typeface="현대하모니 B" panose="02020603020101020101" pitchFamily="18" charset="-127"/>
+              </a:rPr>
+              <a:t>성과</a:t>
+            </a:r>
+            <a:r>
+              <a:rPr lang="en-US" altLang="ko-KR" sz="1000" dirty="0" smtClean="0">
+                <a:latin typeface="현대하모니 B" panose="02020603020101020101" pitchFamily="18" charset="-127"/>
+                <a:ea typeface="현대하모니 B" panose="02020603020101020101" pitchFamily="18" charset="-127"/>
+              </a:rPr>
+              <a:t>]</a:t>
+            </a:r>
+            <a:endParaRPr lang="en-US" altLang="ko-KR" sz="1000" dirty="0">
+              <a:latin typeface="현대하모니 B" panose="02020603020101020101" pitchFamily="18" charset="-127"/>
+              <a:ea typeface="현대하모니 B" panose="02020603020101020101" pitchFamily="18" charset="-127"/>
+            </a:endParaRPr>
+          </a:p>
+          <a:p>
+            <a:r>
+              <a:rPr lang="ko-KR" altLang="en-US" sz="1000" dirty="0" smtClean="0">
+                <a:latin typeface="현대하모니 B" panose="02020603020101020101" pitchFamily="18" charset="-127"/>
+                <a:ea typeface="현대하모니 B" panose="02020603020101020101" pitchFamily="18" charset="-127"/>
+              </a:rPr>
+              <a:t>기존 </a:t>
+            </a:r>
+            <a:r>
+              <a:rPr lang="ko-KR" altLang="en-US" sz="1000" dirty="0">
+                <a:latin typeface="현대하모니 B" panose="02020603020101020101" pitchFamily="18" charset="-127"/>
+                <a:ea typeface="현대하모니 B" panose="02020603020101020101" pitchFamily="18" charset="-127"/>
+              </a:rPr>
+              <a:t>매뉴얼 방식 </a:t>
+            </a:r>
+            <a:r>
+              <a:rPr lang="ko-KR" altLang="en-US" sz="1000" dirty="0" smtClean="0">
+                <a:latin typeface="현대하모니 B" panose="02020603020101020101" pitchFamily="18" charset="-127"/>
+                <a:ea typeface="현대하모니 B" panose="02020603020101020101" pitchFamily="18" charset="-127"/>
+              </a:rPr>
+              <a:t>대비 </a:t>
+            </a:r>
+            <a:r>
+              <a:rPr lang="en-US" altLang="ko-KR" sz="1000" dirty="0" smtClean="0">
+                <a:latin typeface="현대하모니 B" panose="02020603020101020101" pitchFamily="18" charset="-127"/>
+                <a:ea typeface="현대하모니 B" panose="02020603020101020101" pitchFamily="18" charset="-127"/>
+              </a:rPr>
+              <a:t>Auto Schedule </a:t>
+            </a:r>
+            <a:r>
+              <a:rPr lang="ko-KR" altLang="en-US" sz="1000" dirty="0" smtClean="0">
+                <a:latin typeface="현대하모니 B" panose="02020603020101020101" pitchFamily="18" charset="-127"/>
+                <a:ea typeface="현대하모니 B" panose="02020603020101020101" pitchFamily="18" charset="-127"/>
+              </a:rPr>
+              <a:t>투입 약 </a:t>
+            </a:r>
+            <a:r>
+              <a:rPr lang="en-US" altLang="ko-KR" sz="1000" dirty="0" smtClean="0">
+                <a:latin typeface="현대하모니 B" panose="02020603020101020101" pitchFamily="18" charset="-127"/>
+                <a:ea typeface="현대하모니 B" panose="02020603020101020101" pitchFamily="18" charset="-127"/>
+              </a:rPr>
+              <a:t>5~60</a:t>
+            </a:r>
+            <a:r>
+              <a:rPr lang="ko-KR" altLang="en-US" sz="1000" dirty="0" smtClean="0">
+                <a:latin typeface="현대하모니 B" panose="02020603020101020101" pitchFamily="18" charset="-127"/>
+                <a:ea typeface="현대하모니 B" panose="02020603020101020101" pitchFamily="18" charset="-127"/>
+              </a:rPr>
+              <a:t>건 추가 </a:t>
+            </a:r>
+            <a:r>
+              <a:rPr lang="en-US" altLang="ko-KR" sz="1000" dirty="0" smtClean="0">
+                <a:latin typeface="현대하모니 B" panose="02020603020101020101" pitchFamily="18" charset="-127"/>
+                <a:ea typeface="현대하모니 B" panose="02020603020101020101" pitchFamily="18" charset="-127"/>
+              </a:rPr>
+              <a:t>/ </a:t>
+            </a:r>
+            <a:r>
+              <a:rPr lang="ko-KR" altLang="en-US" sz="1000" dirty="0" smtClean="0">
+                <a:latin typeface="현대하모니 B" panose="02020603020101020101" pitchFamily="18" charset="-127"/>
+                <a:ea typeface="현대하모니 B" panose="02020603020101020101" pitchFamily="18" charset="-127"/>
+              </a:rPr>
+              <a:t> </a:t>
+            </a:r>
+            <a:r>
+              <a:rPr lang="en-US" altLang="ko-KR" sz="1000" dirty="0" smtClean="0">
+                <a:latin typeface="현대하모니 B" panose="02020603020101020101" pitchFamily="18" charset="-127"/>
+                <a:ea typeface="현대하모니 B" panose="02020603020101020101" pitchFamily="18" charset="-127"/>
+              </a:rPr>
+              <a:t>Human Error </a:t>
+            </a:r>
+            <a:r>
+              <a:rPr lang="ko-KR" altLang="en-US" sz="1000" dirty="0" smtClean="0">
+                <a:latin typeface="현대하모니 B" panose="02020603020101020101" pitchFamily="18" charset="-127"/>
+                <a:ea typeface="현대하모니 B" panose="02020603020101020101" pitchFamily="18" charset="-127"/>
+              </a:rPr>
+              <a:t>감소 및 시간 단축으로 인한 작업 효율성 증가</a:t>
+            </a:r>
+            <a:endParaRPr lang="ko-KR" altLang="en-US" sz="1000" dirty="0">
+              <a:latin typeface="현대하모니 B" panose="02020603020101020101" pitchFamily="18" charset="-127"/>
+              <a:ea typeface="현대하모니 B" panose="02020603020101020101" pitchFamily="18" charset="-127"/>
+            </a:endParaRPr>
+          </a:p>
+        </p:txBody>
+      </p:sp>
+      <p:sp>
+        <p:nvSpPr>
+          <p:cNvPr id="12" name="Rectangle 9"/>
+          <p:cNvSpPr>
+            <a:spLocks noChangeArrowheads="1"/>
+          </p:cNvSpPr>
+          <p:nvPr/>
+        </p:nvSpPr>
+        <p:spPr bwMode="auto">
+          <a:xfrm>
+            <a:off x="1254946" y="2242733"/>
+            <a:ext cx="2435225" cy="3257601"/>
+          </a:xfrm>
+          <a:prstGeom prst="rect">
+            <a:avLst/>
+          </a:prstGeom>
+          <a:solidFill>
+            <a:schemeClr val="bg1"/>
+          </a:solidFill>
+          <a:ln w="28575">
+            <a:solidFill>
+              <a:srgbClr val="99CCFF"/>
+            </a:solidFill>
+            <a:miter lim="800000"/>
+            <a:headEnd/>
+            <a:tailEnd/>
+          </a:ln>
+          <a:effectLst>
+            <a:prstShdw prst="shdw17" dist="17961" dir="2700000">
+              <a:srgbClr val="5C7A99"/>
+            </a:prstShdw>
+          </a:effectLst>
+        </p:spPr>
+        <p:txBody>
+          <a:bodyPr lIns="0" tIns="82800" rIns="0" bIns="82800"/>
+          <a:lstStyle>
+            <a:lvl1pPr marL="190500" indent="-190500" defTabSz="282575">
+              <a:defRPr sz="2400">
+                <a:solidFill>
+                  <a:schemeClr val="tx1"/>
+                </a:solidFill>
+                <a:latin typeface="Trebuchet MS" panose="020B0603020202020204" pitchFamily="34" charset="0"/>
+                <a:ea typeface="돋움" panose="020B0600000101010101" pitchFamily="50" charset="-127"/>
+              </a:defRPr>
+            </a:lvl1pPr>
+            <a:lvl2pPr marL="742950" indent="-285750" defTabSz="282575">
+              <a:defRPr sz="2400">
+                <a:solidFill>
+                  <a:schemeClr val="tx1"/>
+                </a:solidFill>
+                <a:latin typeface="Trebuchet MS" panose="020B0603020202020204" pitchFamily="34" charset="0"/>
+                <a:ea typeface="돋움" panose="020B0600000101010101" pitchFamily="50" charset="-127"/>
+              </a:defRPr>
+            </a:lvl2pPr>
+            <a:lvl3pPr marL="1143000" indent="-228600" defTabSz="282575">
+              <a:defRPr sz="2400">
+                <a:solidFill>
+                  <a:schemeClr val="tx1"/>
+                </a:solidFill>
+                <a:latin typeface="Trebuchet MS" panose="020B0603020202020204" pitchFamily="34" charset="0"/>
+                <a:ea typeface="돋움" panose="020B0600000101010101" pitchFamily="50" charset="-127"/>
+              </a:defRPr>
+            </a:lvl3pPr>
+            <a:lvl4pPr marL="1600200" indent="-228600" defTabSz="282575">
+              <a:defRPr sz="2400">
+                <a:solidFill>
+                  <a:schemeClr val="tx1"/>
+                </a:solidFill>
+                <a:latin typeface="Trebuchet MS" panose="020B0603020202020204" pitchFamily="34" charset="0"/>
+                <a:ea typeface="돋움" panose="020B0600000101010101" pitchFamily="50" charset="-127"/>
+              </a:defRPr>
+            </a:lvl4pPr>
+            <a:lvl5pPr marL="2057400" indent="-228600" defTabSz="282575">
+              <a:defRPr sz="2400">
+                <a:solidFill>
+                  <a:schemeClr val="tx1"/>
+                </a:solidFill>
+                <a:latin typeface="Trebuchet MS" panose="020B0603020202020204" pitchFamily="34" charset="0"/>
+                <a:ea typeface="돋움" panose="020B0600000101010101" pitchFamily="50" charset="-127"/>
+              </a:defRPr>
+            </a:lvl5pPr>
+            <a:lvl6pPr marL="2514600" indent="-228600" defTabSz="282575" eaLnBrk="0" fontAlgn="base" hangingPunct="0">
+              <a:spcBef>
+                <a:spcPct val="0"/>
+              </a:spcBef>
+              <a:spcAft>
+                <a:spcPct val="0"/>
+              </a:spcAft>
+              <a:defRPr sz="2400">
+                <a:solidFill>
+                  <a:schemeClr val="tx1"/>
+                </a:solidFill>
+                <a:latin typeface="Trebuchet MS" panose="020B0603020202020204" pitchFamily="34" charset="0"/>
+                <a:ea typeface="돋움" panose="020B0600000101010101" pitchFamily="50" charset="-127"/>
+              </a:defRPr>
+            </a:lvl6pPr>
+            <a:lvl7pPr marL="2971800" indent="-228600" defTabSz="282575" eaLnBrk="0" fontAlgn="base" hangingPunct="0">
+              <a:spcBef>
+                <a:spcPct val="0"/>
+              </a:spcBef>
+              <a:spcAft>
+                <a:spcPct val="0"/>
+              </a:spcAft>
+              <a:defRPr sz="2400">
+                <a:solidFill>
+                  <a:schemeClr val="tx1"/>
+                </a:solidFill>
+                <a:latin typeface="Trebuchet MS" panose="020B0603020202020204" pitchFamily="34" charset="0"/>
+                <a:ea typeface="돋움" panose="020B0600000101010101" pitchFamily="50" charset="-127"/>
+              </a:defRPr>
+            </a:lvl7pPr>
+            <a:lvl8pPr marL="3429000" indent="-228600" defTabSz="282575" eaLnBrk="0" fontAlgn="base" hangingPunct="0">
+              <a:spcBef>
+                <a:spcPct val="0"/>
+              </a:spcBef>
+              <a:spcAft>
+                <a:spcPct val="0"/>
+              </a:spcAft>
+              <a:defRPr sz="2400">
+                <a:solidFill>
+                  <a:schemeClr val="tx1"/>
+                </a:solidFill>
+                <a:latin typeface="Trebuchet MS" panose="020B0603020202020204" pitchFamily="34" charset="0"/>
+                <a:ea typeface="돋움" panose="020B0600000101010101" pitchFamily="50" charset="-127"/>
+              </a:defRPr>
+            </a:lvl8pPr>
+            <a:lvl9pPr marL="3886200" indent="-228600" defTabSz="282575" eaLnBrk="0" fontAlgn="base" hangingPunct="0">
+              <a:spcBef>
+                <a:spcPct val="0"/>
+              </a:spcBef>
+              <a:spcAft>
+                <a:spcPct val="0"/>
+              </a:spcAft>
+              <a:defRPr sz="2400">
+                <a:solidFill>
+                  <a:schemeClr val="tx1"/>
+                </a:solidFill>
+                <a:latin typeface="Trebuchet MS" panose="020B0603020202020204" pitchFamily="34" charset="0"/>
+                <a:ea typeface="돋움" panose="020B0600000101010101" pitchFamily="50" charset="-127"/>
+              </a:defRPr>
+            </a:lvl9pPr>
+          </a:lstStyle>
+          <a:p>
+            <a:pPr eaLnBrk="1" latinLnBrk="1" hangingPunct="1">
+              <a:lnSpc>
+                <a:spcPct val="130000"/>
+              </a:lnSpc>
+              <a:buFont typeface="Wingdings" panose="05000000000000000000" pitchFamily="2" charset="2"/>
+              <a:buNone/>
+            </a:pPr>
+            <a:endParaRPr lang="ko-KR" altLang="ko-KR"/>
+          </a:p>
+        </p:txBody>
+      </p:sp>
+      <p:sp>
+        <p:nvSpPr>
+          <p:cNvPr id="13" name="AutoShape 22"/>
+          <p:cNvSpPr>
+            <a:spLocks noChangeArrowheads="1"/>
+          </p:cNvSpPr>
+          <p:nvPr/>
+        </p:nvSpPr>
+        <p:spPr bwMode="auto">
+          <a:xfrm>
+            <a:off x="1462909" y="2331346"/>
+            <a:ext cx="2063750" cy="293688"/>
+          </a:xfrm>
+          <a:prstGeom prst="roundRect">
+            <a:avLst>
+              <a:gd name="adj" fmla="val 0"/>
+            </a:avLst>
+          </a:prstGeom>
+          <a:solidFill>
+            <a:schemeClr val="bg1"/>
+          </a:solidFill>
+          <a:ln w="12700">
+            <a:solidFill>
+              <a:srgbClr val="638AD9"/>
+            </a:solidFill>
+            <a:round/>
+            <a:headEnd/>
+            <a:tailEnd/>
+          </a:ln>
+        </p:spPr>
+        <p:txBody>
+          <a:bodyPr wrap="none" anchor="ctr"/>
+          <a:lstStyle>
+            <a:lvl1pPr>
+              <a:defRPr sz="2400">
+                <a:solidFill>
+                  <a:schemeClr val="tx1"/>
+                </a:solidFill>
+                <a:latin typeface="Trebuchet MS" panose="020B0603020202020204" pitchFamily="34" charset="0"/>
+                <a:ea typeface="돋움" panose="020B0600000101010101" pitchFamily="50" charset="-127"/>
+              </a:defRPr>
+            </a:lvl1pPr>
+            <a:lvl2pPr marL="742950" indent="-285750">
+              <a:defRPr sz="2400">
+                <a:solidFill>
+                  <a:schemeClr val="tx1"/>
+                </a:solidFill>
+                <a:latin typeface="Trebuchet MS" panose="020B0603020202020204" pitchFamily="34" charset="0"/>
+                <a:ea typeface="돋움" panose="020B0600000101010101" pitchFamily="50" charset="-127"/>
+              </a:defRPr>
+            </a:lvl2pPr>
+            <a:lvl3pPr marL="1143000" indent="-228600">
+              <a:defRPr sz="2400">
+                <a:solidFill>
+                  <a:schemeClr val="tx1"/>
+                </a:solidFill>
+                <a:latin typeface="Trebuchet MS" panose="020B0603020202020204" pitchFamily="34" charset="0"/>
+                <a:ea typeface="돋움" panose="020B0600000101010101" pitchFamily="50" charset="-127"/>
+              </a:defRPr>
+            </a:lvl3pPr>
+            <a:lvl4pPr marL="1600200" indent="-228600">
+              <a:defRPr sz="2400">
+                <a:solidFill>
+                  <a:schemeClr val="tx1"/>
+                </a:solidFill>
+                <a:latin typeface="Trebuchet MS" panose="020B0603020202020204" pitchFamily="34" charset="0"/>
+                <a:ea typeface="돋움" panose="020B0600000101010101" pitchFamily="50" charset="-127"/>
+              </a:defRPr>
+            </a:lvl4pPr>
+            <a:lvl5pPr marL="2057400" indent="-228600">
+              <a:defRPr sz="2400">
+                <a:solidFill>
+                  <a:schemeClr val="tx1"/>
+                </a:solidFill>
+                <a:latin typeface="Trebuchet MS" panose="020B0603020202020204" pitchFamily="34" charset="0"/>
+                <a:ea typeface="돋움" panose="020B0600000101010101" pitchFamily="50" charset="-127"/>
+              </a:defRPr>
+            </a:lvl5pPr>
+            <a:lvl6pPr marL="2514600" indent="-228600" eaLnBrk="0" fontAlgn="base" hangingPunct="0">
+              <a:spcBef>
+                <a:spcPct val="0"/>
+              </a:spcBef>
+              <a:spcAft>
+                <a:spcPct val="0"/>
+              </a:spcAft>
+              <a:defRPr sz="2400">
+                <a:solidFill>
+                  <a:schemeClr val="tx1"/>
+                </a:solidFill>
+                <a:latin typeface="Trebuchet MS" panose="020B0603020202020204" pitchFamily="34" charset="0"/>
+                <a:ea typeface="돋움" panose="020B0600000101010101" pitchFamily="50" charset="-127"/>
+              </a:defRPr>
+            </a:lvl6pPr>
+            <a:lvl7pPr marL="2971800" indent="-228600" eaLnBrk="0" fontAlgn="base" hangingPunct="0">
+              <a:spcBef>
+                <a:spcPct val="0"/>
+              </a:spcBef>
+              <a:spcAft>
+                <a:spcPct val="0"/>
+              </a:spcAft>
+              <a:defRPr sz="2400">
+                <a:solidFill>
+                  <a:schemeClr val="tx1"/>
+                </a:solidFill>
+                <a:latin typeface="Trebuchet MS" panose="020B0603020202020204" pitchFamily="34" charset="0"/>
+                <a:ea typeface="돋움" panose="020B0600000101010101" pitchFamily="50" charset="-127"/>
+              </a:defRPr>
+            </a:lvl7pPr>
+            <a:lvl8pPr marL="3429000" indent="-228600" eaLnBrk="0" fontAlgn="base" hangingPunct="0">
+              <a:spcBef>
+                <a:spcPct val="0"/>
+              </a:spcBef>
+              <a:spcAft>
+                <a:spcPct val="0"/>
+              </a:spcAft>
+              <a:defRPr sz="2400">
+                <a:solidFill>
+                  <a:schemeClr val="tx1"/>
+                </a:solidFill>
+                <a:latin typeface="Trebuchet MS" panose="020B0603020202020204" pitchFamily="34" charset="0"/>
+                <a:ea typeface="돋움" panose="020B0600000101010101" pitchFamily="50" charset="-127"/>
+              </a:defRPr>
+            </a:lvl8pPr>
+            <a:lvl9pPr marL="3886200" indent="-228600" eaLnBrk="0" fontAlgn="base" hangingPunct="0">
+              <a:spcBef>
+                <a:spcPct val="0"/>
+              </a:spcBef>
+              <a:spcAft>
+                <a:spcPct val="0"/>
+              </a:spcAft>
+              <a:defRPr sz="2400">
+                <a:solidFill>
+                  <a:schemeClr val="tx1"/>
+                </a:solidFill>
+                <a:latin typeface="Trebuchet MS" panose="020B0603020202020204" pitchFamily="34" charset="0"/>
+                <a:ea typeface="돋움" panose="020B0600000101010101" pitchFamily="50" charset="-127"/>
+              </a:defRPr>
+            </a:lvl9pPr>
+          </a:lstStyle>
+          <a:p>
+            <a:pPr eaLnBrk="1" latinLnBrk="1" hangingPunct="1">
+              <a:buFont typeface="Wingdings" panose="05000000000000000000" pitchFamily="2" charset="2"/>
+              <a:buChar char="§"/>
+            </a:pPr>
+            <a:r>
+              <a:rPr kumimoji="1" lang="en-US" altLang="ko-KR" sz="1200" b="1" dirty="0">
+                <a:latin typeface="현대하모니 B" panose="02020603020101020101" pitchFamily="18" charset="-127"/>
+                <a:ea typeface="현대하모니 B" panose="02020603020101020101" pitchFamily="18" charset="-127"/>
+              </a:rPr>
+              <a:t>  In-Transit</a:t>
+            </a:r>
+          </a:p>
+        </p:txBody>
+      </p:sp>
+      <p:sp>
+        <p:nvSpPr>
+          <p:cNvPr id="14" name="AutoShape 22"/>
+          <p:cNvSpPr>
+            <a:spLocks noChangeArrowheads="1"/>
+          </p:cNvSpPr>
+          <p:nvPr/>
+        </p:nvSpPr>
+        <p:spPr bwMode="auto">
+          <a:xfrm>
+            <a:off x="1462909" y="2779021"/>
+            <a:ext cx="2052637" cy="293688"/>
+          </a:xfrm>
+          <a:prstGeom prst="roundRect">
+            <a:avLst>
+              <a:gd name="adj" fmla="val 0"/>
+            </a:avLst>
+          </a:prstGeom>
+          <a:solidFill>
+            <a:schemeClr val="bg1"/>
+          </a:solidFill>
+          <a:ln w="12700">
+            <a:solidFill>
+              <a:srgbClr val="638AD9"/>
+            </a:solidFill>
+            <a:round/>
+            <a:headEnd/>
+            <a:tailEnd/>
+          </a:ln>
+        </p:spPr>
+        <p:txBody>
+          <a:bodyPr wrap="none" anchor="ctr"/>
+          <a:lstStyle>
+            <a:lvl1pPr>
+              <a:defRPr sz="2400">
+                <a:solidFill>
+                  <a:schemeClr val="tx1"/>
+                </a:solidFill>
+                <a:latin typeface="Trebuchet MS" panose="020B0603020202020204" pitchFamily="34" charset="0"/>
+                <a:ea typeface="돋움" panose="020B0600000101010101" pitchFamily="50" charset="-127"/>
+              </a:defRPr>
+            </a:lvl1pPr>
+            <a:lvl2pPr marL="742950" indent="-285750">
+              <a:defRPr sz="2400">
+                <a:solidFill>
+                  <a:schemeClr val="tx1"/>
+                </a:solidFill>
+                <a:latin typeface="Trebuchet MS" panose="020B0603020202020204" pitchFamily="34" charset="0"/>
+                <a:ea typeface="돋움" panose="020B0600000101010101" pitchFamily="50" charset="-127"/>
+              </a:defRPr>
+            </a:lvl2pPr>
+            <a:lvl3pPr marL="1143000" indent="-228600">
+              <a:defRPr sz="2400">
+                <a:solidFill>
+                  <a:schemeClr val="tx1"/>
+                </a:solidFill>
+                <a:latin typeface="Trebuchet MS" panose="020B0603020202020204" pitchFamily="34" charset="0"/>
+                <a:ea typeface="돋움" panose="020B0600000101010101" pitchFamily="50" charset="-127"/>
+              </a:defRPr>
+            </a:lvl3pPr>
+            <a:lvl4pPr marL="1600200" indent="-228600">
+              <a:defRPr sz="2400">
+                <a:solidFill>
+                  <a:schemeClr val="tx1"/>
+                </a:solidFill>
+                <a:latin typeface="Trebuchet MS" panose="020B0603020202020204" pitchFamily="34" charset="0"/>
+                <a:ea typeface="돋움" panose="020B0600000101010101" pitchFamily="50" charset="-127"/>
+              </a:defRPr>
+            </a:lvl4pPr>
+            <a:lvl5pPr marL="2057400" indent="-228600">
+              <a:defRPr sz="2400">
+                <a:solidFill>
+                  <a:schemeClr val="tx1"/>
+                </a:solidFill>
+                <a:latin typeface="Trebuchet MS" panose="020B0603020202020204" pitchFamily="34" charset="0"/>
+                <a:ea typeface="돋움" panose="020B0600000101010101" pitchFamily="50" charset="-127"/>
+              </a:defRPr>
+            </a:lvl5pPr>
+            <a:lvl6pPr marL="2514600" indent="-228600" eaLnBrk="0" fontAlgn="base" hangingPunct="0">
+              <a:spcBef>
+                <a:spcPct val="0"/>
+              </a:spcBef>
+              <a:spcAft>
+                <a:spcPct val="0"/>
+              </a:spcAft>
+              <a:defRPr sz="2400">
+                <a:solidFill>
+                  <a:schemeClr val="tx1"/>
+                </a:solidFill>
+                <a:latin typeface="Trebuchet MS" panose="020B0603020202020204" pitchFamily="34" charset="0"/>
+                <a:ea typeface="돋움" panose="020B0600000101010101" pitchFamily="50" charset="-127"/>
+              </a:defRPr>
+            </a:lvl6pPr>
+            <a:lvl7pPr marL="2971800" indent="-228600" eaLnBrk="0" fontAlgn="base" hangingPunct="0">
+              <a:spcBef>
+                <a:spcPct val="0"/>
+              </a:spcBef>
+              <a:spcAft>
+                <a:spcPct val="0"/>
+              </a:spcAft>
+              <a:defRPr sz="2400">
+                <a:solidFill>
+                  <a:schemeClr val="tx1"/>
+                </a:solidFill>
+                <a:latin typeface="Trebuchet MS" panose="020B0603020202020204" pitchFamily="34" charset="0"/>
+                <a:ea typeface="돋움" panose="020B0600000101010101" pitchFamily="50" charset="-127"/>
+              </a:defRPr>
+            </a:lvl7pPr>
+            <a:lvl8pPr marL="3429000" indent="-228600" eaLnBrk="0" fontAlgn="base" hangingPunct="0">
+              <a:spcBef>
+                <a:spcPct val="0"/>
+              </a:spcBef>
+              <a:spcAft>
+                <a:spcPct val="0"/>
+              </a:spcAft>
+              <a:defRPr sz="2400">
+                <a:solidFill>
+                  <a:schemeClr val="tx1"/>
+                </a:solidFill>
+                <a:latin typeface="Trebuchet MS" panose="020B0603020202020204" pitchFamily="34" charset="0"/>
+                <a:ea typeface="돋움" panose="020B0600000101010101" pitchFamily="50" charset="-127"/>
+              </a:defRPr>
+            </a:lvl8pPr>
+            <a:lvl9pPr marL="3886200" indent="-228600" eaLnBrk="0" fontAlgn="base" hangingPunct="0">
+              <a:spcBef>
+                <a:spcPct val="0"/>
+              </a:spcBef>
+              <a:spcAft>
+                <a:spcPct val="0"/>
+              </a:spcAft>
+              <a:defRPr sz="2400">
+                <a:solidFill>
+                  <a:schemeClr val="tx1"/>
+                </a:solidFill>
+                <a:latin typeface="Trebuchet MS" panose="020B0603020202020204" pitchFamily="34" charset="0"/>
+                <a:ea typeface="돋움" panose="020B0600000101010101" pitchFamily="50" charset="-127"/>
+              </a:defRPr>
+            </a:lvl9pPr>
+          </a:lstStyle>
+          <a:p>
+            <a:pPr eaLnBrk="1" latinLnBrk="1" hangingPunct="1">
+              <a:buFont typeface="Wingdings" panose="05000000000000000000" pitchFamily="2" charset="2"/>
+              <a:buChar char="§"/>
+            </a:pPr>
+            <a:r>
+              <a:rPr kumimoji="1" lang="en-US" altLang="ko-KR" sz="1200" b="1">
+                <a:latin typeface="현대하모니 B" panose="02020603020101020101" pitchFamily="18" charset="-127"/>
+                <a:ea typeface="현대하모니 B" panose="02020603020101020101" pitchFamily="18" charset="-127"/>
+              </a:rPr>
+              <a:t>  Receipt to Die Bank</a:t>
+            </a:r>
+          </a:p>
+        </p:txBody>
+      </p:sp>
+      <p:cxnSp>
+        <p:nvCxnSpPr>
+          <p:cNvPr id="15" name="AutoShape 15"/>
+          <p:cNvCxnSpPr>
+            <a:cxnSpLocks noChangeShapeType="1"/>
+            <a:stCxn id="13" idx="2"/>
+            <a:endCxn id="14" idx="0"/>
+          </p:cNvCxnSpPr>
+          <p:nvPr/>
+        </p:nvCxnSpPr>
+        <p:spPr bwMode="auto">
+          <a:xfrm flipH="1">
+            <a:off x="2490021" y="2625034"/>
+            <a:ext cx="4763" cy="153987"/>
+          </a:xfrm>
+          <a:prstGeom prst="straightConnector1">
+            <a:avLst/>
+          </a:prstGeom>
+          <a:noFill/>
+          <a:ln w="9525">
+            <a:solidFill>
+              <a:schemeClr val="tx1"/>
+            </a:solidFill>
+            <a:round/>
+            <a:headEnd/>
+            <a:tailEnd type="triangle" w="med" len="med"/>
+          </a:ln>
+          <a:extLst>
+            <a:ext uri="{909E8E84-426E-40DD-AFC4-6F175D3DCCD1}">
+              <a14:hiddenFill xmlns:a14="http://schemas.microsoft.com/office/drawing/2010/main">
+                <a:noFill/>
+              </a14:hiddenFill>
+            </a:ext>
+          </a:extLst>
+        </p:spPr>
+      </p:cxnSp>
+      <p:sp>
+        <p:nvSpPr>
+          <p:cNvPr id="16" name="AutoShape 22"/>
+          <p:cNvSpPr>
+            <a:spLocks noChangeArrowheads="1"/>
+          </p:cNvSpPr>
+          <p:nvPr/>
+        </p:nvSpPr>
+        <p:spPr bwMode="auto">
+          <a:xfrm>
+            <a:off x="1462909" y="3236221"/>
+            <a:ext cx="2052637" cy="293688"/>
+          </a:xfrm>
+          <a:prstGeom prst="roundRect">
+            <a:avLst>
+              <a:gd name="adj" fmla="val 0"/>
+            </a:avLst>
+          </a:prstGeom>
+          <a:solidFill>
+            <a:schemeClr val="bg1"/>
+          </a:solidFill>
+          <a:ln w="12700">
+            <a:solidFill>
+              <a:srgbClr val="638AD9"/>
+            </a:solidFill>
+            <a:round/>
+            <a:headEnd/>
+            <a:tailEnd/>
+          </a:ln>
+        </p:spPr>
+        <p:txBody>
+          <a:bodyPr wrap="none" anchor="ctr"/>
+          <a:lstStyle>
+            <a:lvl1pPr>
+              <a:defRPr sz="2400">
+                <a:solidFill>
+                  <a:schemeClr val="tx1"/>
+                </a:solidFill>
+                <a:latin typeface="Trebuchet MS" panose="020B0603020202020204" pitchFamily="34" charset="0"/>
+                <a:ea typeface="돋움" panose="020B0600000101010101" pitchFamily="50" charset="-127"/>
+              </a:defRPr>
+            </a:lvl1pPr>
+            <a:lvl2pPr marL="742950" indent="-285750">
+              <a:defRPr sz="2400">
+                <a:solidFill>
+                  <a:schemeClr val="tx1"/>
+                </a:solidFill>
+                <a:latin typeface="Trebuchet MS" panose="020B0603020202020204" pitchFamily="34" charset="0"/>
+                <a:ea typeface="돋움" panose="020B0600000101010101" pitchFamily="50" charset="-127"/>
+              </a:defRPr>
+            </a:lvl2pPr>
+            <a:lvl3pPr marL="1143000" indent="-228600">
+              <a:defRPr sz="2400">
+                <a:solidFill>
+                  <a:schemeClr val="tx1"/>
+                </a:solidFill>
+                <a:latin typeface="Trebuchet MS" panose="020B0603020202020204" pitchFamily="34" charset="0"/>
+                <a:ea typeface="돋움" panose="020B0600000101010101" pitchFamily="50" charset="-127"/>
+              </a:defRPr>
+            </a:lvl3pPr>
+            <a:lvl4pPr marL="1600200" indent="-228600">
+              <a:defRPr sz="2400">
+                <a:solidFill>
+                  <a:schemeClr val="tx1"/>
+                </a:solidFill>
+                <a:latin typeface="Trebuchet MS" panose="020B0603020202020204" pitchFamily="34" charset="0"/>
+                <a:ea typeface="돋움" panose="020B0600000101010101" pitchFamily="50" charset="-127"/>
+              </a:defRPr>
+            </a:lvl4pPr>
+            <a:lvl5pPr marL="2057400" indent="-228600">
+              <a:defRPr sz="2400">
+                <a:solidFill>
+                  <a:schemeClr val="tx1"/>
+                </a:solidFill>
+                <a:latin typeface="Trebuchet MS" panose="020B0603020202020204" pitchFamily="34" charset="0"/>
+                <a:ea typeface="돋움" panose="020B0600000101010101" pitchFamily="50" charset="-127"/>
+              </a:defRPr>
+            </a:lvl5pPr>
+            <a:lvl6pPr marL="2514600" indent="-228600" eaLnBrk="0" fontAlgn="base" hangingPunct="0">
+              <a:spcBef>
+                <a:spcPct val="0"/>
+              </a:spcBef>
+              <a:spcAft>
+                <a:spcPct val="0"/>
+              </a:spcAft>
+              <a:defRPr sz="2400">
+                <a:solidFill>
+                  <a:schemeClr val="tx1"/>
+                </a:solidFill>
+                <a:latin typeface="Trebuchet MS" panose="020B0603020202020204" pitchFamily="34" charset="0"/>
+                <a:ea typeface="돋움" panose="020B0600000101010101" pitchFamily="50" charset="-127"/>
+              </a:defRPr>
+            </a:lvl6pPr>
+            <a:lvl7pPr marL="2971800" indent="-228600" eaLnBrk="0" fontAlgn="base" hangingPunct="0">
+              <a:spcBef>
+                <a:spcPct val="0"/>
+              </a:spcBef>
+              <a:spcAft>
+                <a:spcPct val="0"/>
+              </a:spcAft>
+              <a:defRPr sz="2400">
+                <a:solidFill>
+                  <a:schemeClr val="tx1"/>
+                </a:solidFill>
+                <a:latin typeface="Trebuchet MS" panose="020B0603020202020204" pitchFamily="34" charset="0"/>
+                <a:ea typeface="돋움" panose="020B0600000101010101" pitchFamily="50" charset="-127"/>
+              </a:defRPr>
+            </a:lvl7pPr>
+            <a:lvl8pPr marL="3429000" indent="-228600" eaLnBrk="0" fontAlgn="base" hangingPunct="0">
+              <a:spcBef>
+                <a:spcPct val="0"/>
+              </a:spcBef>
+              <a:spcAft>
+                <a:spcPct val="0"/>
+              </a:spcAft>
+              <a:defRPr sz="2400">
+                <a:solidFill>
+                  <a:schemeClr val="tx1"/>
+                </a:solidFill>
+                <a:latin typeface="Trebuchet MS" panose="020B0603020202020204" pitchFamily="34" charset="0"/>
+                <a:ea typeface="돋움" panose="020B0600000101010101" pitchFamily="50" charset="-127"/>
+              </a:defRPr>
+            </a:lvl8pPr>
+            <a:lvl9pPr marL="3886200" indent="-228600" eaLnBrk="0" fontAlgn="base" hangingPunct="0">
+              <a:spcBef>
+                <a:spcPct val="0"/>
+              </a:spcBef>
+              <a:spcAft>
+                <a:spcPct val="0"/>
+              </a:spcAft>
+              <a:defRPr sz="2400">
+                <a:solidFill>
+                  <a:schemeClr val="tx1"/>
+                </a:solidFill>
+                <a:latin typeface="Trebuchet MS" panose="020B0603020202020204" pitchFamily="34" charset="0"/>
+                <a:ea typeface="돋움" panose="020B0600000101010101" pitchFamily="50" charset="-127"/>
+              </a:defRPr>
+            </a:lvl9pPr>
+          </a:lstStyle>
+          <a:p>
+            <a:pPr eaLnBrk="1" latinLnBrk="1" hangingPunct="1">
+              <a:buFont typeface="Wingdings" panose="05000000000000000000" pitchFamily="2" charset="2"/>
+              <a:buChar char="§"/>
+            </a:pPr>
+            <a:r>
+              <a:rPr kumimoji="1" lang="en-US" altLang="ko-KR" sz="1200" b="1" dirty="0">
+                <a:latin typeface="현대하모니 B" panose="02020603020101020101" pitchFamily="18" charset="-127"/>
+                <a:ea typeface="현대하모니 B" panose="02020603020101020101" pitchFamily="18" charset="-127"/>
+              </a:rPr>
+              <a:t>  </a:t>
+            </a:r>
+            <a:r>
+              <a:rPr kumimoji="1" lang="en-US" altLang="ko-KR" sz="1200" b="1" dirty="0" smtClean="0">
+                <a:latin typeface="현대하모니 B" panose="02020603020101020101" pitchFamily="18" charset="-127"/>
+                <a:ea typeface="현대하모니 B" panose="02020603020101020101" pitchFamily="18" charset="-127"/>
+              </a:rPr>
+              <a:t>Create Schedule</a:t>
+            </a:r>
+            <a:endParaRPr kumimoji="1" lang="en-US" altLang="ko-KR" sz="1200" b="1" dirty="0">
+              <a:latin typeface="현대하모니 B" panose="02020603020101020101" pitchFamily="18" charset="-127"/>
+              <a:ea typeface="현대하모니 B" panose="02020603020101020101" pitchFamily="18" charset="-127"/>
+            </a:endParaRPr>
+          </a:p>
+        </p:txBody>
+      </p:sp>
+      <p:cxnSp>
+        <p:nvCxnSpPr>
+          <p:cNvPr id="17" name="AutoShape 19"/>
+          <p:cNvCxnSpPr>
+            <a:cxnSpLocks noChangeShapeType="1"/>
+            <a:endCxn id="16" idx="0"/>
+          </p:cNvCxnSpPr>
+          <p:nvPr/>
+        </p:nvCxnSpPr>
+        <p:spPr bwMode="auto">
+          <a:xfrm flipH="1">
+            <a:off x="2490021" y="3082234"/>
+            <a:ext cx="4763" cy="153987"/>
+          </a:xfrm>
+          <a:prstGeom prst="straightConnector1">
+            <a:avLst/>
+          </a:prstGeom>
+          <a:noFill/>
+          <a:ln w="9525">
+            <a:solidFill>
+              <a:schemeClr val="tx1"/>
+            </a:solidFill>
+            <a:round/>
+            <a:headEnd/>
+            <a:tailEnd type="triangle" w="med" len="med"/>
+          </a:ln>
+          <a:extLst>
+            <a:ext uri="{909E8E84-426E-40DD-AFC4-6F175D3DCCD1}">
+              <a14:hiddenFill xmlns:a14="http://schemas.microsoft.com/office/drawing/2010/main">
+                <a:noFill/>
+              </a14:hiddenFill>
+            </a:ext>
+          </a:extLst>
+        </p:spPr>
+      </p:cxnSp>
+      <p:sp>
+        <p:nvSpPr>
+          <p:cNvPr id="18" name="AutoShape 22"/>
+          <p:cNvSpPr>
+            <a:spLocks noChangeArrowheads="1"/>
+          </p:cNvSpPr>
+          <p:nvPr/>
+        </p:nvSpPr>
+        <p:spPr bwMode="auto">
+          <a:xfrm>
+            <a:off x="1458940" y="4671502"/>
+            <a:ext cx="2052637" cy="293688"/>
+          </a:xfrm>
+          <a:prstGeom prst="roundRect">
+            <a:avLst>
+              <a:gd name="adj" fmla="val 0"/>
+            </a:avLst>
+          </a:prstGeom>
+          <a:solidFill>
+            <a:schemeClr val="bg1"/>
+          </a:solidFill>
+          <a:ln w="12700">
+            <a:solidFill>
+              <a:srgbClr val="638AD9"/>
+            </a:solidFill>
+            <a:round/>
+            <a:headEnd/>
+            <a:tailEnd/>
+          </a:ln>
+        </p:spPr>
+        <p:txBody>
+          <a:bodyPr wrap="none" anchor="ctr"/>
+          <a:lstStyle>
+            <a:lvl1pPr>
+              <a:defRPr sz="2400">
+                <a:solidFill>
+                  <a:schemeClr val="tx1"/>
+                </a:solidFill>
+                <a:latin typeface="Trebuchet MS" panose="020B0603020202020204" pitchFamily="34" charset="0"/>
+                <a:ea typeface="돋움" panose="020B0600000101010101" pitchFamily="50" charset="-127"/>
+              </a:defRPr>
+            </a:lvl1pPr>
+            <a:lvl2pPr marL="742950" indent="-285750">
+              <a:defRPr sz="2400">
+                <a:solidFill>
+                  <a:schemeClr val="tx1"/>
+                </a:solidFill>
+                <a:latin typeface="Trebuchet MS" panose="020B0603020202020204" pitchFamily="34" charset="0"/>
+                <a:ea typeface="돋움" panose="020B0600000101010101" pitchFamily="50" charset="-127"/>
+              </a:defRPr>
+            </a:lvl2pPr>
+            <a:lvl3pPr marL="1143000" indent="-228600">
+              <a:defRPr sz="2400">
+                <a:solidFill>
+                  <a:schemeClr val="tx1"/>
+                </a:solidFill>
+                <a:latin typeface="Trebuchet MS" panose="020B0603020202020204" pitchFamily="34" charset="0"/>
+                <a:ea typeface="돋움" panose="020B0600000101010101" pitchFamily="50" charset="-127"/>
+              </a:defRPr>
+            </a:lvl3pPr>
+            <a:lvl4pPr marL="1600200" indent="-228600">
+              <a:defRPr sz="2400">
+                <a:solidFill>
+                  <a:schemeClr val="tx1"/>
+                </a:solidFill>
+                <a:latin typeface="Trebuchet MS" panose="020B0603020202020204" pitchFamily="34" charset="0"/>
+                <a:ea typeface="돋움" panose="020B0600000101010101" pitchFamily="50" charset="-127"/>
+              </a:defRPr>
+            </a:lvl4pPr>
+            <a:lvl5pPr marL="2057400" indent="-228600">
+              <a:defRPr sz="2400">
+                <a:solidFill>
+                  <a:schemeClr val="tx1"/>
+                </a:solidFill>
+                <a:latin typeface="Trebuchet MS" panose="020B0603020202020204" pitchFamily="34" charset="0"/>
+                <a:ea typeface="돋움" panose="020B0600000101010101" pitchFamily="50" charset="-127"/>
+              </a:defRPr>
+            </a:lvl5pPr>
+            <a:lvl6pPr marL="2514600" indent="-228600" eaLnBrk="0" fontAlgn="base" hangingPunct="0">
+              <a:spcBef>
+                <a:spcPct val="0"/>
+              </a:spcBef>
+              <a:spcAft>
+                <a:spcPct val="0"/>
+              </a:spcAft>
+              <a:defRPr sz="2400">
+                <a:solidFill>
+                  <a:schemeClr val="tx1"/>
+                </a:solidFill>
+                <a:latin typeface="Trebuchet MS" panose="020B0603020202020204" pitchFamily="34" charset="0"/>
+                <a:ea typeface="돋움" panose="020B0600000101010101" pitchFamily="50" charset="-127"/>
+              </a:defRPr>
+            </a:lvl6pPr>
+            <a:lvl7pPr marL="2971800" indent="-228600" eaLnBrk="0" fontAlgn="base" hangingPunct="0">
+              <a:spcBef>
+                <a:spcPct val="0"/>
+              </a:spcBef>
+              <a:spcAft>
+                <a:spcPct val="0"/>
+              </a:spcAft>
+              <a:defRPr sz="2400">
+                <a:solidFill>
+                  <a:schemeClr val="tx1"/>
+                </a:solidFill>
+                <a:latin typeface="Trebuchet MS" panose="020B0603020202020204" pitchFamily="34" charset="0"/>
+                <a:ea typeface="돋움" panose="020B0600000101010101" pitchFamily="50" charset="-127"/>
+              </a:defRPr>
+            </a:lvl7pPr>
+            <a:lvl8pPr marL="3429000" indent="-228600" eaLnBrk="0" fontAlgn="base" hangingPunct="0">
+              <a:spcBef>
+                <a:spcPct val="0"/>
+              </a:spcBef>
+              <a:spcAft>
+                <a:spcPct val="0"/>
+              </a:spcAft>
+              <a:defRPr sz="2400">
+                <a:solidFill>
+                  <a:schemeClr val="tx1"/>
+                </a:solidFill>
+                <a:latin typeface="Trebuchet MS" panose="020B0603020202020204" pitchFamily="34" charset="0"/>
+                <a:ea typeface="돋움" panose="020B0600000101010101" pitchFamily="50" charset="-127"/>
+              </a:defRPr>
+            </a:lvl8pPr>
+            <a:lvl9pPr marL="3886200" indent="-228600" eaLnBrk="0" fontAlgn="base" hangingPunct="0">
+              <a:spcBef>
+                <a:spcPct val="0"/>
+              </a:spcBef>
+              <a:spcAft>
+                <a:spcPct val="0"/>
+              </a:spcAft>
+              <a:defRPr sz="2400">
+                <a:solidFill>
+                  <a:schemeClr val="tx1"/>
+                </a:solidFill>
+                <a:latin typeface="Trebuchet MS" panose="020B0603020202020204" pitchFamily="34" charset="0"/>
+                <a:ea typeface="돋움" panose="020B0600000101010101" pitchFamily="50" charset="-127"/>
+              </a:defRPr>
+            </a:lvl9pPr>
+          </a:lstStyle>
+          <a:p>
+            <a:pPr eaLnBrk="1" latinLnBrk="1" hangingPunct="1">
+              <a:buFont typeface="Wingdings" panose="05000000000000000000" pitchFamily="2" charset="2"/>
+              <a:buChar char="§"/>
+            </a:pPr>
+            <a:r>
+              <a:rPr kumimoji="1" lang="en-US" altLang="ko-KR" sz="1200" b="1">
+                <a:latin typeface="현대하모니 B" panose="02020603020101020101" pitchFamily="18" charset="-127"/>
+                <a:ea typeface="현대하모니 B" panose="02020603020101020101" pitchFamily="18" charset="-127"/>
+              </a:rPr>
+              <a:t>  SHIP</a:t>
+            </a:r>
+          </a:p>
+        </p:txBody>
+      </p:sp>
+      <p:cxnSp>
+        <p:nvCxnSpPr>
+          <p:cNvPr id="19" name="AutoShape 21"/>
+          <p:cNvCxnSpPr>
+            <a:cxnSpLocks noChangeShapeType="1"/>
+          </p:cNvCxnSpPr>
+          <p:nvPr/>
+        </p:nvCxnSpPr>
+        <p:spPr bwMode="auto">
+          <a:xfrm flipH="1">
+            <a:off x="2485259" y="3548959"/>
+            <a:ext cx="4762" cy="153987"/>
+          </a:xfrm>
+          <a:prstGeom prst="straightConnector1">
+            <a:avLst/>
+          </a:prstGeom>
+          <a:noFill/>
+          <a:ln w="9525">
+            <a:solidFill>
+              <a:schemeClr val="tx1"/>
+            </a:solidFill>
+            <a:round/>
+            <a:headEnd/>
+            <a:tailEnd type="triangle" w="med" len="med"/>
+          </a:ln>
+          <a:extLst>
+            <a:ext uri="{909E8E84-426E-40DD-AFC4-6F175D3DCCD1}">
+              <a14:hiddenFill xmlns:a14="http://schemas.microsoft.com/office/drawing/2010/main">
+                <a:noFill/>
+              </a14:hiddenFill>
+            </a:ext>
+          </a:extLst>
+        </p:spPr>
+      </p:cxnSp>
+      <p:sp>
+        <p:nvSpPr>
+          <p:cNvPr id="20" name="AutoShape 22"/>
+          <p:cNvSpPr>
+            <a:spLocks noChangeArrowheads="1"/>
+          </p:cNvSpPr>
+          <p:nvPr/>
+        </p:nvSpPr>
+        <p:spPr bwMode="auto">
+          <a:xfrm>
+            <a:off x="1466083" y="3703701"/>
+            <a:ext cx="2052637" cy="293688"/>
+          </a:xfrm>
+          <a:prstGeom prst="roundRect">
+            <a:avLst>
+              <a:gd name="adj" fmla="val 0"/>
+            </a:avLst>
+          </a:prstGeom>
+          <a:solidFill>
+            <a:schemeClr val="bg1"/>
+          </a:solidFill>
+          <a:ln w="12700">
+            <a:solidFill>
+              <a:srgbClr val="638AD9"/>
+            </a:solidFill>
+            <a:round/>
+            <a:headEnd/>
+            <a:tailEnd/>
+          </a:ln>
+        </p:spPr>
+        <p:txBody>
+          <a:bodyPr wrap="none" anchor="ctr"/>
+          <a:lstStyle>
+            <a:lvl1pPr>
+              <a:defRPr sz="2400">
+                <a:solidFill>
+                  <a:schemeClr val="tx1"/>
+                </a:solidFill>
+                <a:latin typeface="Trebuchet MS" panose="020B0603020202020204" pitchFamily="34" charset="0"/>
+                <a:ea typeface="돋움" panose="020B0600000101010101" pitchFamily="50" charset="-127"/>
+              </a:defRPr>
+            </a:lvl1pPr>
+            <a:lvl2pPr marL="742950" indent="-285750">
+              <a:defRPr sz="2400">
+                <a:solidFill>
+                  <a:schemeClr val="tx1"/>
+                </a:solidFill>
+                <a:latin typeface="Trebuchet MS" panose="020B0603020202020204" pitchFamily="34" charset="0"/>
+                <a:ea typeface="돋움" panose="020B0600000101010101" pitchFamily="50" charset="-127"/>
+              </a:defRPr>
+            </a:lvl2pPr>
+            <a:lvl3pPr marL="1143000" indent="-228600">
+              <a:defRPr sz="2400">
+                <a:solidFill>
+                  <a:schemeClr val="tx1"/>
+                </a:solidFill>
+                <a:latin typeface="Trebuchet MS" panose="020B0603020202020204" pitchFamily="34" charset="0"/>
+                <a:ea typeface="돋움" panose="020B0600000101010101" pitchFamily="50" charset="-127"/>
+              </a:defRPr>
+            </a:lvl3pPr>
+            <a:lvl4pPr marL="1600200" indent="-228600">
+              <a:defRPr sz="2400">
+                <a:solidFill>
+                  <a:schemeClr val="tx1"/>
+                </a:solidFill>
+                <a:latin typeface="Trebuchet MS" panose="020B0603020202020204" pitchFamily="34" charset="0"/>
+                <a:ea typeface="돋움" panose="020B0600000101010101" pitchFamily="50" charset="-127"/>
+              </a:defRPr>
+            </a:lvl4pPr>
+            <a:lvl5pPr marL="2057400" indent="-228600">
+              <a:defRPr sz="2400">
+                <a:solidFill>
+                  <a:schemeClr val="tx1"/>
+                </a:solidFill>
+                <a:latin typeface="Trebuchet MS" panose="020B0603020202020204" pitchFamily="34" charset="0"/>
+                <a:ea typeface="돋움" panose="020B0600000101010101" pitchFamily="50" charset="-127"/>
+              </a:defRPr>
+            </a:lvl5pPr>
+            <a:lvl6pPr marL="2514600" indent="-228600" eaLnBrk="0" fontAlgn="base" hangingPunct="0">
+              <a:spcBef>
+                <a:spcPct val="0"/>
+              </a:spcBef>
+              <a:spcAft>
+                <a:spcPct val="0"/>
+              </a:spcAft>
+              <a:defRPr sz="2400">
+                <a:solidFill>
+                  <a:schemeClr val="tx1"/>
+                </a:solidFill>
+                <a:latin typeface="Trebuchet MS" panose="020B0603020202020204" pitchFamily="34" charset="0"/>
+                <a:ea typeface="돋움" panose="020B0600000101010101" pitchFamily="50" charset="-127"/>
+              </a:defRPr>
+            </a:lvl6pPr>
+            <a:lvl7pPr marL="2971800" indent="-228600" eaLnBrk="0" fontAlgn="base" hangingPunct="0">
+              <a:spcBef>
+                <a:spcPct val="0"/>
+              </a:spcBef>
+              <a:spcAft>
+                <a:spcPct val="0"/>
+              </a:spcAft>
+              <a:defRPr sz="2400">
+                <a:solidFill>
+                  <a:schemeClr val="tx1"/>
+                </a:solidFill>
+                <a:latin typeface="Trebuchet MS" panose="020B0603020202020204" pitchFamily="34" charset="0"/>
+                <a:ea typeface="돋움" panose="020B0600000101010101" pitchFamily="50" charset="-127"/>
+              </a:defRPr>
+            </a:lvl7pPr>
+            <a:lvl8pPr marL="3429000" indent="-228600" eaLnBrk="0" fontAlgn="base" hangingPunct="0">
+              <a:spcBef>
+                <a:spcPct val="0"/>
+              </a:spcBef>
+              <a:spcAft>
+                <a:spcPct val="0"/>
+              </a:spcAft>
+              <a:defRPr sz="2400">
+                <a:solidFill>
+                  <a:schemeClr val="tx1"/>
+                </a:solidFill>
+                <a:latin typeface="Trebuchet MS" panose="020B0603020202020204" pitchFamily="34" charset="0"/>
+                <a:ea typeface="돋움" panose="020B0600000101010101" pitchFamily="50" charset="-127"/>
+              </a:defRPr>
+            </a:lvl8pPr>
+            <a:lvl9pPr marL="3886200" indent="-228600" eaLnBrk="0" fontAlgn="base" hangingPunct="0">
+              <a:spcBef>
+                <a:spcPct val="0"/>
+              </a:spcBef>
+              <a:spcAft>
+                <a:spcPct val="0"/>
+              </a:spcAft>
+              <a:defRPr sz="2400">
+                <a:solidFill>
+                  <a:schemeClr val="tx1"/>
+                </a:solidFill>
+                <a:latin typeface="Trebuchet MS" panose="020B0603020202020204" pitchFamily="34" charset="0"/>
+                <a:ea typeface="돋움" panose="020B0600000101010101" pitchFamily="50" charset="-127"/>
+              </a:defRPr>
+            </a:lvl9pPr>
+          </a:lstStyle>
+          <a:p>
+            <a:pPr eaLnBrk="1" latinLnBrk="1" hangingPunct="1">
+              <a:buFont typeface="Wingdings" panose="05000000000000000000" pitchFamily="2" charset="2"/>
+              <a:buChar char="§"/>
+            </a:pPr>
+            <a:r>
+              <a:rPr kumimoji="1" lang="en-US" altLang="ko-KR" sz="1200" b="1" dirty="0">
+                <a:latin typeface="현대하모니 B" panose="02020603020101020101" pitchFamily="18" charset="-127"/>
+                <a:ea typeface="현대하모니 B" panose="02020603020101020101" pitchFamily="18" charset="-127"/>
+              </a:rPr>
+              <a:t>  </a:t>
+            </a:r>
+            <a:r>
+              <a:rPr kumimoji="1" lang="en-US" altLang="ko-KR" sz="1200" b="1" dirty="0" smtClean="0">
+                <a:latin typeface="현대하모니 B" panose="02020603020101020101" pitchFamily="18" charset="-127"/>
+                <a:ea typeface="현대하모니 B" panose="02020603020101020101" pitchFamily="18" charset="-127"/>
+              </a:rPr>
+              <a:t>Issue Schedule</a:t>
+            </a:r>
+            <a:endParaRPr kumimoji="1" lang="en-US" altLang="ko-KR" sz="1200" b="1" dirty="0">
+              <a:latin typeface="현대하모니 B" panose="02020603020101020101" pitchFamily="18" charset="-127"/>
+              <a:ea typeface="현대하모니 B" panose="02020603020101020101" pitchFamily="18" charset="-127"/>
+            </a:endParaRPr>
+          </a:p>
+        </p:txBody>
+      </p:sp>
+      <p:cxnSp>
+        <p:nvCxnSpPr>
+          <p:cNvPr id="21" name="AutoShape 21"/>
+          <p:cNvCxnSpPr>
+            <a:cxnSpLocks noChangeShapeType="1"/>
+          </p:cNvCxnSpPr>
+          <p:nvPr/>
+        </p:nvCxnSpPr>
+        <p:spPr bwMode="auto">
+          <a:xfrm flipH="1">
+            <a:off x="2478116" y="4011390"/>
+            <a:ext cx="4762" cy="153987"/>
+          </a:xfrm>
+          <a:prstGeom prst="straightConnector1">
+            <a:avLst/>
+          </a:prstGeom>
+          <a:noFill/>
+          <a:ln w="9525">
+            <a:solidFill>
+              <a:schemeClr val="tx1"/>
+            </a:solidFill>
+            <a:round/>
+            <a:headEnd/>
+            <a:tailEnd type="triangle" w="med" len="med"/>
+          </a:ln>
+          <a:extLst>
+            <a:ext uri="{909E8E84-426E-40DD-AFC4-6F175D3DCCD1}">
+              <a14:hiddenFill xmlns:a14="http://schemas.microsoft.com/office/drawing/2010/main">
+                <a:noFill/>
+              </a14:hiddenFill>
+            </a:ext>
+          </a:extLst>
+        </p:spPr>
+      </p:cxnSp>
+      <p:sp>
+        <p:nvSpPr>
+          <p:cNvPr id="22" name="AutoShape 22"/>
+          <p:cNvSpPr>
+            <a:spLocks noChangeArrowheads="1"/>
+          </p:cNvSpPr>
+          <p:nvPr/>
+        </p:nvSpPr>
+        <p:spPr bwMode="auto">
+          <a:xfrm>
+            <a:off x="1458940" y="4166132"/>
+            <a:ext cx="2052637" cy="293688"/>
+          </a:xfrm>
+          <a:prstGeom prst="roundRect">
+            <a:avLst>
+              <a:gd name="adj" fmla="val 0"/>
+            </a:avLst>
+          </a:prstGeom>
+          <a:solidFill>
+            <a:schemeClr val="bg1"/>
+          </a:solidFill>
+          <a:ln w="12700">
+            <a:solidFill>
+              <a:srgbClr val="638AD9"/>
+            </a:solidFill>
+            <a:round/>
+            <a:headEnd/>
+            <a:tailEnd/>
+          </a:ln>
+        </p:spPr>
+        <p:txBody>
+          <a:bodyPr wrap="none" anchor="ctr"/>
+          <a:lstStyle>
+            <a:lvl1pPr>
+              <a:defRPr sz="2400">
+                <a:solidFill>
+                  <a:schemeClr val="tx1"/>
+                </a:solidFill>
+                <a:latin typeface="Trebuchet MS" panose="020B0603020202020204" pitchFamily="34" charset="0"/>
+                <a:ea typeface="돋움" panose="020B0600000101010101" pitchFamily="50" charset="-127"/>
+              </a:defRPr>
+            </a:lvl1pPr>
+            <a:lvl2pPr marL="742950" indent="-285750">
+              <a:defRPr sz="2400">
+                <a:solidFill>
+                  <a:schemeClr val="tx1"/>
+                </a:solidFill>
+                <a:latin typeface="Trebuchet MS" panose="020B0603020202020204" pitchFamily="34" charset="0"/>
+                <a:ea typeface="돋움" panose="020B0600000101010101" pitchFamily="50" charset="-127"/>
+              </a:defRPr>
+            </a:lvl2pPr>
+            <a:lvl3pPr marL="1143000" indent="-228600">
+              <a:defRPr sz="2400">
+                <a:solidFill>
+                  <a:schemeClr val="tx1"/>
+                </a:solidFill>
+                <a:latin typeface="Trebuchet MS" panose="020B0603020202020204" pitchFamily="34" charset="0"/>
+                <a:ea typeface="돋움" panose="020B0600000101010101" pitchFamily="50" charset="-127"/>
+              </a:defRPr>
+            </a:lvl3pPr>
+            <a:lvl4pPr marL="1600200" indent="-228600">
+              <a:defRPr sz="2400">
+                <a:solidFill>
+                  <a:schemeClr val="tx1"/>
+                </a:solidFill>
+                <a:latin typeface="Trebuchet MS" panose="020B0603020202020204" pitchFamily="34" charset="0"/>
+                <a:ea typeface="돋움" panose="020B0600000101010101" pitchFamily="50" charset="-127"/>
+              </a:defRPr>
+            </a:lvl4pPr>
+            <a:lvl5pPr marL="2057400" indent="-228600">
+              <a:defRPr sz="2400">
+                <a:solidFill>
+                  <a:schemeClr val="tx1"/>
+                </a:solidFill>
+                <a:latin typeface="Trebuchet MS" panose="020B0603020202020204" pitchFamily="34" charset="0"/>
+                <a:ea typeface="돋움" panose="020B0600000101010101" pitchFamily="50" charset="-127"/>
+              </a:defRPr>
+            </a:lvl5pPr>
+            <a:lvl6pPr marL="2514600" indent="-228600" eaLnBrk="0" fontAlgn="base" hangingPunct="0">
+              <a:spcBef>
+                <a:spcPct val="0"/>
+              </a:spcBef>
+              <a:spcAft>
+                <a:spcPct val="0"/>
+              </a:spcAft>
+              <a:defRPr sz="2400">
+                <a:solidFill>
+                  <a:schemeClr val="tx1"/>
+                </a:solidFill>
+                <a:latin typeface="Trebuchet MS" panose="020B0603020202020204" pitchFamily="34" charset="0"/>
+                <a:ea typeface="돋움" panose="020B0600000101010101" pitchFamily="50" charset="-127"/>
+              </a:defRPr>
+            </a:lvl6pPr>
+            <a:lvl7pPr marL="2971800" indent="-228600" eaLnBrk="0" fontAlgn="base" hangingPunct="0">
+              <a:spcBef>
+                <a:spcPct val="0"/>
+              </a:spcBef>
+              <a:spcAft>
+                <a:spcPct val="0"/>
+              </a:spcAft>
+              <a:defRPr sz="2400">
+                <a:solidFill>
+                  <a:schemeClr val="tx1"/>
+                </a:solidFill>
+                <a:latin typeface="Trebuchet MS" panose="020B0603020202020204" pitchFamily="34" charset="0"/>
+                <a:ea typeface="돋움" panose="020B0600000101010101" pitchFamily="50" charset="-127"/>
+              </a:defRPr>
+            </a:lvl7pPr>
+            <a:lvl8pPr marL="3429000" indent="-228600" eaLnBrk="0" fontAlgn="base" hangingPunct="0">
+              <a:spcBef>
+                <a:spcPct val="0"/>
+              </a:spcBef>
+              <a:spcAft>
+                <a:spcPct val="0"/>
+              </a:spcAft>
+              <a:defRPr sz="2400">
+                <a:solidFill>
+                  <a:schemeClr val="tx1"/>
+                </a:solidFill>
+                <a:latin typeface="Trebuchet MS" panose="020B0603020202020204" pitchFamily="34" charset="0"/>
+                <a:ea typeface="돋움" panose="020B0600000101010101" pitchFamily="50" charset="-127"/>
+              </a:defRPr>
+            </a:lvl8pPr>
+            <a:lvl9pPr marL="3886200" indent="-228600" eaLnBrk="0" fontAlgn="base" hangingPunct="0">
+              <a:spcBef>
+                <a:spcPct val="0"/>
+              </a:spcBef>
+              <a:spcAft>
+                <a:spcPct val="0"/>
+              </a:spcAft>
+              <a:defRPr sz="2400">
+                <a:solidFill>
+                  <a:schemeClr val="tx1"/>
+                </a:solidFill>
+                <a:latin typeface="Trebuchet MS" panose="020B0603020202020204" pitchFamily="34" charset="0"/>
+                <a:ea typeface="돋움" panose="020B0600000101010101" pitchFamily="50" charset="-127"/>
+              </a:defRPr>
+            </a:lvl9pPr>
+          </a:lstStyle>
+          <a:p>
+            <a:pPr eaLnBrk="1" latinLnBrk="1" hangingPunct="1">
+              <a:buFont typeface="Wingdings" panose="05000000000000000000" pitchFamily="2" charset="2"/>
+              <a:buChar char="§"/>
+            </a:pPr>
+            <a:r>
+              <a:rPr kumimoji="1" lang="en-US" altLang="ko-KR" sz="1200" b="1" dirty="0">
+                <a:latin typeface="현대하모니 B" panose="02020603020101020101" pitchFamily="18" charset="-127"/>
+                <a:ea typeface="현대하모니 B" panose="02020603020101020101" pitchFamily="18" charset="-127"/>
+              </a:rPr>
+              <a:t>  </a:t>
+            </a:r>
+            <a:r>
+              <a:rPr kumimoji="1" lang="en-US" altLang="ko-KR" sz="1200" b="1" dirty="0" smtClean="0">
+                <a:latin typeface="현대하모니 B" panose="02020603020101020101" pitchFamily="18" charset="-127"/>
+                <a:ea typeface="현대하모니 B" panose="02020603020101020101" pitchFamily="18" charset="-127"/>
+              </a:rPr>
+              <a:t>Plan Schedule</a:t>
+            </a:r>
+            <a:endParaRPr kumimoji="1" lang="en-US" altLang="ko-KR" sz="1200" b="1" dirty="0">
+              <a:latin typeface="현대하모니 B" panose="02020603020101020101" pitchFamily="18" charset="-127"/>
+              <a:ea typeface="현대하모니 B" panose="02020603020101020101" pitchFamily="18" charset="-127"/>
+            </a:endParaRPr>
+          </a:p>
+        </p:txBody>
+      </p:sp>
+      <p:cxnSp>
+        <p:nvCxnSpPr>
+          <p:cNvPr id="23" name="AutoShape 21"/>
+          <p:cNvCxnSpPr>
+            <a:cxnSpLocks noChangeShapeType="1"/>
+          </p:cNvCxnSpPr>
+          <p:nvPr/>
+        </p:nvCxnSpPr>
+        <p:spPr bwMode="auto">
+          <a:xfrm flipH="1">
+            <a:off x="2467796" y="4497953"/>
+            <a:ext cx="4762" cy="153987"/>
+          </a:xfrm>
+          <a:prstGeom prst="straightConnector1">
+            <a:avLst/>
+          </a:prstGeom>
+          <a:noFill/>
+          <a:ln w="9525">
+            <a:solidFill>
+              <a:schemeClr val="tx1"/>
+            </a:solidFill>
+            <a:round/>
+            <a:headEnd/>
+            <a:tailEnd type="triangle" w="med" len="med"/>
+          </a:ln>
+          <a:extLst>
+            <a:ext uri="{909E8E84-426E-40DD-AFC4-6F175D3DCCD1}">
+              <a14:hiddenFill xmlns:a14="http://schemas.microsoft.com/office/drawing/2010/main">
+                <a:noFill/>
+              </a14:hiddenFill>
+            </a:ext>
+          </a:extLst>
+        </p:spPr>
+      </p:cxnSp>
+      <p:sp>
+        <p:nvSpPr>
+          <p:cNvPr id="24" name="직사각형 23"/>
+          <p:cNvSpPr/>
+          <p:nvPr/>
+        </p:nvSpPr>
+        <p:spPr>
+          <a:xfrm>
+            <a:off x="1153006" y="1959000"/>
+            <a:ext cx="1539204" cy="230832"/>
+          </a:xfrm>
+          <a:prstGeom prst="rect">
+            <a:avLst/>
+          </a:prstGeom>
+        </p:spPr>
+        <p:txBody>
+          <a:bodyPr wrap="none">
+            <a:spAutoFit/>
+          </a:bodyPr>
+          <a:lstStyle/>
+          <a:p>
+            <a:r>
+              <a:rPr lang="ko-KR" altLang="en-US" sz="900" dirty="0" smtClean="0">
+                <a:solidFill>
+                  <a:srgbClr val="0000FF"/>
+                </a:solidFill>
+                <a:latin typeface="현대하모니 B" panose="02020603020101020101" pitchFamily="18" charset="-127"/>
+                <a:ea typeface="현대하모니 B" panose="02020603020101020101" pitchFamily="18" charset="-127"/>
+                <a:sym typeface="Wingdings" panose="05000000000000000000" pitchFamily="2" charset="2"/>
+              </a:rPr>
+              <a:t>＜</a:t>
+            </a:r>
+            <a:r>
+              <a:rPr lang="en-US" altLang="ko-KR" sz="900" dirty="0" smtClean="0">
+                <a:solidFill>
+                  <a:srgbClr val="0000FF"/>
+                </a:solidFill>
+                <a:latin typeface="현대하모니 B" panose="02020603020101020101" pitchFamily="18" charset="-127"/>
+                <a:ea typeface="현대하모니 B" panose="02020603020101020101" pitchFamily="18" charset="-127"/>
+                <a:sym typeface="Wingdings" panose="05000000000000000000" pitchFamily="2" charset="2"/>
+              </a:rPr>
+              <a:t>Old Schedule Process</a:t>
+            </a:r>
+            <a:r>
+              <a:rPr lang="ko-KR" altLang="en-US" sz="900" dirty="0" smtClean="0">
+                <a:solidFill>
+                  <a:srgbClr val="0000FF"/>
+                </a:solidFill>
+                <a:latin typeface="현대하모니 B" panose="02020603020101020101" pitchFamily="18" charset="-127"/>
+                <a:ea typeface="현대하모니 B" panose="02020603020101020101" pitchFamily="18" charset="-127"/>
+                <a:sym typeface="Wingdings" panose="05000000000000000000" pitchFamily="2" charset="2"/>
+              </a:rPr>
+              <a:t>＞</a:t>
+            </a:r>
+            <a:endParaRPr lang="en-US" altLang="ko-KR" sz="900" dirty="0">
+              <a:solidFill>
+                <a:srgbClr val="0000FF"/>
+              </a:solidFill>
+              <a:latin typeface="현대하모니 B" panose="02020603020101020101" pitchFamily="18" charset="-127"/>
+              <a:ea typeface="현대하모니 B" panose="02020603020101020101" pitchFamily="18" charset="-127"/>
+              <a:sym typeface="Wingdings" panose="05000000000000000000" pitchFamily="2" charset="2"/>
+            </a:endParaRPr>
+          </a:p>
+        </p:txBody>
+      </p:sp>
+      <p:sp>
+        <p:nvSpPr>
+          <p:cNvPr id="40" name="AutoShape 22"/>
+          <p:cNvSpPr>
+            <a:spLocks noChangeArrowheads="1"/>
+          </p:cNvSpPr>
+          <p:nvPr/>
+        </p:nvSpPr>
+        <p:spPr bwMode="auto">
+          <a:xfrm>
+            <a:off x="1474022" y="5136873"/>
+            <a:ext cx="2052637" cy="293688"/>
+          </a:xfrm>
+          <a:prstGeom prst="roundRect">
+            <a:avLst>
+              <a:gd name="adj" fmla="val 0"/>
+            </a:avLst>
+          </a:prstGeom>
+          <a:solidFill>
+            <a:schemeClr val="bg1"/>
+          </a:solidFill>
+          <a:ln w="12700">
+            <a:solidFill>
+              <a:srgbClr val="638AD9"/>
+            </a:solidFill>
+            <a:round/>
+            <a:headEnd/>
+            <a:tailEnd/>
+          </a:ln>
+        </p:spPr>
+        <p:txBody>
+          <a:bodyPr wrap="none" anchor="ctr"/>
+          <a:lstStyle>
+            <a:lvl1pPr>
+              <a:defRPr sz="2400">
+                <a:solidFill>
+                  <a:schemeClr val="tx1"/>
+                </a:solidFill>
+                <a:latin typeface="Trebuchet MS" panose="020B0603020202020204" pitchFamily="34" charset="0"/>
+                <a:ea typeface="돋움" panose="020B0600000101010101" pitchFamily="50" charset="-127"/>
+              </a:defRPr>
+            </a:lvl1pPr>
+            <a:lvl2pPr marL="742950" indent="-285750">
+              <a:defRPr sz="2400">
+                <a:solidFill>
+                  <a:schemeClr val="tx1"/>
+                </a:solidFill>
+                <a:latin typeface="Trebuchet MS" panose="020B0603020202020204" pitchFamily="34" charset="0"/>
+                <a:ea typeface="돋움" panose="020B0600000101010101" pitchFamily="50" charset="-127"/>
+              </a:defRPr>
+            </a:lvl2pPr>
+            <a:lvl3pPr marL="1143000" indent="-228600">
+              <a:defRPr sz="2400">
+                <a:solidFill>
+                  <a:schemeClr val="tx1"/>
+                </a:solidFill>
+                <a:latin typeface="Trebuchet MS" panose="020B0603020202020204" pitchFamily="34" charset="0"/>
+                <a:ea typeface="돋움" panose="020B0600000101010101" pitchFamily="50" charset="-127"/>
+              </a:defRPr>
+            </a:lvl3pPr>
+            <a:lvl4pPr marL="1600200" indent="-228600">
+              <a:defRPr sz="2400">
+                <a:solidFill>
+                  <a:schemeClr val="tx1"/>
+                </a:solidFill>
+                <a:latin typeface="Trebuchet MS" panose="020B0603020202020204" pitchFamily="34" charset="0"/>
+                <a:ea typeface="돋움" panose="020B0600000101010101" pitchFamily="50" charset="-127"/>
+              </a:defRPr>
+            </a:lvl4pPr>
+            <a:lvl5pPr marL="2057400" indent="-228600">
+              <a:defRPr sz="2400">
+                <a:solidFill>
+                  <a:schemeClr val="tx1"/>
+                </a:solidFill>
+                <a:latin typeface="Trebuchet MS" panose="020B0603020202020204" pitchFamily="34" charset="0"/>
+                <a:ea typeface="돋움" panose="020B0600000101010101" pitchFamily="50" charset="-127"/>
+              </a:defRPr>
+            </a:lvl5pPr>
+            <a:lvl6pPr marL="2514600" indent="-228600" eaLnBrk="0" fontAlgn="base" hangingPunct="0">
+              <a:spcBef>
+                <a:spcPct val="0"/>
+              </a:spcBef>
+              <a:spcAft>
+                <a:spcPct val="0"/>
+              </a:spcAft>
+              <a:defRPr sz="2400">
+                <a:solidFill>
+                  <a:schemeClr val="tx1"/>
+                </a:solidFill>
+                <a:latin typeface="Trebuchet MS" panose="020B0603020202020204" pitchFamily="34" charset="0"/>
+                <a:ea typeface="돋움" panose="020B0600000101010101" pitchFamily="50" charset="-127"/>
+              </a:defRPr>
+            </a:lvl6pPr>
+            <a:lvl7pPr marL="2971800" indent="-228600" eaLnBrk="0" fontAlgn="base" hangingPunct="0">
+              <a:spcBef>
+                <a:spcPct val="0"/>
+              </a:spcBef>
+              <a:spcAft>
+                <a:spcPct val="0"/>
+              </a:spcAft>
+              <a:defRPr sz="2400">
+                <a:solidFill>
+                  <a:schemeClr val="tx1"/>
+                </a:solidFill>
+                <a:latin typeface="Trebuchet MS" panose="020B0603020202020204" pitchFamily="34" charset="0"/>
+                <a:ea typeface="돋움" panose="020B0600000101010101" pitchFamily="50" charset="-127"/>
+              </a:defRPr>
+            </a:lvl7pPr>
+            <a:lvl8pPr marL="3429000" indent="-228600" eaLnBrk="0" fontAlgn="base" hangingPunct="0">
+              <a:spcBef>
+                <a:spcPct val="0"/>
+              </a:spcBef>
+              <a:spcAft>
+                <a:spcPct val="0"/>
+              </a:spcAft>
+              <a:defRPr sz="2400">
+                <a:solidFill>
+                  <a:schemeClr val="tx1"/>
+                </a:solidFill>
+                <a:latin typeface="Trebuchet MS" panose="020B0603020202020204" pitchFamily="34" charset="0"/>
+                <a:ea typeface="돋움" panose="020B0600000101010101" pitchFamily="50" charset="-127"/>
+              </a:defRPr>
+            </a:lvl8pPr>
+            <a:lvl9pPr marL="3886200" indent="-228600" eaLnBrk="0" fontAlgn="base" hangingPunct="0">
+              <a:spcBef>
+                <a:spcPct val="0"/>
+              </a:spcBef>
+              <a:spcAft>
+                <a:spcPct val="0"/>
+              </a:spcAft>
+              <a:defRPr sz="2400">
+                <a:solidFill>
+                  <a:schemeClr val="tx1"/>
+                </a:solidFill>
+                <a:latin typeface="Trebuchet MS" panose="020B0603020202020204" pitchFamily="34" charset="0"/>
+                <a:ea typeface="돋움" panose="020B0600000101010101" pitchFamily="50" charset="-127"/>
+              </a:defRPr>
+            </a:lvl9pPr>
+          </a:lstStyle>
+          <a:p>
+            <a:pPr eaLnBrk="1" latinLnBrk="1" hangingPunct="1">
+              <a:buFont typeface="Wingdings" panose="05000000000000000000" pitchFamily="2" charset="2"/>
+              <a:buChar char="§"/>
+            </a:pPr>
+            <a:r>
+              <a:rPr kumimoji="1" lang="en-US" altLang="ko-KR" sz="1200" b="1" dirty="0">
+                <a:latin typeface="현대하모니 B" panose="02020603020101020101" pitchFamily="18" charset="-127"/>
+                <a:ea typeface="현대하모니 B" panose="02020603020101020101" pitchFamily="18" charset="-127"/>
+              </a:rPr>
+              <a:t>  </a:t>
+            </a:r>
+            <a:r>
+              <a:rPr kumimoji="1" lang="en-US" altLang="ko-KR" sz="1200" b="1" dirty="0" smtClean="0">
+                <a:latin typeface="현대하모니 B" panose="02020603020101020101" pitchFamily="18" charset="-127"/>
+                <a:ea typeface="현대하모니 B" panose="02020603020101020101" pitchFamily="18" charset="-127"/>
+              </a:rPr>
+              <a:t>Receipt</a:t>
+            </a:r>
+            <a:endParaRPr kumimoji="1" lang="en-US" altLang="ko-KR" sz="1200" b="1" dirty="0">
+              <a:latin typeface="현대하모니 B" panose="02020603020101020101" pitchFamily="18" charset="-127"/>
+              <a:ea typeface="현대하모니 B" panose="02020603020101020101" pitchFamily="18" charset="-127"/>
+            </a:endParaRPr>
+          </a:p>
+        </p:txBody>
+      </p:sp>
+      <p:cxnSp>
+        <p:nvCxnSpPr>
+          <p:cNvPr id="41" name="AutoShape 21"/>
+          <p:cNvCxnSpPr>
+            <a:cxnSpLocks noChangeShapeType="1"/>
+          </p:cNvCxnSpPr>
+          <p:nvPr/>
+        </p:nvCxnSpPr>
+        <p:spPr bwMode="auto">
+          <a:xfrm flipH="1">
+            <a:off x="2482878" y="4963324"/>
+            <a:ext cx="4762" cy="153987"/>
+          </a:xfrm>
+          <a:prstGeom prst="straightConnector1">
+            <a:avLst/>
+          </a:prstGeom>
+          <a:noFill/>
+          <a:ln w="9525">
+            <a:solidFill>
+              <a:schemeClr val="tx1"/>
+            </a:solidFill>
+            <a:round/>
+            <a:headEnd/>
+            <a:tailEnd type="triangle" w="med" len="med"/>
+          </a:ln>
+          <a:extLst>
+            <a:ext uri="{909E8E84-426E-40DD-AFC4-6F175D3DCCD1}">
+              <a14:hiddenFill xmlns:a14="http://schemas.microsoft.com/office/drawing/2010/main">
+                <a:noFill/>
+              </a14:hiddenFill>
+            </a:ext>
+          </a:extLst>
+        </p:spPr>
+      </p:cxnSp>
+      <p:sp>
+        <p:nvSpPr>
+          <p:cNvPr id="42" name="Rectangle 9"/>
+          <p:cNvSpPr>
+            <a:spLocks noChangeArrowheads="1"/>
+          </p:cNvSpPr>
+          <p:nvPr/>
+        </p:nvSpPr>
+        <p:spPr bwMode="auto">
+          <a:xfrm>
+            <a:off x="5472270" y="2242733"/>
+            <a:ext cx="2435225" cy="3257601"/>
+          </a:xfrm>
+          <a:prstGeom prst="rect">
+            <a:avLst/>
+          </a:prstGeom>
+          <a:solidFill>
+            <a:schemeClr val="bg1"/>
+          </a:solidFill>
+          <a:ln w="28575">
+            <a:solidFill>
+              <a:srgbClr val="99CCFF"/>
+            </a:solidFill>
+            <a:miter lim="800000"/>
+            <a:headEnd/>
+            <a:tailEnd/>
+          </a:ln>
+          <a:effectLst>
+            <a:prstShdw prst="shdw17" dist="17961" dir="2700000">
+              <a:srgbClr val="5C7A99"/>
+            </a:prstShdw>
+          </a:effectLst>
+        </p:spPr>
+        <p:txBody>
+          <a:bodyPr lIns="0" tIns="82800" rIns="0" bIns="82800"/>
+          <a:lstStyle>
+            <a:lvl1pPr marL="190500" indent="-190500" defTabSz="282575">
+              <a:defRPr sz="2400">
+                <a:solidFill>
+                  <a:schemeClr val="tx1"/>
+                </a:solidFill>
+                <a:latin typeface="Trebuchet MS" panose="020B0603020202020204" pitchFamily="34" charset="0"/>
+                <a:ea typeface="돋움" panose="020B0600000101010101" pitchFamily="50" charset="-127"/>
+              </a:defRPr>
+            </a:lvl1pPr>
+            <a:lvl2pPr marL="742950" indent="-285750" defTabSz="282575">
+              <a:defRPr sz="2400">
+                <a:solidFill>
+                  <a:schemeClr val="tx1"/>
+                </a:solidFill>
+                <a:latin typeface="Trebuchet MS" panose="020B0603020202020204" pitchFamily="34" charset="0"/>
+                <a:ea typeface="돋움" panose="020B0600000101010101" pitchFamily="50" charset="-127"/>
+              </a:defRPr>
+            </a:lvl2pPr>
+            <a:lvl3pPr marL="1143000" indent="-228600" defTabSz="282575">
+              <a:defRPr sz="2400">
+                <a:solidFill>
+                  <a:schemeClr val="tx1"/>
+                </a:solidFill>
+                <a:latin typeface="Trebuchet MS" panose="020B0603020202020204" pitchFamily="34" charset="0"/>
+                <a:ea typeface="돋움" panose="020B0600000101010101" pitchFamily="50" charset="-127"/>
+              </a:defRPr>
+            </a:lvl3pPr>
+            <a:lvl4pPr marL="1600200" indent="-228600" defTabSz="282575">
+              <a:defRPr sz="2400">
+                <a:solidFill>
+                  <a:schemeClr val="tx1"/>
+                </a:solidFill>
+                <a:latin typeface="Trebuchet MS" panose="020B0603020202020204" pitchFamily="34" charset="0"/>
+                <a:ea typeface="돋움" panose="020B0600000101010101" pitchFamily="50" charset="-127"/>
+              </a:defRPr>
+            </a:lvl4pPr>
+            <a:lvl5pPr marL="2057400" indent="-228600" defTabSz="282575">
+              <a:defRPr sz="2400">
+                <a:solidFill>
+                  <a:schemeClr val="tx1"/>
+                </a:solidFill>
+                <a:latin typeface="Trebuchet MS" panose="020B0603020202020204" pitchFamily="34" charset="0"/>
+                <a:ea typeface="돋움" panose="020B0600000101010101" pitchFamily="50" charset="-127"/>
+              </a:defRPr>
+            </a:lvl5pPr>
+            <a:lvl6pPr marL="2514600" indent="-228600" defTabSz="282575" eaLnBrk="0" fontAlgn="base" hangingPunct="0">
+              <a:spcBef>
+                <a:spcPct val="0"/>
+              </a:spcBef>
+              <a:spcAft>
+                <a:spcPct val="0"/>
+              </a:spcAft>
+              <a:defRPr sz="2400">
+                <a:solidFill>
+                  <a:schemeClr val="tx1"/>
+                </a:solidFill>
+                <a:latin typeface="Trebuchet MS" panose="020B0603020202020204" pitchFamily="34" charset="0"/>
+                <a:ea typeface="돋움" panose="020B0600000101010101" pitchFamily="50" charset="-127"/>
+              </a:defRPr>
+            </a:lvl6pPr>
+            <a:lvl7pPr marL="2971800" indent="-228600" defTabSz="282575" eaLnBrk="0" fontAlgn="base" hangingPunct="0">
+              <a:spcBef>
+                <a:spcPct val="0"/>
+              </a:spcBef>
+              <a:spcAft>
+                <a:spcPct val="0"/>
+              </a:spcAft>
+              <a:defRPr sz="2400">
+                <a:solidFill>
+                  <a:schemeClr val="tx1"/>
+                </a:solidFill>
+                <a:latin typeface="Trebuchet MS" panose="020B0603020202020204" pitchFamily="34" charset="0"/>
+                <a:ea typeface="돋움" panose="020B0600000101010101" pitchFamily="50" charset="-127"/>
+              </a:defRPr>
+            </a:lvl7pPr>
+            <a:lvl8pPr marL="3429000" indent="-228600" defTabSz="282575" eaLnBrk="0" fontAlgn="base" hangingPunct="0">
+              <a:spcBef>
+                <a:spcPct val="0"/>
+              </a:spcBef>
+              <a:spcAft>
+                <a:spcPct val="0"/>
+              </a:spcAft>
+              <a:defRPr sz="2400">
+                <a:solidFill>
+                  <a:schemeClr val="tx1"/>
+                </a:solidFill>
+                <a:latin typeface="Trebuchet MS" panose="020B0603020202020204" pitchFamily="34" charset="0"/>
+                <a:ea typeface="돋움" panose="020B0600000101010101" pitchFamily="50" charset="-127"/>
+              </a:defRPr>
+            </a:lvl8pPr>
+            <a:lvl9pPr marL="3886200" indent="-228600" defTabSz="282575" eaLnBrk="0" fontAlgn="base" hangingPunct="0">
+              <a:spcBef>
+                <a:spcPct val="0"/>
+              </a:spcBef>
+              <a:spcAft>
+                <a:spcPct val="0"/>
+              </a:spcAft>
+              <a:defRPr sz="2400">
+                <a:solidFill>
+                  <a:schemeClr val="tx1"/>
+                </a:solidFill>
+                <a:latin typeface="Trebuchet MS" panose="020B0603020202020204" pitchFamily="34" charset="0"/>
+                <a:ea typeface="돋움" panose="020B0600000101010101" pitchFamily="50" charset="-127"/>
+              </a:defRPr>
+            </a:lvl9pPr>
+          </a:lstStyle>
+          <a:p>
+            <a:pPr eaLnBrk="1" latinLnBrk="1" hangingPunct="1">
+              <a:lnSpc>
+                <a:spcPct val="130000"/>
+              </a:lnSpc>
+              <a:buFont typeface="Wingdings" panose="05000000000000000000" pitchFamily="2" charset="2"/>
+              <a:buNone/>
+            </a:pPr>
+            <a:endParaRPr lang="ko-KR" altLang="ko-KR"/>
+          </a:p>
+        </p:txBody>
+      </p:sp>
+      <p:sp>
+        <p:nvSpPr>
+          <p:cNvPr id="43" name="AutoShape 22"/>
+          <p:cNvSpPr>
+            <a:spLocks noChangeArrowheads="1"/>
+          </p:cNvSpPr>
+          <p:nvPr/>
+        </p:nvSpPr>
+        <p:spPr bwMode="auto">
+          <a:xfrm>
+            <a:off x="5680233" y="2331346"/>
+            <a:ext cx="2063750" cy="293688"/>
+          </a:xfrm>
+          <a:prstGeom prst="roundRect">
+            <a:avLst>
+              <a:gd name="adj" fmla="val 0"/>
+            </a:avLst>
+          </a:prstGeom>
+          <a:solidFill>
+            <a:schemeClr val="bg1"/>
+          </a:solidFill>
+          <a:ln w="12700">
+            <a:solidFill>
+              <a:srgbClr val="638AD9"/>
+            </a:solidFill>
+            <a:round/>
+            <a:headEnd/>
+            <a:tailEnd/>
+          </a:ln>
+        </p:spPr>
+        <p:txBody>
+          <a:bodyPr wrap="none" anchor="ctr"/>
+          <a:lstStyle>
+            <a:lvl1pPr>
+              <a:defRPr sz="2400">
+                <a:solidFill>
+                  <a:schemeClr val="tx1"/>
+                </a:solidFill>
+                <a:latin typeface="Trebuchet MS" panose="020B0603020202020204" pitchFamily="34" charset="0"/>
+                <a:ea typeface="돋움" panose="020B0600000101010101" pitchFamily="50" charset="-127"/>
+              </a:defRPr>
+            </a:lvl1pPr>
+            <a:lvl2pPr marL="742950" indent="-285750">
+              <a:defRPr sz="2400">
+                <a:solidFill>
+                  <a:schemeClr val="tx1"/>
+                </a:solidFill>
+                <a:latin typeface="Trebuchet MS" panose="020B0603020202020204" pitchFamily="34" charset="0"/>
+                <a:ea typeface="돋움" panose="020B0600000101010101" pitchFamily="50" charset="-127"/>
+              </a:defRPr>
+            </a:lvl2pPr>
+            <a:lvl3pPr marL="1143000" indent="-228600">
+              <a:defRPr sz="2400">
+                <a:solidFill>
+                  <a:schemeClr val="tx1"/>
+                </a:solidFill>
+                <a:latin typeface="Trebuchet MS" panose="020B0603020202020204" pitchFamily="34" charset="0"/>
+                <a:ea typeface="돋움" panose="020B0600000101010101" pitchFamily="50" charset="-127"/>
+              </a:defRPr>
+            </a:lvl3pPr>
+            <a:lvl4pPr marL="1600200" indent="-228600">
+              <a:defRPr sz="2400">
+                <a:solidFill>
+                  <a:schemeClr val="tx1"/>
+                </a:solidFill>
+                <a:latin typeface="Trebuchet MS" panose="020B0603020202020204" pitchFamily="34" charset="0"/>
+                <a:ea typeface="돋움" panose="020B0600000101010101" pitchFamily="50" charset="-127"/>
+              </a:defRPr>
+            </a:lvl4pPr>
+            <a:lvl5pPr marL="2057400" indent="-228600">
+              <a:defRPr sz="2400">
+                <a:solidFill>
+                  <a:schemeClr val="tx1"/>
+                </a:solidFill>
+                <a:latin typeface="Trebuchet MS" panose="020B0603020202020204" pitchFamily="34" charset="0"/>
+                <a:ea typeface="돋움" panose="020B0600000101010101" pitchFamily="50" charset="-127"/>
+              </a:defRPr>
+            </a:lvl5pPr>
+            <a:lvl6pPr marL="2514600" indent="-228600" eaLnBrk="0" fontAlgn="base" hangingPunct="0">
+              <a:spcBef>
+                <a:spcPct val="0"/>
+              </a:spcBef>
+              <a:spcAft>
+                <a:spcPct val="0"/>
+              </a:spcAft>
+              <a:defRPr sz="2400">
+                <a:solidFill>
+                  <a:schemeClr val="tx1"/>
+                </a:solidFill>
+                <a:latin typeface="Trebuchet MS" panose="020B0603020202020204" pitchFamily="34" charset="0"/>
+                <a:ea typeface="돋움" panose="020B0600000101010101" pitchFamily="50" charset="-127"/>
+              </a:defRPr>
+            </a:lvl6pPr>
+            <a:lvl7pPr marL="2971800" indent="-228600" eaLnBrk="0" fontAlgn="base" hangingPunct="0">
+              <a:spcBef>
+                <a:spcPct val="0"/>
+              </a:spcBef>
+              <a:spcAft>
+                <a:spcPct val="0"/>
+              </a:spcAft>
+              <a:defRPr sz="2400">
+                <a:solidFill>
+                  <a:schemeClr val="tx1"/>
+                </a:solidFill>
+                <a:latin typeface="Trebuchet MS" panose="020B0603020202020204" pitchFamily="34" charset="0"/>
+                <a:ea typeface="돋움" panose="020B0600000101010101" pitchFamily="50" charset="-127"/>
+              </a:defRPr>
+            </a:lvl7pPr>
+            <a:lvl8pPr marL="3429000" indent="-228600" eaLnBrk="0" fontAlgn="base" hangingPunct="0">
+              <a:spcBef>
+                <a:spcPct val="0"/>
+              </a:spcBef>
+              <a:spcAft>
+                <a:spcPct val="0"/>
+              </a:spcAft>
+              <a:defRPr sz="2400">
+                <a:solidFill>
+                  <a:schemeClr val="tx1"/>
+                </a:solidFill>
+                <a:latin typeface="Trebuchet MS" panose="020B0603020202020204" pitchFamily="34" charset="0"/>
+                <a:ea typeface="돋움" panose="020B0600000101010101" pitchFamily="50" charset="-127"/>
+              </a:defRPr>
+            </a:lvl8pPr>
+            <a:lvl9pPr marL="3886200" indent="-228600" eaLnBrk="0" fontAlgn="base" hangingPunct="0">
+              <a:spcBef>
+                <a:spcPct val="0"/>
+              </a:spcBef>
+              <a:spcAft>
+                <a:spcPct val="0"/>
+              </a:spcAft>
+              <a:defRPr sz="2400">
+                <a:solidFill>
+                  <a:schemeClr val="tx1"/>
+                </a:solidFill>
+                <a:latin typeface="Trebuchet MS" panose="020B0603020202020204" pitchFamily="34" charset="0"/>
+                <a:ea typeface="돋움" panose="020B0600000101010101" pitchFamily="50" charset="-127"/>
+              </a:defRPr>
+            </a:lvl9pPr>
+          </a:lstStyle>
+          <a:p>
+            <a:pPr eaLnBrk="1" latinLnBrk="1" hangingPunct="1">
+              <a:buFont typeface="Wingdings" panose="05000000000000000000" pitchFamily="2" charset="2"/>
+              <a:buChar char="§"/>
+            </a:pPr>
+            <a:r>
+              <a:rPr kumimoji="1" lang="en-US" altLang="ko-KR" sz="1200" b="1" dirty="0">
+                <a:latin typeface="현대하모니 B" panose="02020603020101020101" pitchFamily="18" charset="-127"/>
+                <a:ea typeface="현대하모니 B" panose="02020603020101020101" pitchFamily="18" charset="-127"/>
+              </a:rPr>
+              <a:t>  In-Transit</a:t>
+            </a:r>
+          </a:p>
+        </p:txBody>
+      </p:sp>
+      <p:sp>
+        <p:nvSpPr>
+          <p:cNvPr id="44" name="AutoShape 22"/>
+          <p:cNvSpPr>
+            <a:spLocks noChangeArrowheads="1"/>
+          </p:cNvSpPr>
+          <p:nvPr/>
+        </p:nvSpPr>
+        <p:spPr bwMode="auto">
+          <a:xfrm>
+            <a:off x="5680233" y="2779020"/>
+            <a:ext cx="2052637" cy="2184303"/>
+          </a:xfrm>
+          <a:prstGeom prst="roundRect">
+            <a:avLst>
+              <a:gd name="adj" fmla="val 0"/>
+            </a:avLst>
+          </a:prstGeom>
+          <a:solidFill>
+            <a:schemeClr val="bg1"/>
+          </a:solidFill>
+          <a:ln w="12700">
+            <a:solidFill>
+              <a:srgbClr val="638AD9"/>
+            </a:solidFill>
+            <a:round/>
+            <a:headEnd/>
+            <a:tailEnd/>
+          </a:ln>
+        </p:spPr>
+        <p:txBody>
+          <a:bodyPr wrap="none" anchor="ctr"/>
+          <a:lstStyle>
+            <a:lvl1pPr>
+              <a:defRPr sz="2400">
+                <a:solidFill>
+                  <a:schemeClr val="tx1"/>
+                </a:solidFill>
+                <a:latin typeface="Trebuchet MS" panose="020B0603020202020204" pitchFamily="34" charset="0"/>
+                <a:ea typeface="돋움" panose="020B0600000101010101" pitchFamily="50" charset="-127"/>
+              </a:defRPr>
+            </a:lvl1pPr>
+            <a:lvl2pPr marL="742950" indent="-285750">
+              <a:defRPr sz="2400">
+                <a:solidFill>
+                  <a:schemeClr val="tx1"/>
+                </a:solidFill>
+                <a:latin typeface="Trebuchet MS" panose="020B0603020202020204" pitchFamily="34" charset="0"/>
+                <a:ea typeface="돋움" panose="020B0600000101010101" pitchFamily="50" charset="-127"/>
+              </a:defRPr>
+            </a:lvl2pPr>
+            <a:lvl3pPr marL="1143000" indent="-228600">
+              <a:defRPr sz="2400">
+                <a:solidFill>
+                  <a:schemeClr val="tx1"/>
+                </a:solidFill>
+                <a:latin typeface="Trebuchet MS" panose="020B0603020202020204" pitchFamily="34" charset="0"/>
+                <a:ea typeface="돋움" panose="020B0600000101010101" pitchFamily="50" charset="-127"/>
+              </a:defRPr>
+            </a:lvl3pPr>
+            <a:lvl4pPr marL="1600200" indent="-228600">
+              <a:defRPr sz="2400">
+                <a:solidFill>
+                  <a:schemeClr val="tx1"/>
+                </a:solidFill>
+                <a:latin typeface="Trebuchet MS" panose="020B0603020202020204" pitchFamily="34" charset="0"/>
+                <a:ea typeface="돋움" panose="020B0600000101010101" pitchFamily="50" charset="-127"/>
+              </a:defRPr>
+            </a:lvl4pPr>
+            <a:lvl5pPr marL="2057400" indent="-228600">
+              <a:defRPr sz="2400">
+                <a:solidFill>
+                  <a:schemeClr val="tx1"/>
+                </a:solidFill>
+                <a:latin typeface="Trebuchet MS" panose="020B0603020202020204" pitchFamily="34" charset="0"/>
+                <a:ea typeface="돋움" panose="020B0600000101010101" pitchFamily="50" charset="-127"/>
+              </a:defRPr>
+            </a:lvl5pPr>
+            <a:lvl6pPr marL="2514600" indent="-228600" eaLnBrk="0" fontAlgn="base" hangingPunct="0">
+              <a:spcBef>
+                <a:spcPct val="0"/>
+              </a:spcBef>
+              <a:spcAft>
+                <a:spcPct val="0"/>
+              </a:spcAft>
+              <a:defRPr sz="2400">
+                <a:solidFill>
+                  <a:schemeClr val="tx1"/>
+                </a:solidFill>
+                <a:latin typeface="Trebuchet MS" panose="020B0603020202020204" pitchFamily="34" charset="0"/>
+                <a:ea typeface="돋움" panose="020B0600000101010101" pitchFamily="50" charset="-127"/>
+              </a:defRPr>
+            </a:lvl6pPr>
+            <a:lvl7pPr marL="2971800" indent="-228600" eaLnBrk="0" fontAlgn="base" hangingPunct="0">
+              <a:spcBef>
+                <a:spcPct val="0"/>
+              </a:spcBef>
+              <a:spcAft>
+                <a:spcPct val="0"/>
+              </a:spcAft>
+              <a:defRPr sz="2400">
+                <a:solidFill>
+                  <a:schemeClr val="tx1"/>
+                </a:solidFill>
+                <a:latin typeface="Trebuchet MS" panose="020B0603020202020204" pitchFamily="34" charset="0"/>
+                <a:ea typeface="돋움" panose="020B0600000101010101" pitchFamily="50" charset="-127"/>
+              </a:defRPr>
+            </a:lvl7pPr>
+            <a:lvl8pPr marL="3429000" indent="-228600" eaLnBrk="0" fontAlgn="base" hangingPunct="0">
+              <a:spcBef>
+                <a:spcPct val="0"/>
+              </a:spcBef>
+              <a:spcAft>
+                <a:spcPct val="0"/>
+              </a:spcAft>
+              <a:defRPr sz="2400">
+                <a:solidFill>
+                  <a:schemeClr val="tx1"/>
+                </a:solidFill>
+                <a:latin typeface="Trebuchet MS" panose="020B0603020202020204" pitchFamily="34" charset="0"/>
+                <a:ea typeface="돋움" panose="020B0600000101010101" pitchFamily="50" charset="-127"/>
+              </a:defRPr>
+            </a:lvl8pPr>
+            <a:lvl9pPr marL="3886200" indent="-228600" eaLnBrk="0" fontAlgn="base" hangingPunct="0">
+              <a:spcBef>
+                <a:spcPct val="0"/>
+              </a:spcBef>
+              <a:spcAft>
+                <a:spcPct val="0"/>
+              </a:spcAft>
+              <a:defRPr sz="2400">
+                <a:solidFill>
+                  <a:schemeClr val="tx1"/>
+                </a:solidFill>
+                <a:latin typeface="Trebuchet MS" panose="020B0603020202020204" pitchFamily="34" charset="0"/>
+                <a:ea typeface="돋움" panose="020B0600000101010101" pitchFamily="50" charset="-127"/>
+              </a:defRPr>
+            </a:lvl9pPr>
+          </a:lstStyle>
+          <a:p>
+            <a:pPr eaLnBrk="1" latinLnBrk="1" hangingPunct="1">
+              <a:buFont typeface="Wingdings" panose="05000000000000000000" pitchFamily="2" charset="2"/>
+              <a:buChar char="§"/>
+            </a:pPr>
+            <a:r>
+              <a:rPr kumimoji="1" lang="en-US" altLang="ko-KR" sz="1200" b="1" dirty="0">
+                <a:latin typeface="현대하모니 B" panose="02020603020101020101" pitchFamily="18" charset="-127"/>
+                <a:ea typeface="현대하모니 B" panose="02020603020101020101" pitchFamily="18" charset="-127"/>
+              </a:rPr>
+              <a:t>  </a:t>
+            </a:r>
+            <a:r>
+              <a:rPr kumimoji="1" lang="en-US" altLang="ko-KR" sz="1200" b="1" dirty="0" smtClean="0">
+                <a:latin typeface="현대하모니 B" panose="02020603020101020101" pitchFamily="18" charset="-127"/>
+                <a:ea typeface="현대하모니 B" panose="02020603020101020101" pitchFamily="18" charset="-127"/>
+              </a:rPr>
+              <a:t>Auto Scheduling</a:t>
+            </a:r>
+            <a:endParaRPr kumimoji="1" lang="en-US" altLang="ko-KR" sz="1200" b="1" dirty="0">
+              <a:latin typeface="현대하모니 B" panose="02020603020101020101" pitchFamily="18" charset="-127"/>
+              <a:ea typeface="현대하모니 B" panose="02020603020101020101" pitchFamily="18" charset="-127"/>
+            </a:endParaRPr>
+          </a:p>
+        </p:txBody>
+      </p:sp>
+      <p:cxnSp>
+        <p:nvCxnSpPr>
+          <p:cNvPr id="45" name="AutoShape 15"/>
+          <p:cNvCxnSpPr>
+            <a:cxnSpLocks noChangeShapeType="1"/>
+            <a:stCxn id="43" idx="2"/>
+            <a:endCxn id="44" idx="0"/>
+          </p:cNvCxnSpPr>
+          <p:nvPr/>
+        </p:nvCxnSpPr>
+        <p:spPr bwMode="auto">
+          <a:xfrm flipH="1">
+            <a:off x="6706552" y="2625034"/>
+            <a:ext cx="5556" cy="153986"/>
+          </a:xfrm>
+          <a:prstGeom prst="straightConnector1">
+            <a:avLst/>
+          </a:prstGeom>
+          <a:noFill/>
+          <a:ln w="9525">
+            <a:solidFill>
+              <a:schemeClr val="tx1"/>
+            </a:solidFill>
+            <a:round/>
+            <a:headEnd/>
+            <a:tailEnd type="triangle" w="med" len="med"/>
+          </a:ln>
+          <a:extLst>
+            <a:ext uri="{909E8E84-426E-40DD-AFC4-6F175D3DCCD1}">
+              <a14:hiddenFill xmlns:a14="http://schemas.microsoft.com/office/drawing/2010/main">
+                <a:noFill/>
+              </a14:hiddenFill>
+            </a:ext>
+          </a:extLst>
+        </p:spPr>
+      </p:cxnSp>
+      <p:sp>
+        <p:nvSpPr>
+          <p:cNvPr id="54" name="직사각형 53"/>
+          <p:cNvSpPr/>
+          <p:nvPr/>
+        </p:nvSpPr>
+        <p:spPr>
+          <a:xfrm>
+            <a:off x="5370330" y="1959000"/>
+            <a:ext cx="1614545" cy="230832"/>
+          </a:xfrm>
+          <a:prstGeom prst="rect">
+            <a:avLst/>
+          </a:prstGeom>
+        </p:spPr>
+        <p:txBody>
+          <a:bodyPr wrap="none">
+            <a:spAutoFit/>
+          </a:bodyPr>
+          <a:lstStyle/>
+          <a:p>
+            <a:r>
+              <a:rPr lang="ko-KR" altLang="en-US" sz="900" dirty="0" smtClean="0">
+                <a:solidFill>
+                  <a:srgbClr val="0000FF"/>
+                </a:solidFill>
+                <a:latin typeface="현대하모니 B" panose="02020603020101020101" pitchFamily="18" charset="-127"/>
+                <a:ea typeface="현대하모니 B" panose="02020603020101020101" pitchFamily="18" charset="-127"/>
+                <a:sym typeface="Wingdings" panose="05000000000000000000" pitchFamily="2" charset="2"/>
+              </a:rPr>
+              <a:t>＜</a:t>
+            </a:r>
+            <a:r>
+              <a:rPr lang="en-US" altLang="ko-KR" sz="900" dirty="0" smtClean="0">
+                <a:solidFill>
+                  <a:srgbClr val="0000FF"/>
+                </a:solidFill>
+                <a:latin typeface="현대하모니 B" panose="02020603020101020101" pitchFamily="18" charset="-127"/>
+                <a:ea typeface="현대하모니 B" panose="02020603020101020101" pitchFamily="18" charset="-127"/>
+                <a:sym typeface="Wingdings" panose="05000000000000000000" pitchFamily="2" charset="2"/>
+              </a:rPr>
+              <a:t>Auto Schedule Process</a:t>
+            </a:r>
+            <a:r>
+              <a:rPr lang="ko-KR" altLang="en-US" sz="900" dirty="0" smtClean="0">
+                <a:solidFill>
+                  <a:srgbClr val="0000FF"/>
+                </a:solidFill>
+                <a:latin typeface="현대하모니 B" panose="02020603020101020101" pitchFamily="18" charset="-127"/>
+                <a:ea typeface="현대하모니 B" panose="02020603020101020101" pitchFamily="18" charset="-127"/>
+                <a:sym typeface="Wingdings" panose="05000000000000000000" pitchFamily="2" charset="2"/>
+              </a:rPr>
+              <a:t>＞</a:t>
+            </a:r>
+            <a:endParaRPr lang="en-US" altLang="ko-KR" sz="900" dirty="0">
+              <a:solidFill>
+                <a:srgbClr val="0000FF"/>
+              </a:solidFill>
+              <a:latin typeface="현대하모니 B" panose="02020603020101020101" pitchFamily="18" charset="-127"/>
+              <a:ea typeface="현대하모니 B" panose="02020603020101020101" pitchFamily="18" charset="-127"/>
+              <a:sym typeface="Wingdings" panose="05000000000000000000" pitchFamily="2" charset="2"/>
+            </a:endParaRPr>
+          </a:p>
+        </p:txBody>
+      </p:sp>
+      <p:sp>
+        <p:nvSpPr>
+          <p:cNvPr id="55" name="AutoShape 22"/>
+          <p:cNvSpPr>
+            <a:spLocks noChangeArrowheads="1"/>
+          </p:cNvSpPr>
+          <p:nvPr/>
+        </p:nvSpPr>
+        <p:spPr bwMode="auto">
+          <a:xfrm>
+            <a:off x="5691346" y="5136873"/>
+            <a:ext cx="2052637" cy="293688"/>
+          </a:xfrm>
+          <a:prstGeom prst="roundRect">
+            <a:avLst>
+              <a:gd name="adj" fmla="val 0"/>
+            </a:avLst>
+          </a:prstGeom>
+          <a:solidFill>
+            <a:schemeClr val="bg1"/>
+          </a:solidFill>
+          <a:ln w="12700">
+            <a:solidFill>
+              <a:srgbClr val="638AD9"/>
+            </a:solidFill>
+            <a:round/>
+            <a:headEnd/>
+            <a:tailEnd/>
+          </a:ln>
+        </p:spPr>
+        <p:txBody>
+          <a:bodyPr wrap="none" anchor="ctr"/>
+          <a:lstStyle>
+            <a:lvl1pPr>
+              <a:defRPr sz="2400">
+                <a:solidFill>
+                  <a:schemeClr val="tx1"/>
+                </a:solidFill>
+                <a:latin typeface="Trebuchet MS" panose="020B0603020202020204" pitchFamily="34" charset="0"/>
+                <a:ea typeface="돋움" panose="020B0600000101010101" pitchFamily="50" charset="-127"/>
+              </a:defRPr>
+            </a:lvl1pPr>
+            <a:lvl2pPr marL="742950" indent="-285750">
+              <a:defRPr sz="2400">
+                <a:solidFill>
+                  <a:schemeClr val="tx1"/>
+                </a:solidFill>
+                <a:latin typeface="Trebuchet MS" panose="020B0603020202020204" pitchFamily="34" charset="0"/>
+                <a:ea typeface="돋움" panose="020B0600000101010101" pitchFamily="50" charset="-127"/>
+              </a:defRPr>
+            </a:lvl2pPr>
+            <a:lvl3pPr marL="1143000" indent="-228600">
+              <a:defRPr sz="2400">
+                <a:solidFill>
+                  <a:schemeClr val="tx1"/>
+                </a:solidFill>
+                <a:latin typeface="Trebuchet MS" panose="020B0603020202020204" pitchFamily="34" charset="0"/>
+                <a:ea typeface="돋움" panose="020B0600000101010101" pitchFamily="50" charset="-127"/>
+              </a:defRPr>
+            </a:lvl3pPr>
+            <a:lvl4pPr marL="1600200" indent="-228600">
+              <a:defRPr sz="2400">
+                <a:solidFill>
+                  <a:schemeClr val="tx1"/>
+                </a:solidFill>
+                <a:latin typeface="Trebuchet MS" panose="020B0603020202020204" pitchFamily="34" charset="0"/>
+                <a:ea typeface="돋움" panose="020B0600000101010101" pitchFamily="50" charset="-127"/>
+              </a:defRPr>
+            </a:lvl4pPr>
+            <a:lvl5pPr marL="2057400" indent="-228600">
+              <a:defRPr sz="2400">
+                <a:solidFill>
+                  <a:schemeClr val="tx1"/>
+                </a:solidFill>
+                <a:latin typeface="Trebuchet MS" panose="020B0603020202020204" pitchFamily="34" charset="0"/>
+                <a:ea typeface="돋움" panose="020B0600000101010101" pitchFamily="50" charset="-127"/>
+              </a:defRPr>
+            </a:lvl5pPr>
+            <a:lvl6pPr marL="2514600" indent="-228600" eaLnBrk="0" fontAlgn="base" hangingPunct="0">
+              <a:spcBef>
+                <a:spcPct val="0"/>
+              </a:spcBef>
+              <a:spcAft>
+                <a:spcPct val="0"/>
+              </a:spcAft>
+              <a:defRPr sz="2400">
+                <a:solidFill>
+                  <a:schemeClr val="tx1"/>
+                </a:solidFill>
+                <a:latin typeface="Trebuchet MS" panose="020B0603020202020204" pitchFamily="34" charset="0"/>
+                <a:ea typeface="돋움" panose="020B0600000101010101" pitchFamily="50" charset="-127"/>
+              </a:defRPr>
+            </a:lvl6pPr>
+            <a:lvl7pPr marL="2971800" indent="-228600" eaLnBrk="0" fontAlgn="base" hangingPunct="0">
+              <a:spcBef>
+                <a:spcPct val="0"/>
+              </a:spcBef>
+              <a:spcAft>
+                <a:spcPct val="0"/>
+              </a:spcAft>
+              <a:defRPr sz="2400">
+                <a:solidFill>
+                  <a:schemeClr val="tx1"/>
+                </a:solidFill>
+                <a:latin typeface="Trebuchet MS" panose="020B0603020202020204" pitchFamily="34" charset="0"/>
+                <a:ea typeface="돋움" panose="020B0600000101010101" pitchFamily="50" charset="-127"/>
+              </a:defRPr>
+            </a:lvl7pPr>
+            <a:lvl8pPr marL="3429000" indent="-228600" eaLnBrk="0" fontAlgn="base" hangingPunct="0">
+              <a:spcBef>
+                <a:spcPct val="0"/>
+              </a:spcBef>
+              <a:spcAft>
+                <a:spcPct val="0"/>
+              </a:spcAft>
+              <a:defRPr sz="2400">
+                <a:solidFill>
+                  <a:schemeClr val="tx1"/>
+                </a:solidFill>
+                <a:latin typeface="Trebuchet MS" panose="020B0603020202020204" pitchFamily="34" charset="0"/>
+                <a:ea typeface="돋움" panose="020B0600000101010101" pitchFamily="50" charset="-127"/>
+              </a:defRPr>
+            </a:lvl8pPr>
+            <a:lvl9pPr marL="3886200" indent="-228600" eaLnBrk="0" fontAlgn="base" hangingPunct="0">
+              <a:spcBef>
+                <a:spcPct val="0"/>
+              </a:spcBef>
+              <a:spcAft>
+                <a:spcPct val="0"/>
+              </a:spcAft>
+              <a:defRPr sz="2400">
+                <a:solidFill>
+                  <a:schemeClr val="tx1"/>
+                </a:solidFill>
+                <a:latin typeface="Trebuchet MS" panose="020B0603020202020204" pitchFamily="34" charset="0"/>
+                <a:ea typeface="돋움" panose="020B0600000101010101" pitchFamily="50" charset="-127"/>
+              </a:defRPr>
+            </a:lvl9pPr>
+          </a:lstStyle>
+          <a:p>
+            <a:pPr eaLnBrk="1" latinLnBrk="1" hangingPunct="1">
+              <a:buFont typeface="Wingdings" panose="05000000000000000000" pitchFamily="2" charset="2"/>
+              <a:buChar char="§"/>
+            </a:pPr>
+            <a:r>
+              <a:rPr kumimoji="1" lang="en-US" altLang="ko-KR" sz="1200" b="1" dirty="0">
+                <a:latin typeface="현대하모니 B" panose="02020603020101020101" pitchFamily="18" charset="-127"/>
+                <a:ea typeface="현대하모니 B" panose="02020603020101020101" pitchFamily="18" charset="-127"/>
+              </a:rPr>
+              <a:t>  </a:t>
+            </a:r>
+            <a:r>
+              <a:rPr kumimoji="1" lang="en-US" altLang="ko-KR" sz="1200" b="1" dirty="0" smtClean="0">
+                <a:latin typeface="현대하모니 B" panose="02020603020101020101" pitchFamily="18" charset="-127"/>
+                <a:ea typeface="현대하모니 B" panose="02020603020101020101" pitchFamily="18" charset="-127"/>
+              </a:rPr>
+              <a:t>Receipt</a:t>
+            </a:r>
+            <a:endParaRPr kumimoji="1" lang="en-US" altLang="ko-KR" sz="1200" b="1" dirty="0">
+              <a:latin typeface="현대하모니 B" panose="02020603020101020101" pitchFamily="18" charset="-127"/>
+              <a:ea typeface="현대하모니 B" panose="02020603020101020101" pitchFamily="18" charset="-127"/>
+            </a:endParaRPr>
+          </a:p>
+        </p:txBody>
+      </p:sp>
+      <p:cxnSp>
+        <p:nvCxnSpPr>
+          <p:cNvPr id="56" name="AutoShape 21"/>
+          <p:cNvCxnSpPr>
+            <a:cxnSpLocks noChangeShapeType="1"/>
+          </p:cNvCxnSpPr>
+          <p:nvPr/>
+        </p:nvCxnSpPr>
+        <p:spPr bwMode="auto">
+          <a:xfrm flipH="1">
+            <a:off x="6700202" y="4963324"/>
+            <a:ext cx="4762" cy="153987"/>
+          </a:xfrm>
+          <a:prstGeom prst="straightConnector1">
+            <a:avLst/>
+          </a:prstGeom>
+          <a:noFill/>
+          <a:ln w="9525">
+            <a:solidFill>
+              <a:schemeClr val="tx1"/>
+            </a:solidFill>
+            <a:round/>
+            <a:headEnd/>
+            <a:tailEnd type="triangle" w="med" len="med"/>
+          </a:ln>
+          <a:extLst>
+            <a:ext uri="{909E8E84-426E-40DD-AFC4-6F175D3DCCD1}">
+              <a14:hiddenFill xmlns:a14="http://schemas.microsoft.com/office/drawing/2010/main">
+                <a:noFill/>
+              </a14:hiddenFill>
+            </a:ext>
+          </a:extLst>
+        </p:spPr>
+      </p:cxnSp>
+      <p:sp>
+        <p:nvSpPr>
+          <p:cNvPr id="58" name="오른쪽 화살표 57"/>
+          <p:cNvSpPr/>
+          <p:nvPr/>
+        </p:nvSpPr>
+        <p:spPr bwMode="auto">
+          <a:xfrm>
+            <a:off x="3965171" y="3459186"/>
+            <a:ext cx="1213658" cy="629197"/>
+          </a:xfrm>
+          <a:prstGeom prst="rightArrow">
+            <a:avLst/>
+          </a:prstGeom>
+          <a:solidFill>
+            <a:schemeClr val="bg1"/>
+          </a:solidFill>
+          <a:ln w="9525" cap="flat" cmpd="sng" algn="ctr">
+            <a:solidFill>
+              <a:schemeClr val="tx1"/>
+            </a:solidFill>
+            <a:prstDash val="solid"/>
+            <a:round/>
+            <a:headEnd type="none" w="med" len="med"/>
+            <a:tailEnd type="none" w="med" len="med"/>
+          </a:ln>
+          <a:effectLst>
+            <a:outerShdw blurRad="50800" dist="38100" dir="2700000" algn="tl" rotWithShape="0">
+              <a:prstClr val="black">
+                <a:alpha val="40000"/>
+              </a:prstClr>
+            </a:outerShdw>
+          </a:effectLst>
+        </p:spPr>
+        <p:txBody>
+          <a:bodyPr vert="horz" wrap="square" lIns="90000" tIns="46800" rIns="90000" bIns="46800" numCol="1" rtlCol="0" anchor="ctr" anchorCtr="0" compatLnSpc="1">
+            <a:prstTxWarp prst="textNoShape">
+              <a:avLst/>
+            </a:prstTxWarp>
+            <a:noAutofit/>
+          </a:bodyPr>
+          <a:lstStyle/>
+          <a:p>
+            <a:pPr marL="0" marR="0" indent="0" algn="ctr" defTabSz="914400" rtl="0" eaLnBrk="1" fontAlgn="base" latinLnBrk="1" hangingPunct="1">
+              <a:lnSpc>
+                <a:spcPct val="100000"/>
+              </a:lnSpc>
+              <a:spcBef>
+                <a:spcPct val="0"/>
+              </a:spcBef>
+              <a:spcAft>
+                <a:spcPct val="0"/>
+              </a:spcAft>
+              <a:buClrTx/>
+              <a:buSzTx/>
+              <a:buFontTx/>
+              <a:buNone/>
+              <a:tabLst/>
+            </a:pPr>
+            <a:endParaRPr lang="ko-KR" altLang="en-US" sz="800" dirty="0">
+              <a:latin typeface="현대하모니 B" panose="02020603020101020101" pitchFamily="18" charset="-127"/>
+              <a:ea typeface="현대하모니 B" panose="02020603020101020101" pitchFamily="18" charset="-127"/>
+            </a:endParaRPr>
+          </a:p>
+        </p:txBody>
+      </p:sp>
+    </p:spTree>
+    <p:extLst>
+      <p:ext uri="{BB962C8B-B14F-4D97-AF65-F5344CB8AC3E}">
+        <p14:creationId xmlns:p14="http://schemas.microsoft.com/office/powerpoint/2010/main" val="1153328243"/>
+      </p:ext>
+    </p:extLst>
+  </p:cSld>
+  <p:clrMapOvr>
+    <a:masterClrMapping/>
+  </p:clrMapOvr>
+  <p:timing>
+    <p:tnLst>
+      <p:par>
+        <p:cTn id="1" dur="indefinite" restart="never" nodeType="tmRoot"/>
+      </p:par>
+    </p:tnLst>
+  </p:timing>
+</p:sld>
+</file>
+
+<file path=ppt/slides/slide4.xml><?xml version="1.0" encoding="utf-8"?>
+<p:sld xmlns:a="http://schemas.openxmlformats.org/drawingml/2006/main" xmlns:r="http://schemas.openxmlformats.org/officeDocument/2006/relationships" xmlns:p="http://schemas.openxmlformats.org/presentationml/2006/main">
+  <p:cSld>
+    <p:spTree>
+      <p:nvGrpSpPr>
+        <p:cNvPr id="1" name=""/>
+        <p:cNvGrpSpPr/>
+        <p:nvPr/>
+      </p:nvGrpSpPr>
+      <p:grpSpPr>
+        <a:xfrm>
+          <a:off x="0" y="0"/>
+          <a:ext cx="0" cy="0"/>
+          <a:chOff x="0" y="0"/>
+          <a:chExt cx="0" cy="0"/>
+        </a:xfrm>
+      </p:grpSpPr>
+      <p:sp>
+        <p:nvSpPr>
+          <p:cNvPr id="2" name="제목 1"/>
+          <p:cNvSpPr>
+            <a:spLocks noGrp="1"/>
+          </p:cNvSpPr>
+          <p:nvPr>
+            <p:ph type="title"/>
+          </p:nvPr>
+        </p:nvSpPr>
+        <p:spPr/>
+        <p:txBody>
+          <a:bodyPr/>
+          <a:lstStyle/>
+          <a:p>
+            <a:r>
+              <a:rPr lang="en-US" altLang="ko-KR" dirty="0" smtClean="0"/>
+              <a:t>III. SPC Migration (2021.01 ~ 2021.06)</a:t>
+            </a:r>
+            <a:endParaRPr lang="ko-KR" altLang="en-US" dirty="0"/>
+          </a:p>
+        </p:txBody>
+      </p:sp>
+      <p:sp>
+        <p:nvSpPr>
+          <p:cNvPr id="4" name="내용 개체 틀 5">
+            <a:extLst>
+              <a:ext uri="{FF2B5EF4-FFF2-40B4-BE49-F238E27FC236}">
+                <a16:creationId xmlns:a16="http://schemas.microsoft.com/office/drawing/2014/main" id="{E82A5FAB-6C6B-6D17-C6D5-B36C22C11895}"/>
+              </a:ext>
+            </a:extLst>
+          </p:cNvPr>
+          <p:cNvSpPr txBox="1">
+            <a:spLocks/>
+          </p:cNvSpPr>
+          <p:nvPr/>
+        </p:nvSpPr>
+        <p:spPr>
+          <a:xfrm>
+            <a:off x="457200" y="920126"/>
+            <a:ext cx="6336704" cy="785284"/>
+          </a:xfrm>
+          <a:prstGeom prst="rect">
+            <a:avLst/>
+          </a:prstGeom>
+        </p:spPr>
+        <p:txBody>
+          <a:bodyPr vert="horz" lIns="91440" tIns="45720" rIns="91440" bIns="45720" rtlCol="0">
+            <a:normAutofit/>
+          </a:bodyPr>
+          <a:lstStyle>
+            <a:lvl1pPr marL="342900" indent="-342900" algn="l" defTabSz="914400" rtl="0" eaLnBrk="1" latinLnBrk="1" hangingPunct="1">
+              <a:spcBef>
+                <a:spcPct val="20000"/>
+              </a:spcBef>
+              <a:buFont typeface="Arial" pitchFamily="34" charset="0"/>
+              <a:buNone/>
+              <a:defRPr lang="ko-KR" altLang="en-US" sz="2000" kern="1200" baseline="0">
+                <a:solidFill>
+                  <a:schemeClr val="tx1">
+                    <a:lumMod val="65000"/>
+                    <a:lumOff val="35000"/>
+                  </a:schemeClr>
+                </a:solidFill>
+                <a:latin typeface="Noto Sans" pitchFamily="34" charset="0"/>
+                <a:ea typeface="맑은 고딕" pitchFamily="50" charset="-127"/>
+                <a:cs typeface="+mn-cs"/>
+              </a:defRPr>
+            </a:lvl1pPr>
+            <a:lvl2pPr marL="742950" indent="-285750" algn="l" defTabSz="914400" rtl="0" eaLnBrk="1" latinLnBrk="1" hangingPunct="1">
+              <a:spcBef>
+                <a:spcPct val="20000"/>
+              </a:spcBef>
+              <a:buFont typeface="Arial" pitchFamily="34" charset="0"/>
+              <a:buNone/>
+              <a:defRPr lang="ko-KR" altLang="en-US" sz="1800" kern="1200" baseline="0">
+                <a:solidFill>
+                  <a:schemeClr val="tx1">
+                    <a:lumMod val="65000"/>
+                    <a:lumOff val="35000"/>
+                  </a:schemeClr>
+                </a:solidFill>
+                <a:latin typeface="Noto Sans" pitchFamily="34" charset="0"/>
+                <a:ea typeface="맑은 고딕" pitchFamily="50" charset="-127"/>
+                <a:cs typeface="+mn-cs"/>
+              </a:defRPr>
+            </a:lvl2pPr>
+            <a:lvl3pPr marL="1143000" indent="-228600" algn="l" defTabSz="914400" rtl="0" eaLnBrk="1" latinLnBrk="1" hangingPunct="1">
+              <a:spcBef>
+                <a:spcPct val="20000"/>
+              </a:spcBef>
+              <a:buFont typeface="Arial" pitchFamily="34" charset="0"/>
+              <a:buNone/>
+              <a:defRPr lang="ko-KR" altLang="en-US" sz="1800" kern="1200" baseline="0">
+                <a:solidFill>
+                  <a:schemeClr val="tx1">
+                    <a:lumMod val="65000"/>
+                    <a:lumOff val="35000"/>
+                  </a:schemeClr>
+                </a:solidFill>
+                <a:latin typeface="Noto Sans" pitchFamily="34" charset="0"/>
+                <a:ea typeface="맑은 고딕" pitchFamily="50" charset="-127"/>
+                <a:cs typeface="+mn-cs"/>
+              </a:defRPr>
+            </a:lvl3pPr>
+            <a:lvl4pPr marL="1600200" indent="-228600" algn="l" defTabSz="914400" rtl="0" eaLnBrk="1" latinLnBrk="1" hangingPunct="1">
+              <a:spcBef>
+                <a:spcPct val="20000"/>
+              </a:spcBef>
+              <a:buFont typeface="Arial" pitchFamily="34" charset="0"/>
+              <a:buNone/>
+              <a:defRPr lang="ko-KR" altLang="en-US" sz="1800" kern="1200" baseline="0">
+                <a:solidFill>
+                  <a:schemeClr val="tx1">
+                    <a:lumMod val="65000"/>
+                    <a:lumOff val="35000"/>
+                  </a:schemeClr>
+                </a:solidFill>
+                <a:latin typeface="Noto Sans" pitchFamily="34" charset="0"/>
+                <a:ea typeface="맑은 고딕" pitchFamily="50" charset="-127"/>
+                <a:cs typeface="+mn-cs"/>
+              </a:defRPr>
+            </a:lvl4pPr>
+            <a:lvl5pPr marL="2057400" indent="-228600" algn="l" defTabSz="914400" rtl="0" eaLnBrk="1" latinLnBrk="1" hangingPunct="1">
+              <a:spcBef>
+                <a:spcPct val="20000"/>
+              </a:spcBef>
+              <a:buFont typeface="Arial" pitchFamily="34" charset="0"/>
+              <a:buNone/>
+              <a:defRPr lang="ko-KR" altLang="en-US" sz="1800" kern="1200" baseline="0">
+                <a:solidFill>
+                  <a:schemeClr val="tx1">
+                    <a:lumMod val="65000"/>
+                    <a:lumOff val="35000"/>
+                  </a:schemeClr>
+                </a:solidFill>
+                <a:latin typeface="Noto Sans" pitchFamily="34" charset="0"/>
+                <a:ea typeface="맑은 고딕" pitchFamily="50" charset="-127"/>
+                <a:cs typeface="+mn-cs"/>
+              </a:defRPr>
+            </a:lvl5pPr>
+            <a:lvl6pPr marL="2514600" indent="-228600" algn="l" defTabSz="914400" rtl="0" eaLnBrk="1" latinLnBrk="1" hangingPunct="1">
+              <a:spcBef>
+                <a:spcPct val="20000"/>
+              </a:spcBef>
+              <a:buFont typeface="Arial" pitchFamily="34" charset="0"/>
+              <a:buChar char="•"/>
+              <a:defRPr sz="2000" kern="1200">
+                <a:solidFill>
+                  <a:schemeClr val="tx1"/>
+                </a:solidFill>
+                <a:latin typeface="+mn-lt"/>
+                <a:ea typeface="+mn-ea"/>
+                <a:cs typeface="+mn-cs"/>
+              </a:defRPr>
+            </a:lvl6pPr>
+            <a:lvl7pPr marL="2971800" indent="-228600" algn="l" defTabSz="914400" rtl="0" eaLnBrk="1" latinLnBrk="1" hangingPunct="1">
+              <a:spcBef>
+                <a:spcPct val="20000"/>
+              </a:spcBef>
+              <a:buFont typeface="Arial" pitchFamily="34" charset="0"/>
+              <a:buChar char="•"/>
+              <a:defRPr sz="2000" kern="1200">
+                <a:solidFill>
+                  <a:schemeClr val="tx1"/>
+                </a:solidFill>
+                <a:latin typeface="+mn-lt"/>
+                <a:ea typeface="+mn-ea"/>
+                <a:cs typeface="+mn-cs"/>
+              </a:defRPr>
+            </a:lvl7pPr>
+            <a:lvl8pPr marL="3429000" indent="-228600" algn="l" defTabSz="914400" rtl="0" eaLnBrk="1" latinLnBrk="1" hangingPunct="1">
+              <a:spcBef>
+                <a:spcPct val="20000"/>
+              </a:spcBef>
+              <a:buFont typeface="Arial" pitchFamily="34" charset="0"/>
+              <a:buChar char="•"/>
+              <a:defRPr sz="2000" kern="1200">
+                <a:solidFill>
+                  <a:schemeClr val="tx1"/>
+                </a:solidFill>
+                <a:latin typeface="+mn-lt"/>
+                <a:ea typeface="+mn-ea"/>
+                <a:cs typeface="+mn-cs"/>
+              </a:defRPr>
+            </a:lvl8pPr>
+            <a:lvl9pPr marL="3886200" indent="-228600" algn="l" defTabSz="914400" rtl="0" eaLnBrk="1" latinLnBrk="1" hangingPunct="1">
+              <a:spcBef>
+                <a:spcPct val="20000"/>
+              </a:spcBef>
+              <a:buFont typeface="Arial" pitchFamily="34" charset="0"/>
+              <a:buChar char="•"/>
+              <a:defRPr sz="2000" kern="1200">
+                <a:solidFill>
+                  <a:schemeClr val="tx1"/>
+                </a:solidFill>
+                <a:latin typeface="+mn-lt"/>
+                <a:ea typeface="+mn-ea"/>
+                <a:cs typeface="+mn-cs"/>
+              </a:defRPr>
+            </a:lvl9pPr>
+          </a:lstStyle>
+          <a:p>
+            <a:r>
+              <a:rPr lang="en-US" altLang="ko-KR" sz="1100" b="1" dirty="0">
+                <a:solidFill>
+                  <a:schemeClr val="tx1"/>
+                </a:solidFill>
+                <a:latin typeface="현대하모니 B" panose="02020603020101020101" pitchFamily="18" charset="-127"/>
+                <a:ea typeface="현대하모니 B" panose="02020603020101020101" pitchFamily="18" charset="-127"/>
+                <a:sym typeface="Wingdings" panose="05000000000000000000" pitchFamily="2" charset="2"/>
+              </a:rPr>
+              <a:t>[ </a:t>
+            </a:r>
+            <a:r>
+              <a:rPr lang="en-US" altLang="ko-KR" sz="1100" b="1" dirty="0" smtClean="0">
+                <a:solidFill>
+                  <a:schemeClr val="tx1"/>
+                </a:solidFill>
+                <a:latin typeface="현대하모니 B" panose="02020603020101020101" pitchFamily="18" charset="-127"/>
+                <a:ea typeface="현대하모니 B" panose="02020603020101020101" pitchFamily="18" charset="-127"/>
+                <a:sym typeface="Wingdings" panose="05000000000000000000" pitchFamily="2" charset="2"/>
+              </a:rPr>
+              <a:t>SPC Migration]</a:t>
+            </a:r>
+          </a:p>
+        </p:txBody>
+      </p:sp>
+      <p:sp>
+        <p:nvSpPr>
+          <p:cNvPr id="5" name="직사각형 4">
+            <a:extLst>
+              <a:ext uri="{FF2B5EF4-FFF2-40B4-BE49-F238E27FC236}">
+                <a16:creationId xmlns:a16="http://schemas.microsoft.com/office/drawing/2014/main" id="{9279B9C4-4373-59E1-49F3-97C1BCBA9C8C}"/>
+              </a:ext>
+            </a:extLst>
+          </p:cNvPr>
+          <p:cNvSpPr/>
+          <p:nvPr/>
+        </p:nvSpPr>
+        <p:spPr>
+          <a:xfrm>
+            <a:off x="791580" y="1147803"/>
+            <a:ext cx="7560840" cy="707886"/>
+          </a:xfrm>
+          <a:prstGeom prst="rect">
+            <a:avLst/>
+          </a:prstGeom>
+        </p:spPr>
+        <p:txBody>
+          <a:bodyPr wrap="square">
+            <a:spAutoFit/>
+          </a:bodyPr>
+          <a:lstStyle/>
+          <a:p>
+            <a:r>
+              <a:rPr lang="en-US" altLang="ko-KR" sz="1000" dirty="0">
+                <a:solidFill>
+                  <a:srgbClr val="595959"/>
+                </a:solidFill>
+                <a:latin typeface="현대하모니 B" panose="02020603020101020101" pitchFamily="18" charset="-127"/>
+                <a:ea typeface="현대하모니 B" panose="02020603020101020101" pitchFamily="18" charset="-127"/>
+              </a:rPr>
+              <a:t>[</a:t>
+            </a:r>
+            <a:r>
+              <a:rPr lang="ko-KR" altLang="en-US" sz="1000" dirty="0" smtClean="0">
+                <a:latin typeface="현대하모니 B" panose="02020603020101020101" pitchFamily="18" charset="-127"/>
+                <a:ea typeface="현대하모니 B" panose="02020603020101020101" pitchFamily="18" charset="-127"/>
+              </a:rPr>
+              <a:t>주요업무</a:t>
+            </a:r>
+            <a:r>
+              <a:rPr lang="en-US" altLang="ko-KR" sz="1000" dirty="0" smtClean="0">
+                <a:latin typeface="현대하모니 B" panose="02020603020101020101" pitchFamily="18" charset="-127"/>
+                <a:ea typeface="현대하모니 B" panose="02020603020101020101" pitchFamily="18" charset="-127"/>
+              </a:rPr>
+              <a:t>]</a:t>
+            </a:r>
+            <a:endParaRPr lang="en-US" altLang="ko-KR" sz="1000" dirty="0">
+              <a:latin typeface="현대하모니 B" panose="02020603020101020101" pitchFamily="18" charset="-127"/>
+              <a:ea typeface="현대하모니 B" panose="02020603020101020101" pitchFamily="18" charset="-127"/>
+            </a:endParaRPr>
+          </a:p>
+          <a:p>
+            <a:pPr marL="228600" indent="-228600">
+              <a:buAutoNum type="arabicPeriod"/>
+            </a:pPr>
+            <a:r>
+              <a:rPr lang="en-US" altLang="ko-KR" sz="1000" dirty="0" smtClean="0">
+                <a:latin typeface="현대하모니 B" panose="02020603020101020101" pitchFamily="18" charset="-127"/>
+                <a:ea typeface="현대하모니 B" panose="02020603020101020101" pitchFamily="18" charset="-127"/>
+              </a:rPr>
+              <a:t>Vb6 </a:t>
+            </a:r>
+            <a:r>
+              <a:rPr lang="ko-KR" altLang="en-US" sz="1000" dirty="0" smtClean="0">
+                <a:latin typeface="현대하모니 B" panose="02020603020101020101" pitchFamily="18" charset="-127"/>
+                <a:ea typeface="현대하모니 B" panose="02020603020101020101" pitchFamily="18" charset="-127"/>
+              </a:rPr>
+              <a:t>기반 </a:t>
+            </a:r>
+            <a:r>
+              <a:rPr lang="en-US" altLang="ko-KR" sz="1000" dirty="0" smtClean="0">
+                <a:latin typeface="현대하모니 B" panose="02020603020101020101" pitchFamily="18" charset="-127"/>
+                <a:ea typeface="현대하모니 B" panose="02020603020101020101" pitchFamily="18" charset="-127"/>
+              </a:rPr>
+              <a:t>-&gt;</a:t>
+            </a:r>
+            <a:r>
+              <a:rPr lang="ko-KR" altLang="en-US" sz="1000" dirty="0" smtClean="0">
+                <a:latin typeface="현대하모니 B" panose="02020603020101020101" pitchFamily="18" charset="-127"/>
+                <a:ea typeface="현대하모니 B" panose="02020603020101020101" pitchFamily="18" charset="-127"/>
+              </a:rPr>
+              <a:t> </a:t>
+            </a:r>
+            <a:r>
+              <a:rPr lang="en-US" altLang="ko-KR" sz="1000" dirty="0" smtClean="0">
+                <a:latin typeface="현대하모니 B" panose="02020603020101020101" pitchFamily="18" charset="-127"/>
+                <a:ea typeface="현대하모니 B" panose="02020603020101020101" pitchFamily="18" charset="-127"/>
+              </a:rPr>
+              <a:t>C# .NET Framework </a:t>
+            </a:r>
+            <a:r>
+              <a:rPr lang="ko-KR" altLang="en-US" sz="1000" dirty="0" smtClean="0">
+                <a:latin typeface="현대하모니 B" panose="02020603020101020101" pitchFamily="18" charset="-127"/>
+                <a:ea typeface="현대하모니 B" panose="02020603020101020101" pitchFamily="18" charset="-127"/>
+              </a:rPr>
+              <a:t>기반으로 이식</a:t>
+            </a:r>
+            <a:r>
+              <a:rPr lang="en-US" altLang="ko-KR" sz="1000" dirty="0" smtClean="0">
+                <a:latin typeface="현대하모니 B" panose="02020603020101020101" pitchFamily="18" charset="-127"/>
+                <a:ea typeface="현대하모니 B" panose="02020603020101020101" pitchFamily="18" charset="-127"/>
+              </a:rPr>
+              <a:t>. </a:t>
+            </a:r>
+            <a:endParaRPr lang="en-US" altLang="ko-KR" sz="1000" dirty="0">
+              <a:latin typeface="현대하모니 B" panose="02020603020101020101" pitchFamily="18" charset="-127"/>
+              <a:ea typeface="현대하모니 B" panose="02020603020101020101" pitchFamily="18" charset="-127"/>
+            </a:endParaRPr>
+          </a:p>
+          <a:p>
+            <a:pPr marL="228600" indent="-228600">
+              <a:buAutoNum type="arabicPeriod"/>
+            </a:pPr>
+            <a:r>
+              <a:rPr lang="en-US" altLang="ko-KR" sz="1000" dirty="0" smtClean="0">
+                <a:latin typeface="현대하모니 B" panose="02020603020101020101" pitchFamily="18" charset="-127"/>
+                <a:ea typeface="현대하모니 B" panose="02020603020101020101" pitchFamily="18" charset="-127"/>
+              </a:rPr>
+              <a:t>Serial </a:t>
+            </a:r>
+            <a:r>
+              <a:rPr lang="ko-KR" altLang="en-US" sz="1000" dirty="0" smtClean="0">
+                <a:latin typeface="현대하모니 B" panose="02020603020101020101" pitchFamily="18" charset="-127"/>
+                <a:ea typeface="현대하모니 B" panose="02020603020101020101" pitchFamily="18" charset="-127"/>
+              </a:rPr>
+              <a:t>통신 기반 </a:t>
+            </a:r>
+            <a:r>
+              <a:rPr lang="ko-KR" altLang="en-US" sz="1000" dirty="0" smtClean="0">
+                <a:latin typeface="현대하모니 B" panose="02020603020101020101" pitchFamily="18" charset="-127"/>
+                <a:ea typeface="현대하모니 B" panose="02020603020101020101" pitchFamily="18" charset="-127"/>
+              </a:rPr>
+              <a:t>장비 별 </a:t>
+            </a:r>
+            <a:r>
+              <a:rPr lang="ko-KR" altLang="en-US" sz="1000" dirty="0" smtClean="0">
+                <a:latin typeface="현대하모니 B" panose="02020603020101020101" pitchFamily="18" charset="-127"/>
+                <a:ea typeface="현대하모니 B" panose="02020603020101020101" pitchFamily="18" charset="-127"/>
+              </a:rPr>
+              <a:t>측정 데이터 자동 </a:t>
+            </a:r>
+            <a:r>
+              <a:rPr lang="ko-KR" altLang="en-US" sz="1000" dirty="0" smtClean="0">
+                <a:latin typeface="현대하모니 B" panose="02020603020101020101" pitchFamily="18" charset="-127"/>
+                <a:ea typeface="현대하모니 B" panose="02020603020101020101" pitchFamily="18" charset="-127"/>
+              </a:rPr>
+              <a:t>입력</a:t>
+            </a:r>
+            <a:endParaRPr lang="en-US" altLang="ko-KR" sz="1000" dirty="0" smtClean="0">
+              <a:latin typeface="현대하모니 B" panose="02020603020101020101" pitchFamily="18" charset="-127"/>
+              <a:ea typeface="현대하모니 B" panose="02020603020101020101" pitchFamily="18" charset="-127"/>
+            </a:endParaRPr>
+          </a:p>
+          <a:p>
+            <a:pPr marL="228600" indent="-228600">
+              <a:buAutoNum type="arabicPeriod"/>
+            </a:pPr>
+            <a:r>
+              <a:rPr lang="en-US" altLang="ko-KR" sz="1000" dirty="0" err="1" smtClean="0">
+                <a:latin typeface="현대하모니 B" panose="02020603020101020101" pitchFamily="18" charset="-127"/>
+                <a:ea typeface="현대하모니 B" panose="02020603020101020101" pitchFamily="18" charset="-127"/>
+              </a:rPr>
+              <a:t>DataLoader</a:t>
+            </a:r>
+            <a:r>
+              <a:rPr lang="ko-KR" altLang="en-US" sz="1000" dirty="0" smtClean="0">
+                <a:latin typeface="현대하모니 B" panose="02020603020101020101" pitchFamily="18" charset="-127"/>
+                <a:ea typeface="현대하모니 B" panose="02020603020101020101" pitchFamily="18" charset="-127"/>
+              </a:rPr>
+              <a:t>에 의해 </a:t>
+            </a:r>
+            <a:r>
+              <a:rPr lang="en-US" altLang="ko-KR" sz="1000" dirty="0" smtClean="0">
+                <a:latin typeface="현대하모니 B" panose="02020603020101020101" pitchFamily="18" charset="-127"/>
+                <a:ea typeface="현대하모니 B" panose="02020603020101020101" pitchFamily="18" charset="-127"/>
+              </a:rPr>
+              <a:t>Server CPU </a:t>
+            </a:r>
+            <a:r>
+              <a:rPr lang="ko-KR" altLang="en-US" sz="1000" dirty="0" smtClean="0">
+                <a:latin typeface="현대하모니 B" panose="02020603020101020101" pitchFamily="18" charset="-127"/>
+                <a:ea typeface="현대하모니 B" panose="02020603020101020101" pitchFamily="18" charset="-127"/>
+              </a:rPr>
+              <a:t>점유율이 높아져 </a:t>
+            </a:r>
+            <a:r>
+              <a:rPr lang="en-US" altLang="ko-KR" sz="1000" dirty="0" err="1" smtClean="0">
+                <a:latin typeface="현대하모니 B" panose="02020603020101020101" pitchFamily="18" charset="-127"/>
+                <a:ea typeface="현대하모니 B" panose="02020603020101020101" pitchFamily="18" charset="-127"/>
+              </a:rPr>
+              <a:t>DataLoader</a:t>
+            </a:r>
+            <a:r>
+              <a:rPr lang="en-US" altLang="ko-KR" sz="1000" dirty="0" smtClean="0">
+                <a:latin typeface="현대하모니 B" panose="02020603020101020101" pitchFamily="18" charset="-127"/>
+                <a:ea typeface="현대하모니 B" panose="02020603020101020101" pitchFamily="18" charset="-127"/>
+              </a:rPr>
+              <a:t> </a:t>
+            </a:r>
+            <a:r>
+              <a:rPr lang="en-US" altLang="ko-KR" sz="1000" dirty="0">
+                <a:latin typeface="현대하모니 B" panose="02020603020101020101" pitchFamily="18" charset="-127"/>
+                <a:ea typeface="현대하모니 B" panose="02020603020101020101" pitchFamily="18" charset="-127"/>
+              </a:rPr>
+              <a:t>t</a:t>
+            </a:r>
+            <a:r>
+              <a:rPr lang="en-US" altLang="ko-KR" sz="1000" dirty="0" smtClean="0">
+                <a:latin typeface="현대하모니 B" panose="02020603020101020101" pitchFamily="18" charset="-127"/>
+                <a:ea typeface="현대하모니 B" panose="02020603020101020101" pitchFamily="18" charset="-127"/>
+              </a:rPr>
+              <a:t>hread</a:t>
+            </a:r>
+            <a:r>
+              <a:rPr lang="ko-KR" altLang="en-US" sz="1000" dirty="0" smtClean="0">
+                <a:latin typeface="현대하모니 B" panose="02020603020101020101" pitchFamily="18" charset="-127"/>
+                <a:ea typeface="현대하모니 B" panose="02020603020101020101" pitchFamily="18" charset="-127"/>
+              </a:rPr>
+              <a:t>를 </a:t>
+            </a:r>
+            <a:r>
+              <a:rPr lang="ko-KR" altLang="en-US" sz="1000" dirty="0" smtClean="0">
+                <a:latin typeface="현대하모니 B" panose="02020603020101020101" pitchFamily="18" charset="-127"/>
+                <a:ea typeface="현대하모니 B" panose="02020603020101020101" pitchFamily="18" charset="-127"/>
+              </a:rPr>
+              <a:t>분리하여 문제 해결</a:t>
+            </a:r>
+            <a:endParaRPr lang="en-US" altLang="ko-KR" sz="1000" dirty="0">
+              <a:latin typeface="현대하모니 B" panose="02020603020101020101" pitchFamily="18" charset="-127"/>
+              <a:ea typeface="현대하모니 B" panose="02020603020101020101" pitchFamily="18" charset="-127"/>
+            </a:endParaRPr>
+          </a:p>
+        </p:txBody>
+      </p:sp>
+      <p:pic>
+        <p:nvPicPr>
+          <p:cNvPr id="6" name="그림 5"/>
+          <p:cNvPicPr>
+            <a:picLocks noChangeAspect="1"/>
+          </p:cNvPicPr>
+          <p:nvPr/>
+        </p:nvPicPr>
+        <p:blipFill>
+          <a:blip r:embed="rId2"/>
+          <a:stretch>
+            <a:fillRect/>
+          </a:stretch>
+        </p:blipFill>
+        <p:spPr>
+          <a:xfrm>
+            <a:off x="791580" y="2305646"/>
+            <a:ext cx="3906441" cy="3042882"/>
+          </a:xfrm>
+          <a:prstGeom prst="rect">
+            <a:avLst/>
+          </a:prstGeom>
+        </p:spPr>
+      </p:pic>
+      <p:pic>
+        <p:nvPicPr>
+          <p:cNvPr id="7" name="그림 6"/>
+          <p:cNvPicPr>
+            <a:picLocks noChangeAspect="1"/>
+          </p:cNvPicPr>
+          <p:nvPr/>
+        </p:nvPicPr>
+        <p:blipFill>
+          <a:blip r:embed="rId3"/>
+          <a:stretch>
+            <a:fillRect/>
+          </a:stretch>
+        </p:blipFill>
+        <p:spPr>
+          <a:xfrm>
+            <a:off x="4803044" y="2305646"/>
+            <a:ext cx="3883756" cy="3042882"/>
+          </a:xfrm>
+          <a:prstGeom prst="rect">
+            <a:avLst/>
+          </a:prstGeom>
+        </p:spPr>
+      </p:pic>
+      <p:sp>
+        <p:nvSpPr>
+          <p:cNvPr id="9" name="내용 개체 틀 5">
+            <a:extLst>
+              <a:ext uri="{FF2B5EF4-FFF2-40B4-BE49-F238E27FC236}">
+                <a16:creationId xmlns:a16="http://schemas.microsoft.com/office/drawing/2014/main" id="{372352C4-DAF8-35F2-CA98-40004492D02A}"/>
+              </a:ext>
+            </a:extLst>
+          </p:cNvPr>
+          <p:cNvSpPr txBox="1">
+            <a:spLocks/>
+          </p:cNvSpPr>
+          <p:nvPr/>
+        </p:nvSpPr>
+        <p:spPr>
+          <a:xfrm>
+            <a:off x="1728320" y="3681967"/>
+            <a:ext cx="1223886" cy="145120"/>
+          </a:xfrm>
+          <a:prstGeom prst="rect">
+            <a:avLst/>
+          </a:prstGeom>
+        </p:spPr>
+        <p:txBody>
+          <a:bodyPr vert="horz" lIns="91440" tIns="45720" rIns="91440" bIns="45720" rtlCol="0">
+            <a:noAutofit/>
+          </a:bodyPr>
+          <a:lstStyle>
+            <a:lvl1pPr marL="342900" indent="-342900" algn="l" defTabSz="914400" rtl="0" eaLnBrk="1" latinLnBrk="1" hangingPunct="1">
+              <a:spcBef>
+                <a:spcPct val="20000"/>
+              </a:spcBef>
+              <a:buFont typeface="Arial" pitchFamily="34" charset="0"/>
+              <a:buNone/>
+              <a:defRPr lang="ko-KR" altLang="en-US" sz="2000" kern="1200" baseline="0">
+                <a:solidFill>
+                  <a:schemeClr val="tx1">
+                    <a:lumMod val="65000"/>
+                    <a:lumOff val="35000"/>
+                  </a:schemeClr>
+                </a:solidFill>
+                <a:latin typeface="Noto Sans" pitchFamily="34" charset="0"/>
+                <a:ea typeface="맑은 고딕" pitchFamily="50" charset="-127"/>
+                <a:cs typeface="+mn-cs"/>
+              </a:defRPr>
+            </a:lvl1pPr>
+            <a:lvl2pPr marL="742950" indent="-285750" algn="l" defTabSz="914400" rtl="0" eaLnBrk="1" latinLnBrk="1" hangingPunct="1">
+              <a:spcBef>
+                <a:spcPct val="20000"/>
+              </a:spcBef>
+              <a:buFont typeface="Arial" pitchFamily="34" charset="0"/>
+              <a:buNone/>
+              <a:defRPr lang="ko-KR" altLang="en-US" sz="1800" kern="1200" baseline="0">
+                <a:solidFill>
+                  <a:schemeClr val="tx1">
+                    <a:lumMod val="65000"/>
+                    <a:lumOff val="35000"/>
+                  </a:schemeClr>
+                </a:solidFill>
+                <a:latin typeface="Noto Sans" pitchFamily="34" charset="0"/>
+                <a:ea typeface="맑은 고딕" pitchFamily="50" charset="-127"/>
+                <a:cs typeface="+mn-cs"/>
+              </a:defRPr>
+            </a:lvl2pPr>
+            <a:lvl3pPr marL="1143000" indent="-228600" algn="l" defTabSz="914400" rtl="0" eaLnBrk="1" latinLnBrk="1" hangingPunct="1">
+              <a:spcBef>
+                <a:spcPct val="20000"/>
+              </a:spcBef>
+              <a:buFont typeface="Arial" pitchFamily="34" charset="0"/>
+              <a:buNone/>
+              <a:defRPr lang="ko-KR" altLang="en-US" sz="1800" kern="1200" baseline="0">
+                <a:solidFill>
+                  <a:schemeClr val="tx1">
+                    <a:lumMod val="65000"/>
+                    <a:lumOff val="35000"/>
+                  </a:schemeClr>
+                </a:solidFill>
+                <a:latin typeface="Noto Sans" pitchFamily="34" charset="0"/>
+                <a:ea typeface="맑은 고딕" pitchFamily="50" charset="-127"/>
+                <a:cs typeface="+mn-cs"/>
+              </a:defRPr>
+            </a:lvl3pPr>
+            <a:lvl4pPr marL="1600200" indent="-228600" algn="l" defTabSz="914400" rtl="0" eaLnBrk="1" latinLnBrk="1" hangingPunct="1">
+              <a:spcBef>
+                <a:spcPct val="20000"/>
+              </a:spcBef>
+              <a:buFont typeface="Arial" pitchFamily="34" charset="0"/>
+              <a:buNone/>
+              <a:defRPr lang="ko-KR" altLang="en-US" sz="1800" kern="1200" baseline="0">
+                <a:solidFill>
+                  <a:schemeClr val="tx1">
+                    <a:lumMod val="65000"/>
+                    <a:lumOff val="35000"/>
+                  </a:schemeClr>
+                </a:solidFill>
+                <a:latin typeface="Noto Sans" pitchFamily="34" charset="0"/>
+                <a:ea typeface="맑은 고딕" pitchFamily="50" charset="-127"/>
+                <a:cs typeface="+mn-cs"/>
+              </a:defRPr>
+            </a:lvl4pPr>
+            <a:lvl5pPr marL="2057400" indent="-228600" algn="l" defTabSz="914400" rtl="0" eaLnBrk="1" latinLnBrk="1" hangingPunct="1">
+              <a:spcBef>
+                <a:spcPct val="20000"/>
+              </a:spcBef>
+              <a:buFont typeface="Arial" pitchFamily="34" charset="0"/>
+              <a:buNone/>
+              <a:defRPr lang="ko-KR" altLang="en-US" sz="1800" kern="1200" baseline="0">
+                <a:solidFill>
+                  <a:schemeClr val="tx1">
+                    <a:lumMod val="65000"/>
+                    <a:lumOff val="35000"/>
+                  </a:schemeClr>
+                </a:solidFill>
+                <a:latin typeface="Noto Sans" pitchFamily="34" charset="0"/>
+                <a:ea typeface="맑은 고딕" pitchFamily="50" charset="-127"/>
+                <a:cs typeface="+mn-cs"/>
+              </a:defRPr>
+            </a:lvl5pPr>
+            <a:lvl6pPr marL="2514600" indent="-228600" algn="l" defTabSz="914400" rtl="0" eaLnBrk="1" latinLnBrk="1" hangingPunct="1">
+              <a:spcBef>
+                <a:spcPct val="20000"/>
+              </a:spcBef>
+              <a:buFont typeface="Arial" pitchFamily="34" charset="0"/>
+              <a:buChar char="•"/>
+              <a:defRPr sz="2000" kern="1200">
+                <a:solidFill>
+                  <a:schemeClr val="tx1"/>
+                </a:solidFill>
+                <a:latin typeface="+mn-lt"/>
+                <a:ea typeface="+mn-ea"/>
+                <a:cs typeface="+mn-cs"/>
+              </a:defRPr>
+            </a:lvl6pPr>
+            <a:lvl7pPr marL="2971800" indent="-228600" algn="l" defTabSz="914400" rtl="0" eaLnBrk="1" latinLnBrk="1" hangingPunct="1">
+              <a:spcBef>
+                <a:spcPct val="20000"/>
+              </a:spcBef>
+              <a:buFont typeface="Arial" pitchFamily="34" charset="0"/>
+              <a:buChar char="•"/>
+              <a:defRPr sz="2000" kern="1200">
+                <a:solidFill>
+                  <a:schemeClr val="tx1"/>
+                </a:solidFill>
+                <a:latin typeface="+mn-lt"/>
+                <a:ea typeface="+mn-ea"/>
+                <a:cs typeface="+mn-cs"/>
+              </a:defRPr>
+            </a:lvl7pPr>
+            <a:lvl8pPr marL="3429000" indent="-228600" algn="l" defTabSz="914400" rtl="0" eaLnBrk="1" latinLnBrk="1" hangingPunct="1">
+              <a:spcBef>
+                <a:spcPct val="20000"/>
+              </a:spcBef>
+              <a:buFont typeface="Arial" pitchFamily="34" charset="0"/>
+              <a:buChar char="•"/>
+              <a:defRPr sz="2000" kern="1200">
+                <a:solidFill>
+                  <a:schemeClr val="tx1"/>
+                </a:solidFill>
+                <a:latin typeface="+mn-lt"/>
+                <a:ea typeface="+mn-ea"/>
+                <a:cs typeface="+mn-cs"/>
+              </a:defRPr>
+            </a:lvl8pPr>
+            <a:lvl9pPr marL="3886200" indent="-228600" algn="l" defTabSz="914400" rtl="0" eaLnBrk="1" latinLnBrk="1" hangingPunct="1">
+              <a:spcBef>
+                <a:spcPct val="20000"/>
+              </a:spcBef>
+              <a:buFont typeface="Arial" pitchFamily="34" charset="0"/>
+              <a:buChar char="•"/>
+              <a:defRPr sz="2000" kern="1200">
+                <a:solidFill>
+                  <a:schemeClr val="tx1"/>
+                </a:solidFill>
+                <a:latin typeface="+mn-lt"/>
+                <a:ea typeface="+mn-ea"/>
+                <a:cs typeface="+mn-cs"/>
+              </a:defRPr>
+            </a:lvl9pPr>
+          </a:lstStyle>
+          <a:p>
+            <a:r>
+              <a:rPr lang="en-US" altLang="ko-KR" sz="900" dirty="0" smtClean="0">
+                <a:latin typeface="현대하모니 B" panose="02020603020101020101" pitchFamily="18" charset="-127"/>
+                <a:ea typeface="현대하모니 B" panose="02020603020101020101" pitchFamily="18" charset="-127"/>
+              </a:rPr>
+              <a:t>&lt;</a:t>
+            </a:r>
+            <a:r>
+              <a:rPr lang="ko-KR" altLang="en-US" sz="900" dirty="0" smtClean="0">
+                <a:latin typeface="현대하모니 B" panose="02020603020101020101" pitchFamily="18" charset="-127"/>
+                <a:ea typeface="현대하모니 B" panose="02020603020101020101" pitchFamily="18" charset="-127"/>
+              </a:rPr>
+              <a:t>장비 측정 데이터</a:t>
+            </a:r>
+            <a:r>
+              <a:rPr lang="en-US" altLang="ko-KR" sz="900" dirty="0" smtClean="0">
+                <a:latin typeface="현대하모니 B" panose="02020603020101020101" pitchFamily="18" charset="-127"/>
+                <a:ea typeface="현대하모니 B" panose="02020603020101020101" pitchFamily="18" charset="-127"/>
+              </a:rPr>
+              <a:t>&gt;</a:t>
+            </a:r>
+            <a:endParaRPr lang="en-US" altLang="ko-KR" sz="900" dirty="0">
+              <a:latin typeface="현대하모니 B" panose="02020603020101020101" pitchFamily="18" charset="-127"/>
+              <a:ea typeface="현대하모니 B" panose="02020603020101020101" pitchFamily="18" charset="-127"/>
+            </a:endParaRPr>
+          </a:p>
+        </p:txBody>
+      </p:sp>
+      <p:sp>
+        <p:nvSpPr>
+          <p:cNvPr id="10" name="내용 개체 틀 5">
+            <a:extLst>
+              <a:ext uri="{FF2B5EF4-FFF2-40B4-BE49-F238E27FC236}">
+                <a16:creationId xmlns:a16="http://schemas.microsoft.com/office/drawing/2014/main" id="{372352C4-DAF8-35F2-CA98-40004492D02A}"/>
+              </a:ext>
+            </a:extLst>
+          </p:cNvPr>
+          <p:cNvSpPr txBox="1">
+            <a:spLocks/>
+          </p:cNvSpPr>
+          <p:nvPr/>
+        </p:nvSpPr>
+        <p:spPr>
+          <a:xfrm>
+            <a:off x="1771097" y="5441055"/>
+            <a:ext cx="1947405" cy="212034"/>
+          </a:xfrm>
+          <a:prstGeom prst="rect">
+            <a:avLst/>
+          </a:prstGeom>
+        </p:spPr>
+        <p:txBody>
+          <a:bodyPr vert="horz" lIns="91440" tIns="45720" rIns="91440" bIns="45720" rtlCol="0">
+            <a:noAutofit/>
+          </a:bodyPr>
+          <a:lstStyle>
+            <a:lvl1pPr marL="342900" indent="-342900" algn="l" defTabSz="914400" rtl="0" eaLnBrk="1" latinLnBrk="1" hangingPunct="1">
+              <a:spcBef>
+                <a:spcPct val="20000"/>
+              </a:spcBef>
+              <a:buFont typeface="Arial" pitchFamily="34" charset="0"/>
+              <a:buNone/>
+              <a:defRPr lang="ko-KR" altLang="en-US" sz="2000" kern="1200" baseline="0">
+                <a:solidFill>
+                  <a:schemeClr val="tx1">
+                    <a:lumMod val="65000"/>
+                    <a:lumOff val="35000"/>
+                  </a:schemeClr>
+                </a:solidFill>
+                <a:latin typeface="Noto Sans" pitchFamily="34" charset="0"/>
+                <a:ea typeface="맑은 고딕" pitchFamily="50" charset="-127"/>
+                <a:cs typeface="+mn-cs"/>
+              </a:defRPr>
+            </a:lvl1pPr>
+            <a:lvl2pPr marL="742950" indent="-285750" algn="l" defTabSz="914400" rtl="0" eaLnBrk="1" latinLnBrk="1" hangingPunct="1">
+              <a:spcBef>
+                <a:spcPct val="20000"/>
+              </a:spcBef>
+              <a:buFont typeface="Arial" pitchFamily="34" charset="0"/>
+              <a:buNone/>
+              <a:defRPr lang="ko-KR" altLang="en-US" sz="1800" kern="1200" baseline="0">
+                <a:solidFill>
+                  <a:schemeClr val="tx1">
+                    <a:lumMod val="65000"/>
+                    <a:lumOff val="35000"/>
+                  </a:schemeClr>
+                </a:solidFill>
+                <a:latin typeface="Noto Sans" pitchFamily="34" charset="0"/>
+                <a:ea typeface="맑은 고딕" pitchFamily="50" charset="-127"/>
+                <a:cs typeface="+mn-cs"/>
+              </a:defRPr>
+            </a:lvl2pPr>
+            <a:lvl3pPr marL="1143000" indent="-228600" algn="l" defTabSz="914400" rtl="0" eaLnBrk="1" latinLnBrk="1" hangingPunct="1">
+              <a:spcBef>
+                <a:spcPct val="20000"/>
+              </a:spcBef>
+              <a:buFont typeface="Arial" pitchFamily="34" charset="0"/>
+              <a:buNone/>
+              <a:defRPr lang="ko-KR" altLang="en-US" sz="1800" kern="1200" baseline="0">
+                <a:solidFill>
+                  <a:schemeClr val="tx1">
+                    <a:lumMod val="65000"/>
+                    <a:lumOff val="35000"/>
+                  </a:schemeClr>
+                </a:solidFill>
+                <a:latin typeface="Noto Sans" pitchFamily="34" charset="0"/>
+                <a:ea typeface="맑은 고딕" pitchFamily="50" charset="-127"/>
+                <a:cs typeface="+mn-cs"/>
+              </a:defRPr>
+            </a:lvl3pPr>
+            <a:lvl4pPr marL="1600200" indent="-228600" algn="l" defTabSz="914400" rtl="0" eaLnBrk="1" latinLnBrk="1" hangingPunct="1">
+              <a:spcBef>
+                <a:spcPct val="20000"/>
+              </a:spcBef>
+              <a:buFont typeface="Arial" pitchFamily="34" charset="0"/>
+              <a:buNone/>
+              <a:defRPr lang="ko-KR" altLang="en-US" sz="1800" kern="1200" baseline="0">
+                <a:solidFill>
+                  <a:schemeClr val="tx1">
+                    <a:lumMod val="65000"/>
+                    <a:lumOff val="35000"/>
+                  </a:schemeClr>
+                </a:solidFill>
+                <a:latin typeface="Noto Sans" pitchFamily="34" charset="0"/>
+                <a:ea typeface="맑은 고딕" pitchFamily="50" charset="-127"/>
+                <a:cs typeface="+mn-cs"/>
+              </a:defRPr>
+            </a:lvl4pPr>
+            <a:lvl5pPr marL="2057400" indent="-228600" algn="l" defTabSz="914400" rtl="0" eaLnBrk="1" latinLnBrk="1" hangingPunct="1">
+              <a:spcBef>
+                <a:spcPct val="20000"/>
+              </a:spcBef>
+              <a:buFont typeface="Arial" pitchFamily="34" charset="0"/>
+              <a:buNone/>
+              <a:defRPr lang="ko-KR" altLang="en-US" sz="1800" kern="1200" baseline="0">
+                <a:solidFill>
+                  <a:schemeClr val="tx1">
+                    <a:lumMod val="65000"/>
+                    <a:lumOff val="35000"/>
+                  </a:schemeClr>
+                </a:solidFill>
+                <a:latin typeface="Noto Sans" pitchFamily="34" charset="0"/>
+                <a:ea typeface="맑은 고딕" pitchFamily="50" charset="-127"/>
+                <a:cs typeface="+mn-cs"/>
+              </a:defRPr>
+            </a:lvl5pPr>
+            <a:lvl6pPr marL="2514600" indent="-228600" algn="l" defTabSz="914400" rtl="0" eaLnBrk="1" latinLnBrk="1" hangingPunct="1">
+              <a:spcBef>
+                <a:spcPct val="20000"/>
+              </a:spcBef>
+              <a:buFont typeface="Arial" pitchFamily="34" charset="0"/>
+              <a:buChar char="•"/>
+              <a:defRPr sz="2000" kern="1200">
+                <a:solidFill>
+                  <a:schemeClr val="tx1"/>
+                </a:solidFill>
+                <a:latin typeface="+mn-lt"/>
+                <a:ea typeface="+mn-ea"/>
+                <a:cs typeface="+mn-cs"/>
+              </a:defRPr>
+            </a:lvl6pPr>
+            <a:lvl7pPr marL="2971800" indent="-228600" algn="l" defTabSz="914400" rtl="0" eaLnBrk="1" latinLnBrk="1" hangingPunct="1">
+              <a:spcBef>
+                <a:spcPct val="20000"/>
+              </a:spcBef>
+              <a:buFont typeface="Arial" pitchFamily="34" charset="0"/>
+              <a:buChar char="•"/>
+              <a:defRPr sz="2000" kern="1200">
+                <a:solidFill>
+                  <a:schemeClr val="tx1"/>
+                </a:solidFill>
+                <a:latin typeface="+mn-lt"/>
+                <a:ea typeface="+mn-ea"/>
+                <a:cs typeface="+mn-cs"/>
+              </a:defRPr>
+            </a:lvl7pPr>
+            <a:lvl8pPr marL="3429000" indent="-228600" algn="l" defTabSz="914400" rtl="0" eaLnBrk="1" latinLnBrk="1" hangingPunct="1">
+              <a:spcBef>
+                <a:spcPct val="20000"/>
+              </a:spcBef>
+              <a:buFont typeface="Arial" pitchFamily="34" charset="0"/>
+              <a:buChar char="•"/>
+              <a:defRPr sz="2000" kern="1200">
+                <a:solidFill>
+                  <a:schemeClr val="tx1"/>
+                </a:solidFill>
+                <a:latin typeface="+mn-lt"/>
+                <a:ea typeface="+mn-ea"/>
+                <a:cs typeface="+mn-cs"/>
+              </a:defRPr>
+            </a:lvl8pPr>
+            <a:lvl9pPr marL="3886200" indent="-228600" algn="l" defTabSz="914400" rtl="0" eaLnBrk="1" latinLnBrk="1" hangingPunct="1">
+              <a:spcBef>
+                <a:spcPct val="20000"/>
+              </a:spcBef>
+              <a:buFont typeface="Arial" pitchFamily="34" charset="0"/>
+              <a:buChar char="•"/>
+              <a:defRPr sz="2000" kern="1200">
+                <a:solidFill>
+                  <a:schemeClr val="tx1"/>
+                </a:solidFill>
+                <a:latin typeface="+mn-lt"/>
+                <a:ea typeface="+mn-ea"/>
+                <a:cs typeface="+mn-cs"/>
+              </a:defRPr>
+            </a:lvl9pPr>
+          </a:lstStyle>
+          <a:p>
+            <a:pPr algn="ctr"/>
+            <a:r>
+              <a:rPr lang="en-US" altLang="ko-KR" sz="900" dirty="0" smtClean="0">
+                <a:latin typeface="현대하모니 B" panose="02020603020101020101" pitchFamily="18" charset="-127"/>
+                <a:ea typeface="현대하모니 B" panose="02020603020101020101" pitchFamily="18" charset="-127"/>
+              </a:rPr>
+              <a:t>[</a:t>
+            </a:r>
+            <a:r>
+              <a:rPr lang="ko-KR" altLang="en-US" sz="900" dirty="0" smtClean="0">
+                <a:latin typeface="현대하모니 B" panose="02020603020101020101" pitchFamily="18" charset="-127"/>
+                <a:ea typeface="현대하모니 B" panose="02020603020101020101" pitchFamily="18" charset="-127"/>
+              </a:rPr>
+              <a:t>장비 측정 데이터</a:t>
+            </a:r>
+            <a:r>
+              <a:rPr lang="en-US" altLang="ko-KR" sz="900" dirty="0" smtClean="0">
+                <a:latin typeface="현대하모니 B" panose="02020603020101020101" pitchFamily="18" charset="-127"/>
+                <a:ea typeface="현대하모니 B" panose="02020603020101020101" pitchFamily="18" charset="-127"/>
+              </a:rPr>
+              <a:t>]</a:t>
+            </a:r>
+            <a:endParaRPr lang="en-US" altLang="ko-KR" sz="900" dirty="0">
+              <a:latin typeface="현대하모니 B" panose="02020603020101020101" pitchFamily="18" charset="-127"/>
+              <a:ea typeface="현대하모니 B" panose="02020603020101020101" pitchFamily="18" charset="-127"/>
+            </a:endParaRPr>
+          </a:p>
+        </p:txBody>
+      </p:sp>
+      <p:sp>
+        <p:nvSpPr>
+          <p:cNvPr id="11" name="내용 개체 틀 5">
+            <a:extLst>
+              <a:ext uri="{FF2B5EF4-FFF2-40B4-BE49-F238E27FC236}">
+                <a16:creationId xmlns:a16="http://schemas.microsoft.com/office/drawing/2014/main" id="{372352C4-DAF8-35F2-CA98-40004492D02A}"/>
+              </a:ext>
+            </a:extLst>
+          </p:cNvPr>
+          <p:cNvSpPr txBox="1">
+            <a:spLocks/>
+          </p:cNvSpPr>
+          <p:nvPr/>
+        </p:nvSpPr>
+        <p:spPr>
+          <a:xfrm>
+            <a:off x="5771219" y="5441055"/>
+            <a:ext cx="1947405" cy="212034"/>
+          </a:xfrm>
+          <a:prstGeom prst="rect">
+            <a:avLst/>
+          </a:prstGeom>
+        </p:spPr>
+        <p:txBody>
+          <a:bodyPr vert="horz" lIns="91440" tIns="45720" rIns="91440" bIns="45720" rtlCol="0">
+            <a:noAutofit/>
+          </a:bodyPr>
+          <a:lstStyle>
+            <a:lvl1pPr marL="342900" indent="-342900" algn="l" defTabSz="914400" rtl="0" eaLnBrk="1" latinLnBrk="1" hangingPunct="1">
+              <a:spcBef>
+                <a:spcPct val="20000"/>
+              </a:spcBef>
+              <a:buFont typeface="Arial" pitchFamily="34" charset="0"/>
+              <a:buNone/>
+              <a:defRPr lang="ko-KR" altLang="en-US" sz="2000" kern="1200" baseline="0">
+                <a:solidFill>
+                  <a:schemeClr val="tx1">
+                    <a:lumMod val="65000"/>
+                    <a:lumOff val="35000"/>
+                  </a:schemeClr>
+                </a:solidFill>
+                <a:latin typeface="Noto Sans" pitchFamily="34" charset="0"/>
+                <a:ea typeface="맑은 고딕" pitchFamily="50" charset="-127"/>
+                <a:cs typeface="+mn-cs"/>
+              </a:defRPr>
+            </a:lvl1pPr>
+            <a:lvl2pPr marL="742950" indent="-285750" algn="l" defTabSz="914400" rtl="0" eaLnBrk="1" latinLnBrk="1" hangingPunct="1">
+              <a:spcBef>
+                <a:spcPct val="20000"/>
+              </a:spcBef>
+              <a:buFont typeface="Arial" pitchFamily="34" charset="0"/>
+              <a:buNone/>
+              <a:defRPr lang="ko-KR" altLang="en-US" sz="1800" kern="1200" baseline="0">
+                <a:solidFill>
+                  <a:schemeClr val="tx1">
+                    <a:lumMod val="65000"/>
+                    <a:lumOff val="35000"/>
+                  </a:schemeClr>
+                </a:solidFill>
+                <a:latin typeface="Noto Sans" pitchFamily="34" charset="0"/>
+                <a:ea typeface="맑은 고딕" pitchFamily="50" charset="-127"/>
+                <a:cs typeface="+mn-cs"/>
+              </a:defRPr>
+            </a:lvl2pPr>
+            <a:lvl3pPr marL="1143000" indent="-228600" algn="l" defTabSz="914400" rtl="0" eaLnBrk="1" latinLnBrk="1" hangingPunct="1">
+              <a:spcBef>
+                <a:spcPct val="20000"/>
+              </a:spcBef>
+              <a:buFont typeface="Arial" pitchFamily="34" charset="0"/>
+              <a:buNone/>
+              <a:defRPr lang="ko-KR" altLang="en-US" sz="1800" kern="1200" baseline="0">
+                <a:solidFill>
+                  <a:schemeClr val="tx1">
+                    <a:lumMod val="65000"/>
+                    <a:lumOff val="35000"/>
+                  </a:schemeClr>
+                </a:solidFill>
+                <a:latin typeface="Noto Sans" pitchFamily="34" charset="0"/>
+                <a:ea typeface="맑은 고딕" pitchFamily="50" charset="-127"/>
+                <a:cs typeface="+mn-cs"/>
+              </a:defRPr>
+            </a:lvl3pPr>
+            <a:lvl4pPr marL="1600200" indent="-228600" algn="l" defTabSz="914400" rtl="0" eaLnBrk="1" latinLnBrk="1" hangingPunct="1">
+              <a:spcBef>
+                <a:spcPct val="20000"/>
+              </a:spcBef>
+              <a:buFont typeface="Arial" pitchFamily="34" charset="0"/>
+              <a:buNone/>
+              <a:defRPr lang="ko-KR" altLang="en-US" sz="1800" kern="1200" baseline="0">
+                <a:solidFill>
+                  <a:schemeClr val="tx1">
+                    <a:lumMod val="65000"/>
+                    <a:lumOff val="35000"/>
+                  </a:schemeClr>
+                </a:solidFill>
+                <a:latin typeface="Noto Sans" pitchFamily="34" charset="0"/>
+                <a:ea typeface="맑은 고딕" pitchFamily="50" charset="-127"/>
+                <a:cs typeface="+mn-cs"/>
+              </a:defRPr>
+            </a:lvl4pPr>
+            <a:lvl5pPr marL="2057400" indent="-228600" algn="l" defTabSz="914400" rtl="0" eaLnBrk="1" latinLnBrk="1" hangingPunct="1">
+              <a:spcBef>
+                <a:spcPct val="20000"/>
+              </a:spcBef>
+              <a:buFont typeface="Arial" pitchFamily="34" charset="0"/>
+              <a:buNone/>
+              <a:defRPr lang="ko-KR" altLang="en-US" sz="1800" kern="1200" baseline="0">
+                <a:solidFill>
+                  <a:schemeClr val="tx1">
+                    <a:lumMod val="65000"/>
+                    <a:lumOff val="35000"/>
+                  </a:schemeClr>
+                </a:solidFill>
+                <a:latin typeface="Noto Sans" pitchFamily="34" charset="0"/>
+                <a:ea typeface="맑은 고딕" pitchFamily="50" charset="-127"/>
+                <a:cs typeface="+mn-cs"/>
+              </a:defRPr>
+            </a:lvl5pPr>
+            <a:lvl6pPr marL="2514600" indent="-228600" algn="l" defTabSz="914400" rtl="0" eaLnBrk="1" latinLnBrk="1" hangingPunct="1">
+              <a:spcBef>
+                <a:spcPct val="20000"/>
+              </a:spcBef>
+              <a:buFont typeface="Arial" pitchFamily="34" charset="0"/>
+              <a:buChar char="•"/>
+              <a:defRPr sz="2000" kern="1200">
+                <a:solidFill>
+                  <a:schemeClr val="tx1"/>
+                </a:solidFill>
+                <a:latin typeface="+mn-lt"/>
+                <a:ea typeface="+mn-ea"/>
+                <a:cs typeface="+mn-cs"/>
+              </a:defRPr>
+            </a:lvl6pPr>
+            <a:lvl7pPr marL="2971800" indent="-228600" algn="l" defTabSz="914400" rtl="0" eaLnBrk="1" latinLnBrk="1" hangingPunct="1">
+              <a:spcBef>
+                <a:spcPct val="20000"/>
+              </a:spcBef>
+              <a:buFont typeface="Arial" pitchFamily="34" charset="0"/>
+              <a:buChar char="•"/>
+              <a:defRPr sz="2000" kern="1200">
+                <a:solidFill>
+                  <a:schemeClr val="tx1"/>
+                </a:solidFill>
+                <a:latin typeface="+mn-lt"/>
+                <a:ea typeface="+mn-ea"/>
+                <a:cs typeface="+mn-cs"/>
+              </a:defRPr>
+            </a:lvl7pPr>
+            <a:lvl8pPr marL="3429000" indent="-228600" algn="l" defTabSz="914400" rtl="0" eaLnBrk="1" latinLnBrk="1" hangingPunct="1">
+              <a:spcBef>
+                <a:spcPct val="20000"/>
+              </a:spcBef>
+              <a:buFont typeface="Arial" pitchFamily="34" charset="0"/>
+              <a:buChar char="•"/>
+              <a:defRPr sz="2000" kern="1200">
+                <a:solidFill>
+                  <a:schemeClr val="tx1"/>
+                </a:solidFill>
+                <a:latin typeface="+mn-lt"/>
+                <a:ea typeface="+mn-ea"/>
+                <a:cs typeface="+mn-cs"/>
+              </a:defRPr>
+            </a:lvl8pPr>
+            <a:lvl9pPr marL="3886200" indent="-228600" algn="l" defTabSz="914400" rtl="0" eaLnBrk="1" latinLnBrk="1" hangingPunct="1">
+              <a:spcBef>
+                <a:spcPct val="20000"/>
+              </a:spcBef>
+              <a:buFont typeface="Arial" pitchFamily="34" charset="0"/>
+              <a:buChar char="•"/>
+              <a:defRPr sz="2000" kern="1200">
+                <a:solidFill>
+                  <a:schemeClr val="tx1"/>
+                </a:solidFill>
+                <a:latin typeface="+mn-lt"/>
+                <a:ea typeface="+mn-ea"/>
+                <a:cs typeface="+mn-cs"/>
+              </a:defRPr>
+            </a:lvl9pPr>
+          </a:lstStyle>
+          <a:p>
+            <a:pPr algn="ctr"/>
+            <a:r>
+              <a:rPr lang="en-US" altLang="ko-KR" sz="900" dirty="0" smtClean="0">
+                <a:latin typeface="현대하모니 B" panose="02020603020101020101" pitchFamily="18" charset="-127"/>
+                <a:ea typeface="현대하모니 B" panose="02020603020101020101" pitchFamily="18" charset="-127"/>
+              </a:rPr>
+              <a:t>[SPC </a:t>
+            </a:r>
+            <a:r>
+              <a:rPr lang="ko-KR" altLang="en-US" sz="900" dirty="0" smtClean="0">
+                <a:latin typeface="현대하모니 B" panose="02020603020101020101" pitchFamily="18" charset="-127"/>
+                <a:ea typeface="현대하모니 B" panose="02020603020101020101" pitchFamily="18" charset="-127"/>
+              </a:rPr>
+              <a:t>수신</a:t>
+            </a:r>
+            <a:r>
+              <a:rPr lang="ko-KR" altLang="en-US" sz="900" dirty="0" smtClean="0">
+                <a:latin typeface="현대하모니 B" panose="02020603020101020101" pitchFamily="18" charset="-127"/>
+                <a:ea typeface="현대하모니 B" panose="02020603020101020101" pitchFamily="18" charset="-127"/>
+              </a:rPr>
+              <a:t> 데이터</a:t>
+            </a:r>
+            <a:r>
+              <a:rPr lang="en-US" altLang="ko-KR" sz="900" dirty="0" smtClean="0">
+                <a:latin typeface="현대하모니 B" panose="02020603020101020101" pitchFamily="18" charset="-127"/>
+                <a:ea typeface="현대하모니 B" panose="02020603020101020101" pitchFamily="18" charset="-127"/>
+              </a:rPr>
+              <a:t>]</a:t>
+            </a:r>
+            <a:endParaRPr lang="en-US" altLang="ko-KR" sz="900" dirty="0">
+              <a:latin typeface="현대하모니 B" panose="02020603020101020101" pitchFamily="18" charset="-127"/>
+              <a:ea typeface="현대하모니 B" panose="02020603020101020101" pitchFamily="18" charset="-127"/>
+            </a:endParaRPr>
+          </a:p>
+        </p:txBody>
+      </p:sp>
+      <p:sp>
+        <p:nvSpPr>
+          <p:cNvPr id="12" name="직사각형 11"/>
+          <p:cNvSpPr/>
+          <p:nvPr/>
+        </p:nvSpPr>
+        <p:spPr bwMode="auto">
+          <a:xfrm>
+            <a:off x="4114800" y="3487782"/>
+            <a:ext cx="418012" cy="1136468"/>
+          </a:xfrm>
+          <a:prstGeom prst="rect">
+            <a:avLst/>
+          </a:prstGeom>
+          <a:noFill/>
+          <a:ln w="9525" cap="flat" cmpd="sng" algn="ctr">
+            <a:solidFill>
+              <a:srgbClr val="FF0000"/>
+            </a:solidFill>
+            <a:prstDash val="solid"/>
+            <a:round/>
+            <a:headEnd type="none" w="med" len="med"/>
+            <a:tailEnd type="none" w="med" len="med"/>
+          </a:ln>
+          <a:effectLst>
+            <a:outerShdw blurRad="50800" dist="38100" dir="2700000" algn="tl" rotWithShape="0">
+              <a:prstClr val="black">
+                <a:alpha val="40000"/>
+              </a:prstClr>
+            </a:outerShdw>
+          </a:effectLst>
+        </p:spPr>
+        <p:txBody>
+          <a:bodyPr vert="horz" wrap="square" lIns="90000" tIns="46800" rIns="90000" bIns="46800" numCol="1" rtlCol="0" anchor="ctr" anchorCtr="0" compatLnSpc="1">
+            <a:prstTxWarp prst="textNoShape">
+              <a:avLst/>
+            </a:prstTxWarp>
+            <a:noAutofit/>
+          </a:bodyPr>
+          <a:lstStyle/>
+          <a:p>
+            <a:pPr marL="0" marR="0" indent="0" algn="ctr" defTabSz="914400" rtl="0" eaLnBrk="1" fontAlgn="base" latinLnBrk="1" hangingPunct="1">
+              <a:lnSpc>
+                <a:spcPct val="100000"/>
+              </a:lnSpc>
+              <a:spcBef>
+                <a:spcPct val="0"/>
+              </a:spcBef>
+              <a:spcAft>
+                <a:spcPct val="0"/>
+              </a:spcAft>
+              <a:buClrTx/>
+              <a:buSzTx/>
+              <a:buFontTx/>
+              <a:buNone/>
+              <a:tabLst/>
+            </a:pPr>
+            <a:endParaRPr lang="ko-KR" altLang="en-US" sz="800" dirty="0">
+              <a:latin typeface="현대하모니 B" panose="02020603020101020101" pitchFamily="18" charset="-127"/>
+              <a:ea typeface="현대하모니 B" panose="02020603020101020101" pitchFamily="18" charset="-127"/>
+            </a:endParaRPr>
+          </a:p>
+        </p:txBody>
+      </p:sp>
+      <p:sp>
+        <p:nvSpPr>
+          <p:cNvPr id="13" name="직사각형 12"/>
+          <p:cNvSpPr/>
+          <p:nvPr/>
+        </p:nvSpPr>
+        <p:spPr bwMode="auto">
+          <a:xfrm>
+            <a:off x="8143414" y="4056016"/>
+            <a:ext cx="418012" cy="568234"/>
+          </a:xfrm>
+          <a:prstGeom prst="rect">
+            <a:avLst/>
+          </a:prstGeom>
+          <a:noFill/>
+          <a:ln w="9525" cap="flat" cmpd="sng" algn="ctr">
+            <a:solidFill>
+              <a:srgbClr val="FF0000"/>
+            </a:solidFill>
+            <a:prstDash val="solid"/>
+            <a:round/>
+            <a:headEnd type="none" w="med" len="med"/>
+            <a:tailEnd type="none" w="med" len="med"/>
+          </a:ln>
+          <a:effectLst>
+            <a:outerShdw blurRad="50800" dist="38100" dir="2700000" algn="tl" rotWithShape="0">
+              <a:prstClr val="black">
+                <a:alpha val="40000"/>
+              </a:prstClr>
+            </a:outerShdw>
+          </a:effectLst>
+        </p:spPr>
+        <p:txBody>
+          <a:bodyPr vert="horz" wrap="square" lIns="90000" tIns="46800" rIns="90000" bIns="46800" numCol="1" rtlCol="0" anchor="ctr" anchorCtr="0" compatLnSpc="1">
+            <a:prstTxWarp prst="textNoShape">
+              <a:avLst/>
+            </a:prstTxWarp>
+            <a:noAutofit/>
+          </a:bodyPr>
+          <a:lstStyle/>
+          <a:p>
+            <a:pPr marL="0" marR="0" indent="0" algn="ctr" defTabSz="914400" rtl="0" eaLnBrk="1" fontAlgn="base" latinLnBrk="1" hangingPunct="1">
+              <a:lnSpc>
+                <a:spcPct val="100000"/>
+              </a:lnSpc>
+              <a:spcBef>
+                <a:spcPct val="0"/>
+              </a:spcBef>
+              <a:spcAft>
+                <a:spcPct val="0"/>
+              </a:spcAft>
+              <a:buClrTx/>
+              <a:buSzTx/>
+              <a:buFontTx/>
+              <a:buNone/>
+              <a:tabLst/>
+            </a:pPr>
+            <a:endParaRPr lang="ko-KR" altLang="en-US" sz="800" dirty="0">
+              <a:latin typeface="현대하모니 B" panose="02020603020101020101" pitchFamily="18" charset="-127"/>
+              <a:ea typeface="현대하모니 B" panose="02020603020101020101" pitchFamily="18" charset="-127"/>
+            </a:endParaRPr>
+          </a:p>
+        </p:txBody>
+      </p:sp>
+      <p:sp>
+        <p:nvSpPr>
+          <p:cNvPr id="14" name="직사각형 13"/>
+          <p:cNvSpPr/>
+          <p:nvPr/>
+        </p:nvSpPr>
+        <p:spPr>
+          <a:xfrm>
+            <a:off x="801059" y="1937850"/>
+            <a:ext cx="1903085" cy="246221"/>
+          </a:xfrm>
+          <a:prstGeom prst="rect">
+            <a:avLst/>
+          </a:prstGeom>
+        </p:spPr>
+        <p:txBody>
+          <a:bodyPr wrap="none">
+            <a:spAutoFit/>
+          </a:bodyPr>
+          <a:lstStyle/>
+          <a:p>
+            <a:r>
+              <a:rPr lang="ko-KR" altLang="en-US" sz="1000" dirty="0" smtClean="0">
+                <a:solidFill>
+                  <a:srgbClr val="0000FF"/>
+                </a:solidFill>
+                <a:latin typeface="현대하모니 B" panose="02020603020101020101" pitchFamily="18" charset="-127"/>
+                <a:ea typeface="현대하모니 B" panose="02020603020101020101" pitchFamily="18" charset="-127"/>
+                <a:sym typeface="Wingdings" panose="05000000000000000000" pitchFamily="2" charset="2"/>
+              </a:rPr>
+              <a:t>＜</a:t>
+            </a:r>
+            <a:r>
+              <a:rPr lang="en-US" altLang="ko-KR" sz="1000" dirty="0" smtClean="0">
+                <a:solidFill>
+                  <a:srgbClr val="0000FF"/>
+                </a:solidFill>
+                <a:latin typeface="현대하모니 B" panose="02020603020101020101" pitchFamily="18" charset="-127"/>
+                <a:ea typeface="현대하모니 B" panose="02020603020101020101" pitchFamily="18" charset="-127"/>
+                <a:sym typeface="Wingdings" panose="05000000000000000000" pitchFamily="2" charset="2"/>
+              </a:rPr>
+              <a:t>Serial </a:t>
+            </a:r>
+            <a:r>
+              <a:rPr lang="ko-KR" altLang="en-US" sz="1000" dirty="0" smtClean="0">
+                <a:solidFill>
+                  <a:srgbClr val="0000FF"/>
+                </a:solidFill>
+                <a:latin typeface="현대하모니 B" panose="02020603020101020101" pitchFamily="18" charset="-127"/>
+                <a:ea typeface="현대하모니 B" panose="02020603020101020101" pitchFamily="18" charset="-127"/>
+                <a:sym typeface="Wingdings" panose="05000000000000000000" pitchFamily="2" charset="2"/>
+              </a:rPr>
+              <a:t>통신 기반 데이터 수신</a:t>
+            </a:r>
+            <a:r>
+              <a:rPr lang="ko-KR" altLang="en-US" sz="1000" dirty="0" smtClean="0">
+                <a:solidFill>
+                  <a:srgbClr val="0000FF"/>
+                </a:solidFill>
+                <a:latin typeface="현대하모니 B" panose="02020603020101020101" pitchFamily="18" charset="-127"/>
+                <a:ea typeface="현대하모니 B" panose="02020603020101020101" pitchFamily="18" charset="-127"/>
+                <a:sym typeface="Wingdings" panose="05000000000000000000" pitchFamily="2" charset="2"/>
+              </a:rPr>
+              <a:t>＞</a:t>
+            </a:r>
+            <a:endParaRPr lang="en-US" altLang="ko-KR" sz="1000" dirty="0">
+              <a:solidFill>
+                <a:srgbClr val="0000FF"/>
+              </a:solidFill>
+              <a:latin typeface="현대하모니 B" panose="02020603020101020101" pitchFamily="18" charset="-127"/>
+              <a:ea typeface="현대하모니 B" panose="02020603020101020101" pitchFamily="18" charset="-127"/>
+              <a:sym typeface="Wingdings" panose="05000000000000000000" pitchFamily="2" charset="2"/>
+            </a:endParaRPr>
+          </a:p>
+        </p:txBody>
+      </p:sp>
+    </p:spTree>
+    <p:extLst>
+      <p:ext uri="{BB962C8B-B14F-4D97-AF65-F5344CB8AC3E}">
+        <p14:creationId xmlns:p14="http://schemas.microsoft.com/office/powerpoint/2010/main" val="396141158"/>
+      </p:ext>
+    </p:extLst>
+  </p:cSld>
+  <p:clrMapOvr>
+    <a:masterClrMapping/>
+  </p:clrMapOvr>
+  <p:timing>
+    <p:tnLst>
+      <p:par>
+        <p:cTn id="1" dur="indefinite" restart="never" nodeType="tmRoot"/>
+      </p:par>
+    </p:tnLst>
+  </p:timing>
+</p:sld>
+</file>
+
+<file path=ppt/slides/slide5.xml><?xml version="1.0" encoding="utf-8"?>
+<p:sld xmlns:a="http://schemas.openxmlformats.org/drawingml/2006/main" xmlns:r="http://schemas.openxmlformats.org/officeDocument/2006/relationships" xmlns:p="http://schemas.openxmlformats.org/presentationml/2006/main">
+  <p:cSld>
+    <p:spTree>
+      <p:nvGrpSpPr>
+        <p:cNvPr id="1" name=""/>
+        <p:cNvGrpSpPr/>
+        <p:nvPr/>
+      </p:nvGrpSpPr>
+      <p:grpSpPr>
+        <a:xfrm>
+          <a:off x="0" y="0"/>
+          <a:ext cx="0" cy="0"/>
+          <a:chOff x="0" y="0"/>
+          <a:chExt cx="0" cy="0"/>
+        </a:xfrm>
+      </p:grpSpPr>
+      <p:grpSp>
+        <p:nvGrpSpPr>
+          <p:cNvPr id="30" name="그룹 29"/>
+          <p:cNvGrpSpPr/>
+          <p:nvPr/>
+        </p:nvGrpSpPr>
+        <p:grpSpPr>
+          <a:xfrm>
+            <a:off x="480144" y="1510134"/>
+            <a:ext cx="2808669" cy="2807597"/>
+            <a:chOff x="127447" y="1834693"/>
+            <a:chExt cx="2808669" cy="2807597"/>
+          </a:xfrm>
+        </p:grpSpPr>
+        <p:sp>
+          <p:nvSpPr>
+            <p:cNvPr id="2" name="순서도: 대체 처리 1"/>
+            <p:cNvSpPr/>
+            <p:nvPr/>
+          </p:nvSpPr>
+          <p:spPr>
+            <a:xfrm>
+              <a:off x="1161351" y="1834693"/>
+              <a:ext cx="978214" cy="253268"/>
+            </a:xfrm>
+            <a:prstGeom prst="flowChartAlternateProcess">
+              <a:avLst/>
+            </a:prstGeom>
+          </p:spPr>
+          <p:style>
+            <a:lnRef idx="2">
+              <a:schemeClr val="accent1">
+                <a:shade val="50000"/>
+              </a:schemeClr>
+            </a:lnRef>
+            <a:fillRef idx="1">
+              <a:schemeClr val="accent1"/>
+            </a:fillRef>
+            <a:effectRef idx="0">
+              <a:schemeClr val="accent1"/>
+            </a:effectRef>
+            <a:fontRef idx="minor">
+              <a:schemeClr val="lt1"/>
+            </a:fontRef>
+          </p:style>
+          <p:txBody>
+            <a:bodyPr rtlCol="0" anchor="ctr"/>
+            <a:lstStyle/>
+            <a:p>
+              <a:pPr algn="ctr"/>
+              <a:r>
+                <a:rPr lang="en-US" altLang="ko-KR" sz="1200" dirty="0" smtClean="0">
+                  <a:latin typeface="현대하모니 B" panose="02020603020101020101" pitchFamily="18" charset="-127"/>
+                  <a:ea typeface="현대하모니 B" panose="02020603020101020101" pitchFamily="18" charset="-127"/>
+                </a:rPr>
+                <a:t>Start</a:t>
+              </a:r>
+              <a:endParaRPr lang="ko-KR" altLang="en-US" sz="1200" dirty="0">
+                <a:latin typeface="현대하모니 B" panose="02020603020101020101" pitchFamily="18" charset="-127"/>
+                <a:ea typeface="현대하모니 B" panose="02020603020101020101" pitchFamily="18" charset="-127"/>
+              </a:endParaRPr>
+            </a:p>
+          </p:txBody>
+        </p:sp>
+        <p:sp>
+          <p:nvSpPr>
+            <p:cNvPr id="3" name="순서도: 판단 2"/>
+            <p:cNvSpPr/>
+            <p:nvPr/>
+          </p:nvSpPr>
+          <p:spPr>
+            <a:xfrm>
+              <a:off x="846015" y="2375030"/>
+              <a:ext cx="1601893" cy="669855"/>
+            </a:xfrm>
+            <a:prstGeom prst="flowChartDecision">
+              <a:avLst/>
+            </a:prstGeom>
+          </p:spPr>
+          <p:style>
+            <a:lnRef idx="2">
+              <a:schemeClr val="accent1">
+                <a:shade val="50000"/>
+              </a:schemeClr>
+            </a:lnRef>
+            <a:fillRef idx="1">
+              <a:schemeClr val="accent1"/>
+            </a:fillRef>
+            <a:effectRef idx="0">
+              <a:schemeClr val="accent1"/>
+            </a:effectRef>
+            <a:fontRef idx="minor">
+              <a:schemeClr val="lt1"/>
+            </a:fontRef>
+          </p:style>
+          <p:txBody>
+            <a:bodyPr rtlCol="0" anchor="ctr"/>
+            <a:lstStyle/>
+            <a:p>
+              <a:pPr algn="ctr"/>
+              <a:r>
+                <a:rPr lang="en-US" altLang="ko-KR" sz="1200" dirty="0" smtClean="0">
+                  <a:latin typeface="현대하모니 B" panose="02020603020101020101" pitchFamily="18" charset="-127"/>
+                  <a:ea typeface="현대하모니 B" panose="02020603020101020101" pitchFamily="18" charset="-127"/>
+                </a:rPr>
+                <a:t>MES LOT</a:t>
+              </a:r>
+              <a:r>
+                <a:rPr lang="ko-KR" altLang="en-US" sz="1200" dirty="0" smtClean="0">
+                  <a:latin typeface="현대하모니 B" panose="02020603020101020101" pitchFamily="18" charset="-127"/>
+                  <a:ea typeface="현대하모니 B" panose="02020603020101020101" pitchFamily="18" charset="-127"/>
+                </a:rPr>
+                <a:t>조회</a:t>
+              </a:r>
+              <a:endParaRPr lang="ko-KR" altLang="en-US" sz="1200" dirty="0">
+                <a:latin typeface="현대하모니 B" panose="02020603020101020101" pitchFamily="18" charset="-127"/>
+                <a:ea typeface="현대하모니 B" panose="02020603020101020101" pitchFamily="18" charset="-127"/>
+              </a:endParaRPr>
+            </a:p>
+          </p:txBody>
+        </p:sp>
+        <p:sp>
+          <p:nvSpPr>
+            <p:cNvPr id="4" name="순서도: 처리 3"/>
+            <p:cNvSpPr/>
+            <p:nvPr/>
+          </p:nvSpPr>
+          <p:spPr>
+            <a:xfrm>
+              <a:off x="1105602" y="3419014"/>
+              <a:ext cx="1077269" cy="556580"/>
+            </a:xfrm>
+            <a:prstGeom prst="flowChartProcess">
+              <a:avLst/>
+            </a:prstGeom>
+          </p:spPr>
+          <p:style>
+            <a:lnRef idx="2">
+              <a:schemeClr val="accent1">
+                <a:shade val="50000"/>
+              </a:schemeClr>
+            </a:lnRef>
+            <a:fillRef idx="1">
+              <a:schemeClr val="accent1"/>
+            </a:fillRef>
+            <a:effectRef idx="0">
+              <a:schemeClr val="accent1"/>
+            </a:effectRef>
+            <a:fontRef idx="minor">
+              <a:schemeClr val="lt1"/>
+            </a:fontRef>
+          </p:style>
+          <p:txBody>
+            <a:bodyPr rtlCol="0" anchor="ctr"/>
+            <a:lstStyle/>
+            <a:p>
+              <a:pPr algn="ctr"/>
+              <a:r>
+                <a:rPr lang="en-US" altLang="ko-KR" sz="1200" dirty="0" smtClean="0">
+                  <a:latin typeface="현대하모니 B" panose="02020603020101020101" pitchFamily="18" charset="-127"/>
+                  <a:ea typeface="현대하모니 B" panose="02020603020101020101" pitchFamily="18" charset="-127"/>
+                </a:rPr>
+                <a:t>SPC Raw Data Check &amp; Save</a:t>
+              </a:r>
+              <a:endParaRPr lang="ko-KR" altLang="en-US" sz="1200" dirty="0">
+                <a:latin typeface="현대하모니 B" panose="02020603020101020101" pitchFamily="18" charset="-127"/>
+                <a:ea typeface="현대하모니 B" panose="02020603020101020101" pitchFamily="18" charset="-127"/>
+              </a:endParaRPr>
+            </a:p>
+          </p:txBody>
+        </p:sp>
+        <p:sp>
+          <p:nvSpPr>
+            <p:cNvPr id="5" name="순서도: 대체 처리 4"/>
+            <p:cNvSpPr/>
+            <p:nvPr/>
+          </p:nvSpPr>
+          <p:spPr>
+            <a:xfrm>
+              <a:off x="1157856" y="4389022"/>
+              <a:ext cx="978214" cy="253268"/>
+            </a:xfrm>
+            <a:prstGeom prst="flowChartAlternateProcess">
+              <a:avLst/>
+            </a:prstGeom>
+          </p:spPr>
+          <p:style>
+            <a:lnRef idx="2">
+              <a:schemeClr val="accent1">
+                <a:shade val="50000"/>
+              </a:schemeClr>
+            </a:lnRef>
+            <a:fillRef idx="1">
+              <a:schemeClr val="accent1"/>
+            </a:fillRef>
+            <a:effectRef idx="0">
+              <a:schemeClr val="accent1"/>
+            </a:effectRef>
+            <a:fontRef idx="minor">
+              <a:schemeClr val="lt1"/>
+            </a:fontRef>
+          </p:style>
+          <p:txBody>
+            <a:bodyPr rtlCol="0" anchor="ctr"/>
+            <a:lstStyle/>
+            <a:p>
+              <a:pPr algn="ctr"/>
+              <a:r>
+                <a:rPr lang="en-US" altLang="ko-KR" sz="1200" dirty="0" smtClean="0">
+                  <a:latin typeface="현대하모니 B" panose="02020603020101020101" pitchFamily="18" charset="-127"/>
+                  <a:ea typeface="현대하모니 B" panose="02020603020101020101" pitchFamily="18" charset="-127"/>
+                </a:rPr>
+                <a:t>End</a:t>
+              </a:r>
+              <a:endParaRPr lang="ko-KR" altLang="en-US" sz="1200" dirty="0">
+                <a:latin typeface="현대하모니 B" panose="02020603020101020101" pitchFamily="18" charset="-127"/>
+                <a:ea typeface="현대하모니 B" panose="02020603020101020101" pitchFamily="18" charset="-127"/>
+              </a:endParaRPr>
+            </a:p>
+          </p:txBody>
+        </p:sp>
+        <p:cxnSp>
+          <p:nvCxnSpPr>
+            <p:cNvPr id="8" name="직선 화살표 연결선 7"/>
+            <p:cNvCxnSpPr>
+              <a:stCxn id="2" idx="2"/>
+              <a:endCxn id="3" idx="0"/>
+            </p:cNvCxnSpPr>
+            <p:nvPr/>
+          </p:nvCxnSpPr>
+          <p:spPr>
+            <a:xfrm flipH="1">
+              <a:off x="1646962" y="2087961"/>
+              <a:ext cx="3496" cy="287069"/>
+            </a:xfrm>
+            <a:prstGeom prst="straightConnector1">
+              <a:avLst/>
+            </a:prstGeom>
+            <a:ln w="12700">
+              <a:tailEnd type="arrow"/>
+            </a:ln>
+          </p:spPr>
+          <p:style>
+            <a:lnRef idx="1">
+              <a:schemeClr val="accent1"/>
+            </a:lnRef>
+            <a:fillRef idx="0">
+              <a:schemeClr val="accent1"/>
+            </a:fillRef>
+            <a:effectRef idx="0">
+              <a:schemeClr val="accent1"/>
+            </a:effectRef>
+            <a:fontRef idx="minor">
+              <a:schemeClr val="tx1"/>
+            </a:fontRef>
+          </p:style>
+        </p:cxnSp>
+        <p:sp>
+          <p:nvSpPr>
+            <p:cNvPr id="11" name="직사각형 10"/>
+            <p:cNvSpPr/>
+            <p:nvPr/>
+          </p:nvSpPr>
+          <p:spPr>
+            <a:xfrm>
+              <a:off x="127447" y="2130213"/>
+              <a:ext cx="1433406" cy="246221"/>
+            </a:xfrm>
+            <a:prstGeom prst="rect">
+              <a:avLst/>
+            </a:prstGeom>
+          </p:spPr>
+          <p:txBody>
+            <a:bodyPr wrap="none">
+              <a:spAutoFit/>
+            </a:bodyPr>
+            <a:lstStyle/>
+            <a:p>
+              <a:r>
+                <a:rPr lang="ko-KR" altLang="en-US" sz="1000" dirty="0" smtClean="0">
+                  <a:latin typeface="현대하모니 B" panose="02020603020101020101" pitchFamily="18" charset="-127"/>
+                  <a:ea typeface="현대하모니 B" panose="02020603020101020101" pitchFamily="18" charset="-127"/>
+                </a:rPr>
+                <a:t>자동화 </a:t>
+              </a:r>
+              <a:r>
+                <a:rPr lang="en-US" altLang="ko-KR" sz="1000" dirty="0" smtClean="0">
+                  <a:latin typeface="현대하모니 B" panose="02020603020101020101" pitchFamily="18" charset="-127"/>
+                  <a:ea typeface="현대하모니 B" panose="02020603020101020101" pitchFamily="18" charset="-127"/>
+                </a:rPr>
+                <a:t>: H101 </a:t>
+              </a:r>
+              <a:r>
+                <a:rPr lang="en-US" altLang="ko-KR" sz="1000" dirty="0">
+                  <a:latin typeface="현대하모니 B" panose="02020603020101020101" pitchFamily="18" charset="-127"/>
+                  <a:ea typeface="현대하모니 B" panose="02020603020101020101" pitchFamily="18" charset="-127"/>
+                </a:rPr>
+                <a:t>Receive</a:t>
+              </a:r>
+            </a:p>
+          </p:txBody>
+        </p:sp>
+        <p:sp>
+          <p:nvSpPr>
+            <p:cNvPr id="19" name="직사각형 18"/>
+            <p:cNvSpPr/>
+            <p:nvPr/>
+          </p:nvSpPr>
+          <p:spPr>
+            <a:xfrm>
+              <a:off x="1746048" y="3123386"/>
+              <a:ext cx="978153" cy="246221"/>
+            </a:xfrm>
+            <a:prstGeom prst="rect">
+              <a:avLst/>
+            </a:prstGeom>
+          </p:spPr>
+          <p:txBody>
+            <a:bodyPr wrap="none">
+              <a:spAutoFit/>
+            </a:bodyPr>
+            <a:lstStyle/>
+            <a:p>
+              <a:r>
+                <a:rPr lang="en-US" altLang="ko-KR" sz="1000" dirty="0" smtClean="0">
+                  <a:latin typeface="현대하모니 B" panose="02020603020101020101" pitchFamily="18" charset="-127"/>
+                  <a:ea typeface="현대하모니 B" panose="02020603020101020101" pitchFamily="18" charset="-127"/>
+                </a:rPr>
+                <a:t>XML File </a:t>
+              </a:r>
+              <a:r>
+                <a:rPr lang="ko-KR" altLang="en-US" sz="1000" dirty="0" smtClean="0">
+                  <a:latin typeface="현대하모니 B" panose="02020603020101020101" pitchFamily="18" charset="-127"/>
+                  <a:ea typeface="현대하모니 B" panose="02020603020101020101" pitchFamily="18" charset="-127"/>
+                </a:rPr>
+                <a:t>생성</a:t>
+              </a:r>
+              <a:endParaRPr lang="en-US" altLang="ko-KR" sz="1000" dirty="0">
+                <a:latin typeface="현대하모니 B" panose="02020603020101020101" pitchFamily="18" charset="-127"/>
+                <a:ea typeface="현대하모니 B" panose="02020603020101020101" pitchFamily="18" charset="-127"/>
+              </a:endParaRPr>
+            </a:p>
+          </p:txBody>
+        </p:sp>
+        <p:cxnSp>
+          <p:nvCxnSpPr>
+            <p:cNvPr id="22" name="직선 화살표 연결선 21"/>
+            <p:cNvCxnSpPr>
+              <a:stCxn id="3" idx="2"/>
+              <a:endCxn id="4" idx="0"/>
+            </p:cNvCxnSpPr>
+            <p:nvPr/>
+          </p:nvCxnSpPr>
+          <p:spPr>
+            <a:xfrm flipH="1">
+              <a:off x="1644237" y="3044885"/>
+              <a:ext cx="2725" cy="374129"/>
+            </a:xfrm>
+            <a:prstGeom prst="straightConnector1">
+              <a:avLst/>
+            </a:prstGeom>
+            <a:ln w="12700">
+              <a:tailEnd type="arrow"/>
+            </a:ln>
+          </p:spPr>
+          <p:style>
+            <a:lnRef idx="1">
+              <a:schemeClr val="accent1"/>
+            </a:lnRef>
+            <a:fillRef idx="0">
+              <a:schemeClr val="accent1"/>
+            </a:fillRef>
+            <a:effectRef idx="0">
+              <a:schemeClr val="accent1"/>
+            </a:effectRef>
+            <a:fontRef idx="minor">
+              <a:schemeClr val="tx1"/>
+            </a:fontRef>
+          </p:style>
+        </p:cxnSp>
+        <p:cxnSp>
+          <p:nvCxnSpPr>
+            <p:cNvPr id="23" name="직선 화살표 연결선 22"/>
+            <p:cNvCxnSpPr>
+              <a:stCxn id="4" idx="2"/>
+              <a:endCxn id="5" idx="0"/>
+            </p:cNvCxnSpPr>
+            <p:nvPr/>
+          </p:nvCxnSpPr>
+          <p:spPr>
+            <a:xfrm>
+              <a:off x="1644237" y="3975594"/>
+              <a:ext cx="2726" cy="413428"/>
+            </a:xfrm>
+            <a:prstGeom prst="straightConnector1">
+              <a:avLst/>
+            </a:prstGeom>
+            <a:ln w="12700">
+              <a:tailEnd type="arrow"/>
+            </a:ln>
+          </p:spPr>
+          <p:style>
+            <a:lnRef idx="1">
+              <a:schemeClr val="accent1"/>
+            </a:lnRef>
+            <a:fillRef idx="0">
+              <a:schemeClr val="accent1"/>
+            </a:fillRef>
+            <a:effectRef idx="0">
+              <a:schemeClr val="accent1"/>
+            </a:effectRef>
+            <a:fontRef idx="minor">
+              <a:schemeClr val="tx1"/>
+            </a:fontRef>
+          </p:style>
+        </p:cxnSp>
+        <p:sp>
+          <p:nvSpPr>
+            <p:cNvPr id="25" name="직사각형 24"/>
+            <p:cNvSpPr/>
+            <p:nvPr/>
+          </p:nvSpPr>
+          <p:spPr>
+            <a:xfrm>
+              <a:off x="1759191" y="4059196"/>
+              <a:ext cx="1176925" cy="246221"/>
+            </a:xfrm>
+            <a:prstGeom prst="rect">
+              <a:avLst/>
+            </a:prstGeom>
+          </p:spPr>
+          <p:txBody>
+            <a:bodyPr wrap="none">
+              <a:spAutoFit/>
+            </a:bodyPr>
+            <a:lstStyle/>
+            <a:p>
+              <a:r>
+                <a:rPr lang="en-US" altLang="ko-KR" sz="1000" dirty="0" smtClean="0">
+                  <a:latin typeface="현대하모니 B" panose="02020603020101020101" pitchFamily="18" charset="-127"/>
+                  <a:ea typeface="현대하모니 B" panose="02020603020101020101" pitchFamily="18" charset="-127"/>
+                </a:rPr>
+                <a:t>XML File Parsing</a:t>
+              </a:r>
+              <a:endParaRPr lang="en-US" altLang="ko-KR" sz="1000" dirty="0">
+                <a:latin typeface="현대하모니 B" panose="02020603020101020101" pitchFamily="18" charset="-127"/>
+                <a:ea typeface="현대하모니 B" panose="02020603020101020101" pitchFamily="18" charset="-127"/>
+              </a:endParaRPr>
+            </a:p>
+          </p:txBody>
+        </p:sp>
+      </p:grpSp>
+      <p:grpSp>
+        <p:nvGrpSpPr>
+          <p:cNvPr id="31" name="그룹 30"/>
+          <p:cNvGrpSpPr/>
+          <p:nvPr/>
+        </p:nvGrpSpPr>
+        <p:grpSpPr>
+          <a:xfrm>
+            <a:off x="3737865" y="1510134"/>
+            <a:ext cx="4909748" cy="2470911"/>
+            <a:chOff x="3777052" y="2211719"/>
+            <a:chExt cx="4909748" cy="2470911"/>
+          </a:xfrm>
+        </p:grpSpPr>
+        <p:pic>
+          <p:nvPicPr>
+            <p:cNvPr id="27" name="그림 26"/>
+            <p:cNvPicPr>
+              <a:picLocks noChangeAspect="1"/>
+            </p:cNvPicPr>
+            <p:nvPr/>
+          </p:nvPicPr>
+          <p:blipFill>
+            <a:blip r:embed="rId2"/>
+            <a:stretch>
+              <a:fillRect/>
+            </a:stretch>
+          </p:blipFill>
+          <p:spPr>
+            <a:xfrm>
+              <a:off x="3777052" y="2211719"/>
+              <a:ext cx="4909748" cy="2287496"/>
+            </a:xfrm>
+            <a:prstGeom prst="rect">
+              <a:avLst/>
+            </a:prstGeom>
+          </p:spPr>
+        </p:pic>
+        <p:sp>
+          <p:nvSpPr>
+            <p:cNvPr id="28" name="내용 개체 틀 5">
+              <a:extLst>
+                <a:ext uri="{FF2B5EF4-FFF2-40B4-BE49-F238E27FC236}">
+                  <a16:creationId xmlns:a16="http://schemas.microsoft.com/office/drawing/2014/main" id="{372352C4-DAF8-35F2-CA98-40004492D02A}"/>
+                </a:ext>
+              </a:extLst>
+            </p:cNvPr>
+            <p:cNvSpPr txBox="1">
+              <a:spLocks/>
+            </p:cNvSpPr>
+            <p:nvPr/>
+          </p:nvSpPr>
+          <p:spPr>
+            <a:xfrm>
+              <a:off x="5258223" y="4470596"/>
+              <a:ext cx="1947405" cy="212034"/>
+            </a:xfrm>
+            <a:prstGeom prst="rect">
+              <a:avLst/>
+            </a:prstGeom>
+          </p:spPr>
+          <p:txBody>
+            <a:bodyPr vert="horz" lIns="91440" tIns="45720" rIns="91440" bIns="45720" rtlCol="0">
+              <a:noAutofit/>
+            </a:bodyPr>
+            <a:lstStyle>
+              <a:lvl1pPr marL="342900" indent="-342900" algn="l" defTabSz="914400" rtl="0" eaLnBrk="1" latinLnBrk="1" hangingPunct="1">
+                <a:spcBef>
+                  <a:spcPct val="20000"/>
+                </a:spcBef>
+                <a:buFont typeface="Arial" pitchFamily="34" charset="0"/>
+                <a:buNone/>
+                <a:defRPr lang="ko-KR" altLang="en-US" sz="2000" kern="1200" baseline="0">
+                  <a:solidFill>
+                    <a:schemeClr val="tx1">
+                      <a:lumMod val="65000"/>
+                      <a:lumOff val="35000"/>
+                    </a:schemeClr>
+                  </a:solidFill>
+                  <a:latin typeface="Noto Sans" pitchFamily="34" charset="0"/>
+                  <a:ea typeface="맑은 고딕" pitchFamily="50" charset="-127"/>
+                  <a:cs typeface="+mn-cs"/>
+                </a:defRPr>
+              </a:lvl1pPr>
+              <a:lvl2pPr marL="742950" indent="-285750" algn="l" defTabSz="914400" rtl="0" eaLnBrk="1" latinLnBrk="1" hangingPunct="1">
+                <a:spcBef>
+                  <a:spcPct val="20000"/>
+                </a:spcBef>
+                <a:buFont typeface="Arial" pitchFamily="34" charset="0"/>
+                <a:buNone/>
+                <a:defRPr lang="ko-KR" altLang="en-US" sz="1800" kern="1200" baseline="0">
+                  <a:solidFill>
+                    <a:schemeClr val="tx1">
+                      <a:lumMod val="65000"/>
+                      <a:lumOff val="35000"/>
+                    </a:schemeClr>
+                  </a:solidFill>
+                  <a:latin typeface="Noto Sans" pitchFamily="34" charset="0"/>
+                  <a:ea typeface="맑은 고딕" pitchFamily="50" charset="-127"/>
+                  <a:cs typeface="+mn-cs"/>
+                </a:defRPr>
+              </a:lvl2pPr>
+              <a:lvl3pPr marL="1143000" indent="-228600" algn="l" defTabSz="914400" rtl="0" eaLnBrk="1" latinLnBrk="1" hangingPunct="1">
+                <a:spcBef>
+                  <a:spcPct val="20000"/>
+                </a:spcBef>
+                <a:buFont typeface="Arial" pitchFamily="34" charset="0"/>
+                <a:buNone/>
+                <a:defRPr lang="ko-KR" altLang="en-US" sz="1800" kern="1200" baseline="0">
+                  <a:solidFill>
+                    <a:schemeClr val="tx1">
+                      <a:lumMod val="65000"/>
+                      <a:lumOff val="35000"/>
+                    </a:schemeClr>
+                  </a:solidFill>
+                  <a:latin typeface="Noto Sans" pitchFamily="34" charset="0"/>
+                  <a:ea typeface="맑은 고딕" pitchFamily="50" charset="-127"/>
+                  <a:cs typeface="+mn-cs"/>
+                </a:defRPr>
+              </a:lvl3pPr>
+              <a:lvl4pPr marL="1600200" indent="-228600" algn="l" defTabSz="914400" rtl="0" eaLnBrk="1" latinLnBrk="1" hangingPunct="1">
+                <a:spcBef>
+                  <a:spcPct val="20000"/>
+                </a:spcBef>
+                <a:buFont typeface="Arial" pitchFamily="34" charset="0"/>
+                <a:buNone/>
+                <a:defRPr lang="ko-KR" altLang="en-US" sz="1800" kern="1200" baseline="0">
+                  <a:solidFill>
+                    <a:schemeClr val="tx1">
+                      <a:lumMod val="65000"/>
+                      <a:lumOff val="35000"/>
+                    </a:schemeClr>
+                  </a:solidFill>
+                  <a:latin typeface="Noto Sans" pitchFamily="34" charset="0"/>
+                  <a:ea typeface="맑은 고딕" pitchFamily="50" charset="-127"/>
+                  <a:cs typeface="+mn-cs"/>
+                </a:defRPr>
+              </a:lvl4pPr>
+              <a:lvl5pPr marL="2057400" indent="-228600" algn="l" defTabSz="914400" rtl="0" eaLnBrk="1" latinLnBrk="1" hangingPunct="1">
+                <a:spcBef>
+                  <a:spcPct val="20000"/>
+                </a:spcBef>
+                <a:buFont typeface="Arial" pitchFamily="34" charset="0"/>
+                <a:buNone/>
+                <a:defRPr lang="ko-KR" altLang="en-US" sz="1800" kern="1200" baseline="0">
+                  <a:solidFill>
+                    <a:schemeClr val="tx1">
+                      <a:lumMod val="65000"/>
+                      <a:lumOff val="35000"/>
+                    </a:schemeClr>
+                  </a:solidFill>
+                  <a:latin typeface="Noto Sans" pitchFamily="34" charset="0"/>
+                  <a:ea typeface="맑은 고딕" pitchFamily="50" charset="-127"/>
+                  <a:cs typeface="+mn-cs"/>
+                </a:defRPr>
+              </a:lvl5pPr>
+              <a:lvl6pPr marL="2514600" indent="-228600" algn="l" defTabSz="914400" rtl="0" eaLnBrk="1" latinLnBrk="1" hangingPunct="1">
+                <a:spcBef>
+                  <a:spcPct val="20000"/>
+                </a:spcBef>
+                <a:buFont typeface="Arial" pitchFamily="34" charset="0"/>
+                <a:buChar char="•"/>
+                <a:defRPr sz="2000" kern="1200">
+                  <a:solidFill>
+                    <a:schemeClr val="tx1"/>
+                  </a:solidFill>
+                  <a:latin typeface="+mn-lt"/>
+                  <a:ea typeface="+mn-ea"/>
+                  <a:cs typeface="+mn-cs"/>
+                </a:defRPr>
+              </a:lvl6pPr>
+              <a:lvl7pPr marL="2971800" indent="-228600" algn="l" defTabSz="914400" rtl="0" eaLnBrk="1" latinLnBrk="1" hangingPunct="1">
+                <a:spcBef>
+                  <a:spcPct val="20000"/>
+                </a:spcBef>
+                <a:buFont typeface="Arial" pitchFamily="34" charset="0"/>
+                <a:buChar char="•"/>
+                <a:defRPr sz="2000" kern="1200">
+                  <a:solidFill>
+                    <a:schemeClr val="tx1"/>
+                  </a:solidFill>
+                  <a:latin typeface="+mn-lt"/>
+                  <a:ea typeface="+mn-ea"/>
+                  <a:cs typeface="+mn-cs"/>
+                </a:defRPr>
+              </a:lvl7pPr>
+              <a:lvl8pPr marL="3429000" indent="-228600" algn="l" defTabSz="914400" rtl="0" eaLnBrk="1" latinLnBrk="1" hangingPunct="1">
+                <a:spcBef>
+                  <a:spcPct val="20000"/>
+                </a:spcBef>
+                <a:buFont typeface="Arial" pitchFamily="34" charset="0"/>
+                <a:buChar char="•"/>
+                <a:defRPr sz="2000" kern="1200">
+                  <a:solidFill>
+                    <a:schemeClr val="tx1"/>
+                  </a:solidFill>
+                  <a:latin typeface="+mn-lt"/>
+                  <a:ea typeface="+mn-ea"/>
+                  <a:cs typeface="+mn-cs"/>
+                </a:defRPr>
+              </a:lvl8pPr>
+              <a:lvl9pPr marL="3886200" indent="-228600" algn="l" defTabSz="914400" rtl="0" eaLnBrk="1" latinLnBrk="1" hangingPunct="1">
+                <a:spcBef>
+                  <a:spcPct val="20000"/>
+                </a:spcBef>
+                <a:buFont typeface="Arial" pitchFamily="34" charset="0"/>
+                <a:buChar char="•"/>
+                <a:defRPr sz="2000" kern="1200">
+                  <a:solidFill>
+                    <a:schemeClr val="tx1"/>
+                  </a:solidFill>
+                  <a:latin typeface="+mn-lt"/>
+                  <a:ea typeface="+mn-ea"/>
+                  <a:cs typeface="+mn-cs"/>
+                </a:defRPr>
+              </a:lvl9pPr>
+            </a:lstStyle>
+            <a:p>
+              <a:r>
+                <a:rPr lang="en-US" altLang="ko-KR" sz="900" dirty="0" smtClean="0">
+                  <a:latin typeface="현대하모니 B" panose="02020603020101020101" pitchFamily="18" charset="-127"/>
+                  <a:ea typeface="현대하모니 B" panose="02020603020101020101" pitchFamily="18" charset="-127"/>
+                </a:rPr>
+                <a:t>[Query </a:t>
+              </a:r>
+              <a:r>
+                <a:rPr lang="ko-KR" altLang="en-US" sz="900" dirty="0" smtClean="0">
+                  <a:latin typeface="현대하모니 B" panose="02020603020101020101" pitchFamily="18" charset="-127"/>
+                  <a:ea typeface="현대하모니 B" panose="02020603020101020101" pitchFamily="18" charset="-127"/>
+                </a:rPr>
+                <a:t>별 실행 시간 및 </a:t>
+              </a:r>
+              <a:r>
+                <a:rPr lang="en-US" altLang="ko-KR" sz="900" dirty="0" smtClean="0">
+                  <a:latin typeface="현대하모니 B" panose="02020603020101020101" pitchFamily="18" charset="-127"/>
+                  <a:ea typeface="현대하모니 B" panose="02020603020101020101" pitchFamily="18" charset="-127"/>
+                </a:rPr>
+                <a:t>CPU </a:t>
+              </a:r>
+              <a:r>
+                <a:rPr lang="ko-KR" altLang="en-US" sz="900" dirty="0" smtClean="0">
+                  <a:latin typeface="현대하모니 B" panose="02020603020101020101" pitchFamily="18" charset="-127"/>
+                  <a:ea typeface="현대하모니 B" panose="02020603020101020101" pitchFamily="18" charset="-127"/>
+                </a:rPr>
+                <a:t>점유율</a:t>
+              </a:r>
+              <a:r>
+                <a:rPr lang="en-US" altLang="ko-KR" sz="900" dirty="0" smtClean="0">
+                  <a:latin typeface="현대하모니 B" panose="02020603020101020101" pitchFamily="18" charset="-127"/>
+                  <a:ea typeface="현대하모니 B" panose="02020603020101020101" pitchFamily="18" charset="-127"/>
+                </a:rPr>
+                <a:t>]</a:t>
+              </a:r>
+              <a:endParaRPr lang="en-US" altLang="ko-KR" sz="900" dirty="0">
+                <a:latin typeface="현대하모니 B" panose="02020603020101020101" pitchFamily="18" charset="-127"/>
+                <a:ea typeface="현대하모니 B" panose="02020603020101020101" pitchFamily="18" charset="-127"/>
+              </a:endParaRPr>
+            </a:p>
+          </p:txBody>
+        </p:sp>
+        <p:sp>
+          <p:nvSpPr>
+            <p:cNvPr id="29" name="직사각형 28"/>
+            <p:cNvSpPr/>
+            <p:nvPr/>
+          </p:nvSpPr>
+          <p:spPr bwMode="auto">
+            <a:xfrm>
+              <a:off x="3777052" y="3289773"/>
+              <a:ext cx="4909748" cy="266007"/>
+            </a:xfrm>
+            <a:prstGeom prst="rect">
+              <a:avLst/>
+            </a:prstGeom>
+            <a:noFill/>
+            <a:ln w="9525" cap="flat" cmpd="sng" algn="ctr">
+              <a:solidFill>
+                <a:srgbClr val="FF0000"/>
+              </a:solidFill>
+              <a:prstDash val="solid"/>
+              <a:round/>
+              <a:headEnd type="none" w="med" len="med"/>
+              <a:tailEnd type="none" w="med" len="med"/>
+            </a:ln>
+            <a:effectLst>
+              <a:outerShdw blurRad="50800" dist="38100" dir="2700000" algn="tl" rotWithShape="0">
+                <a:prstClr val="black">
+                  <a:alpha val="40000"/>
+                </a:prstClr>
+              </a:outerShdw>
+            </a:effectLst>
+          </p:spPr>
+          <p:txBody>
+            <a:bodyPr vert="horz" wrap="square" lIns="90000" tIns="46800" rIns="90000" bIns="46800" numCol="1" rtlCol="0" anchor="ctr" anchorCtr="0" compatLnSpc="1">
+              <a:prstTxWarp prst="textNoShape">
+                <a:avLst/>
+              </a:prstTxWarp>
+              <a:noAutofit/>
+            </a:bodyPr>
+            <a:lstStyle/>
+            <a:p>
+              <a:pPr marL="0" marR="0" indent="0" algn="ctr" defTabSz="914400" rtl="0" eaLnBrk="1" fontAlgn="base" latinLnBrk="1" hangingPunct="1">
+                <a:lnSpc>
+                  <a:spcPct val="100000"/>
+                </a:lnSpc>
+                <a:spcBef>
+                  <a:spcPct val="0"/>
+                </a:spcBef>
+                <a:spcAft>
+                  <a:spcPct val="0"/>
+                </a:spcAft>
+                <a:buClrTx/>
+                <a:buSzTx/>
+                <a:buFontTx/>
+                <a:buNone/>
+                <a:tabLst/>
+              </a:pPr>
+              <a:endParaRPr lang="ko-KR" altLang="en-US" sz="800" dirty="0">
+                <a:latin typeface="현대하모니 B" panose="02020603020101020101" pitchFamily="18" charset="-127"/>
+                <a:ea typeface="현대하모니 B" panose="02020603020101020101" pitchFamily="18" charset="-127"/>
+              </a:endParaRPr>
+            </a:p>
+          </p:txBody>
+        </p:sp>
+      </p:grpSp>
+      <p:sp>
+        <p:nvSpPr>
+          <p:cNvPr id="20" name="내용 개체 틀 5">
+            <a:extLst>
+              <a:ext uri="{FF2B5EF4-FFF2-40B4-BE49-F238E27FC236}">
+                <a16:creationId xmlns:a16="http://schemas.microsoft.com/office/drawing/2014/main" id="{372352C4-DAF8-35F2-CA98-40004492D02A}"/>
+              </a:ext>
+            </a:extLst>
+          </p:cNvPr>
+          <p:cNvSpPr txBox="1">
+            <a:spLocks/>
+          </p:cNvSpPr>
+          <p:nvPr/>
+        </p:nvSpPr>
+        <p:spPr>
+          <a:xfrm>
+            <a:off x="1012539" y="4411190"/>
+            <a:ext cx="1947405" cy="212034"/>
+          </a:xfrm>
+          <a:prstGeom prst="rect">
+            <a:avLst/>
+          </a:prstGeom>
+        </p:spPr>
+        <p:txBody>
+          <a:bodyPr vert="horz" lIns="91440" tIns="45720" rIns="91440" bIns="45720" rtlCol="0">
+            <a:noAutofit/>
+          </a:bodyPr>
+          <a:lstStyle>
+            <a:lvl1pPr marL="342900" indent="-342900" algn="l" defTabSz="914400" rtl="0" eaLnBrk="1" latinLnBrk="1" hangingPunct="1">
+              <a:spcBef>
+                <a:spcPct val="20000"/>
+              </a:spcBef>
+              <a:buFont typeface="Arial" pitchFamily="34" charset="0"/>
+              <a:buNone/>
+              <a:defRPr lang="ko-KR" altLang="en-US" sz="2000" kern="1200" baseline="0">
+                <a:solidFill>
+                  <a:schemeClr val="tx1">
+                    <a:lumMod val="65000"/>
+                    <a:lumOff val="35000"/>
+                  </a:schemeClr>
+                </a:solidFill>
+                <a:latin typeface="Noto Sans" pitchFamily="34" charset="0"/>
+                <a:ea typeface="맑은 고딕" pitchFamily="50" charset="-127"/>
+                <a:cs typeface="+mn-cs"/>
+              </a:defRPr>
+            </a:lvl1pPr>
+            <a:lvl2pPr marL="742950" indent="-285750" algn="l" defTabSz="914400" rtl="0" eaLnBrk="1" latinLnBrk="1" hangingPunct="1">
+              <a:spcBef>
+                <a:spcPct val="20000"/>
+              </a:spcBef>
+              <a:buFont typeface="Arial" pitchFamily="34" charset="0"/>
+              <a:buNone/>
+              <a:defRPr lang="ko-KR" altLang="en-US" sz="1800" kern="1200" baseline="0">
+                <a:solidFill>
+                  <a:schemeClr val="tx1">
+                    <a:lumMod val="65000"/>
+                    <a:lumOff val="35000"/>
+                  </a:schemeClr>
+                </a:solidFill>
+                <a:latin typeface="Noto Sans" pitchFamily="34" charset="0"/>
+                <a:ea typeface="맑은 고딕" pitchFamily="50" charset="-127"/>
+                <a:cs typeface="+mn-cs"/>
+              </a:defRPr>
+            </a:lvl2pPr>
+            <a:lvl3pPr marL="1143000" indent="-228600" algn="l" defTabSz="914400" rtl="0" eaLnBrk="1" latinLnBrk="1" hangingPunct="1">
+              <a:spcBef>
+                <a:spcPct val="20000"/>
+              </a:spcBef>
+              <a:buFont typeface="Arial" pitchFamily="34" charset="0"/>
+              <a:buNone/>
+              <a:defRPr lang="ko-KR" altLang="en-US" sz="1800" kern="1200" baseline="0">
+                <a:solidFill>
+                  <a:schemeClr val="tx1">
+                    <a:lumMod val="65000"/>
+                    <a:lumOff val="35000"/>
+                  </a:schemeClr>
+                </a:solidFill>
+                <a:latin typeface="Noto Sans" pitchFamily="34" charset="0"/>
+                <a:ea typeface="맑은 고딕" pitchFamily="50" charset="-127"/>
+                <a:cs typeface="+mn-cs"/>
+              </a:defRPr>
+            </a:lvl3pPr>
+            <a:lvl4pPr marL="1600200" indent="-228600" algn="l" defTabSz="914400" rtl="0" eaLnBrk="1" latinLnBrk="1" hangingPunct="1">
+              <a:spcBef>
+                <a:spcPct val="20000"/>
+              </a:spcBef>
+              <a:buFont typeface="Arial" pitchFamily="34" charset="0"/>
+              <a:buNone/>
+              <a:defRPr lang="ko-KR" altLang="en-US" sz="1800" kern="1200" baseline="0">
+                <a:solidFill>
+                  <a:schemeClr val="tx1">
+                    <a:lumMod val="65000"/>
+                    <a:lumOff val="35000"/>
+                  </a:schemeClr>
+                </a:solidFill>
+                <a:latin typeface="Noto Sans" pitchFamily="34" charset="0"/>
+                <a:ea typeface="맑은 고딕" pitchFamily="50" charset="-127"/>
+                <a:cs typeface="+mn-cs"/>
+              </a:defRPr>
+            </a:lvl4pPr>
+            <a:lvl5pPr marL="2057400" indent="-228600" algn="l" defTabSz="914400" rtl="0" eaLnBrk="1" latinLnBrk="1" hangingPunct="1">
+              <a:spcBef>
+                <a:spcPct val="20000"/>
+              </a:spcBef>
+              <a:buFont typeface="Arial" pitchFamily="34" charset="0"/>
+              <a:buNone/>
+              <a:defRPr lang="ko-KR" altLang="en-US" sz="1800" kern="1200" baseline="0">
+                <a:solidFill>
+                  <a:schemeClr val="tx1">
+                    <a:lumMod val="65000"/>
+                    <a:lumOff val="35000"/>
+                  </a:schemeClr>
+                </a:solidFill>
+                <a:latin typeface="Noto Sans" pitchFamily="34" charset="0"/>
+                <a:ea typeface="맑은 고딕" pitchFamily="50" charset="-127"/>
+                <a:cs typeface="+mn-cs"/>
+              </a:defRPr>
+            </a:lvl5pPr>
+            <a:lvl6pPr marL="2514600" indent="-228600" algn="l" defTabSz="914400" rtl="0" eaLnBrk="1" latinLnBrk="1" hangingPunct="1">
+              <a:spcBef>
+                <a:spcPct val="20000"/>
+              </a:spcBef>
+              <a:buFont typeface="Arial" pitchFamily="34" charset="0"/>
+              <a:buChar char="•"/>
+              <a:defRPr sz="2000" kern="1200">
+                <a:solidFill>
+                  <a:schemeClr val="tx1"/>
+                </a:solidFill>
+                <a:latin typeface="+mn-lt"/>
+                <a:ea typeface="+mn-ea"/>
+                <a:cs typeface="+mn-cs"/>
+              </a:defRPr>
+            </a:lvl6pPr>
+            <a:lvl7pPr marL="2971800" indent="-228600" algn="l" defTabSz="914400" rtl="0" eaLnBrk="1" latinLnBrk="1" hangingPunct="1">
+              <a:spcBef>
+                <a:spcPct val="20000"/>
+              </a:spcBef>
+              <a:buFont typeface="Arial" pitchFamily="34" charset="0"/>
+              <a:buChar char="•"/>
+              <a:defRPr sz="2000" kern="1200">
+                <a:solidFill>
+                  <a:schemeClr val="tx1"/>
+                </a:solidFill>
+                <a:latin typeface="+mn-lt"/>
+                <a:ea typeface="+mn-ea"/>
+                <a:cs typeface="+mn-cs"/>
+              </a:defRPr>
+            </a:lvl7pPr>
+            <a:lvl8pPr marL="3429000" indent="-228600" algn="l" defTabSz="914400" rtl="0" eaLnBrk="1" latinLnBrk="1" hangingPunct="1">
+              <a:spcBef>
+                <a:spcPct val="20000"/>
+              </a:spcBef>
+              <a:buFont typeface="Arial" pitchFamily="34" charset="0"/>
+              <a:buChar char="•"/>
+              <a:defRPr sz="2000" kern="1200">
+                <a:solidFill>
+                  <a:schemeClr val="tx1"/>
+                </a:solidFill>
+                <a:latin typeface="+mn-lt"/>
+                <a:ea typeface="+mn-ea"/>
+                <a:cs typeface="+mn-cs"/>
+              </a:defRPr>
+            </a:lvl8pPr>
+            <a:lvl9pPr marL="3886200" indent="-228600" algn="l" defTabSz="914400" rtl="0" eaLnBrk="1" latinLnBrk="1" hangingPunct="1">
+              <a:spcBef>
+                <a:spcPct val="20000"/>
+              </a:spcBef>
+              <a:buFont typeface="Arial" pitchFamily="34" charset="0"/>
+              <a:buChar char="•"/>
+              <a:defRPr sz="2000" kern="1200">
+                <a:solidFill>
+                  <a:schemeClr val="tx1"/>
+                </a:solidFill>
+                <a:latin typeface="+mn-lt"/>
+                <a:ea typeface="+mn-ea"/>
+                <a:cs typeface="+mn-cs"/>
+              </a:defRPr>
+            </a:lvl9pPr>
+          </a:lstStyle>
+          <a:p>
+            <a:pPr algn="ctr"/>
+            <a:r>
+              <a:rPr lang="en-US" altLang="ko-KR" sz="900" dirty="0" smtClean="0">
+                <a:latin typeface="현대하모니 B" panose="02020603020101020101" pitchFamily="18" charset="-127"/>
+                <a:ea typeface="현대하모니 B" panose="02020603020101020101" pitchFamily="18" charset="-127"/>
+              </a:rPr>
+              <a:t>[SPC </a:t>
+            </a:r>
+            <a:r>
+              <a:rPr lang="ko-KR" altLang="en-US" sz="900" dirty="0" smtClean="0">
+                <a:latin typeface="현대하모니 B" panose="02020603020101020101" pitchFamily="18" charset="-127"/>
+                <a:ea typeface="현대하모니 B" panose="02020603020101020101" pitchFamily="18" charset="-127"/>
+              </a:rPr>
+              <a:t>데이터 처리과정</a:t>
+            </a:r>
+            <a:r>
+              <a:rPr lang="en-US" altLang="ko-KR" sz="900" dirty="0" smtClean="0">
+                <a:latin typeface="현대하모니 B" panose="02020603020101020101" pitchFamily="18" charset="-127"/>
+                <a:ea typeface="현대하모니 B" panose="02020603020101020101" pitchFamily="18" charset="-127"/>
+              </a:rPr>
+              <a:t>]</a:t>
+            </a:r>
+            <a:endParaRPr lang="en-US" altLang="ko-KR" sz="900" dirty="0">
+              <a:latin typeface="현대하모니 B" panose="02020603020101020101" pitchFamily="18" charset="-127"/>
+              <a:ea typeface="현대하모니 B" panose="02020603020101020101" pitchFamily="18" charset="-127"/>
+            </a:endParaRPr>
+          </a:p>
+        </p:txBody>
+      </p:sp>
+      <p:sp>
+        <p:nvSpPr>
+          <p:cNvPr id="6" name="직사각형 5"/>
+          <p:cNvSpPr/>
+          <p:nvPr/>
+        </p:nvSpPr>
+        <p:spPr bwMode="auto">
+          <a:xfrm>
+            <a:off x="1384663" y="3007396"/>
+            <a:ext cx="1203158" cy="727242"/>
+          </a:xfrm>
+          <a:prstGeom prst="rect">
+            <a:avLst/>
+          </a:prstGeom>
+          <a:noFill/>
+          <a:ln w="9525" cap="flat" cmpd="sng" algn="ctr">
+            <a:solidFill>
+              <a:srgbClr val="FF0000"/>
+            </a:solidFill>
+            <a:prstDash val="solid"/>
+            <a:round/>
+            <a:headEnd type="none" w="med" len="med"/>
+            <a:tailEnd type="none" w="med" len="med"/>
+          </a:ln>
+          <a:effectLst>
+            <a:outerShdw blurRad="50800" dist="38100" dir="2700000" algn="tl" rotWithShape="0">
+              <a:prstClr val="black">
+                <a:alpha val="40000"/>
+              </a:prstClr>
+            </a:outerShdw>
+          </a:effectLst>
+        </p:spPr>
+        <p:txBody>
+          <a:bodyPr vert="horz" wrap="square" lIns="90000" tIns="46800" rIns="90000" bIns="46800" numCol="1" rtlCol="0" anchor="ctr" anchorCtr="0" compatLnSpc="1">
+            <a:prstTxWarp prst="textNoShape">
+              <a:avLst/>
+            </a:prstTxWarp>
+            <a:noAutofit/>
+          </a:bodyPr>
+          <a:lstStyle/>
+          <a:p>
+            <a:pPr marL="0" marR="0" indent="0" algn="ctr" defTabSz="914400" rtl="0" eaLnBrk="1" fontAlgn="base" latinLnBrk="1" hangingPunct="1">
+              <a:lnSpc>
+                <a:spcPct val="100000"/>
+              </a:lnSpc>
+              <a:spcBef>
+                <a:spcPct val="0"/>
+              </a:spcBef>
+              <a:spcAft>
+                <a:spcPct val="0"/>
+              </a:spcAft>
+              <a:buClrTx/>
+              <a:buSzTx/>
+              <a:buFontTx/>
+              <a:buNone/>
+              <a:tabLst/>
+            </a:pPr>
+            <a:endParaRPr lang="ko-KR" altLang="en-US" sz="800" dirty="0">
+              <a:latin typeface="현대하모니 B" panose="02020603020101020101" pitchFamily="18" charset="-127"/>
+              <a:ea typeface="현대하모니 B" panose="02020603020101020101" pitchFamily="18" charset="-127"/>
+            </a:endParaRPr>
+          </a:p>
+        </p:txBody>
+      </p:sp>
+      <p:cxnSp>
+        <p:nvCxnSpPr>
+          <p:cNvPr id="9" name="직선 화살표 연결선 8"/>
+          <p:cNvCxnSpPr>
+            <a:stCxn id="6" idx="3"/>
+            <a:endCxn id="29" idx="1"/>
+          </p:cNvCxnSpPr>
+          <p:nvPr/>
+        </p:nvCxnSpPr>
+        <p:spPr bwMode="auto">
+          <a:xfrm flipV="1">
+            <a:off x="2587821" y="2721192"/>
+            <a:ext cx="1150044" cy="649825"/>
+          </a:xfrm>
+          <a:prstGeom prst="straightConnector1">
+            <a:avLst/>
+          </a:prstGeom>
+          <a:noFill/>
+          <a:ln w="9525" cap="flat" cmpd="sng" algn="ctr">
+            <a:solidFill>
+              <a:srgbClr val="FF0000"/>
+            </a:solidFill>
+            <a:prstDash val="solid"/>
+            <a:round/>
+            <a:headEnd type="none" w="med" len="med"/>
+            <a:tailEnd type="triangle"/>
+          </a:ln>
+          <a:effectLst/>
+        </p:spPr>
+      </p:cxnSp>
+      <p:sp>
+        <p:nvSpPr>
+          <p:cNvPr id="24" name="직사각형 23"/>
+          <p:cNvSpPr/>
+          <p:nvPr/>
+        </p:nvSpPr>
+        <p:spPr>
+          <a:xfrm>
+            <a:off x="288585" y="1096021"/>
+            <a:ext cx="1620957" cy="246221"/>
+          </a:xfrm>
+          <a:prstGeom prst="rect">
+            <a:avLst/>
+          </a:prstGeom>
+        </p:spPr>
+        <p:txBody>
+          <a:bodyPr wrap="none">
+            <a:spAutoFit/>
+          </a:bodyPr>
+          <a:lstStyle/>
+          <a:p>
+            <a:r>
+              <a:rPr lang="ko-KR" altLang="en-US" sz="1000" dirty="0" smtClean="0">
+                <a:solidFill>
+                  <a:srgbClr val="0000FF"/>
+                </a:solidFill>
+                <a:latin typeface="현대하모니 B" panose="02020603020101020101" pitchFamily="18" charset="-127"/>
+                <a:ea typeface="현대하모니 B" panose="02020603020101020101" pitchFamily="18" charset="-127"/>
+                <a:sym typeface="Wingdings" panose="05000000000000000000" pitchFamily="2" charset="2"/>
+              </a:rPr>
+              <a:t>＜</a:t>
+            </a:r>
+            <a:r>
+              <a:rPr lang="en-US" altLang="ko-KR" sz="1000" dirty="0" err="1" smtClean="0">
+                <a:solidFill>
+                  <a:srgbClr val="0000FF"/>
+                </a:solidFill>
+                <a:latin typeface="현대하모니 B" panose="02020603020101020101" pitchFamily="18" charset="-127"/>
+                <a:ea typeface="현대하모니 B" panose="02020603020101020101" pitchFamily="18" charset="-127"/>
+                <a:sym typeface="Wingdings" panose="05000000000000000000" pitchFamily="2" charset="2"/>
+              </a:rPr>
+              <a:t>DataLoader</a:t>
+            </a:r>
+            <a:r>
+              <a:rPr lang="en-US" altLang="ko-KR" sz="1000" dirty="0" smtClean="0">
+                <a:solidFill>
+                  <a:srgbClr val="0000FF"/>
+                </a:solidFill>
+                <a:latin typeface="현대하모니 B" panose="02020603020101020101" pitchFamily="18" charset="-127"/>
+                <a:ea typeface="현대하모니 B" panose="02020603020101020101" pitchFamily="18" charset="-127"/>
+                <a:sym typeface="Wingdings" panose="05000000000000000000" pitchFamily="2" charset="2"/>
+              </a:rPr>
+              <a:t> </a:t>
+            </a:r>
+            <a:r>
+              <a:rPr lang="ko-KR" altLang="en-US" sz="1000" dirty="0" smtClean="0">
+                <a:solidFill>
+                  <a:srgbClr val="0000FF"/>
+                </a:solidFill>
+                <a:latin typeface="현대하모니 B" panose="02020603020101020101" pitchFamily="18" charset="-127"/>
+                <a:ea typeface="현대하모니 B" panose="02020603020101020101" pitchFamily="18" charset="-127"/>
+                <a:sym typeface="Wingdings" panose="05000000000000000000" pitchFamily="2" charset="2"/>
+              </a:rPr>
+              <a:t>문제 해결＞</a:t>
+            </a:r>
+            <a:endParaRPr lang="en-US" altLang="ko-KR" sz="1000" dirty="0">
+              <a:solidFill>
+                <a:srgbClr val="0000FF"/>
+              </a:solidFill>
+              <a:latin typeface="현대하모니 B" panose="02020603020101020101" pitchFamily="18" charset="-127"/>
+              <a:ea typeface="현대하모니 B" panose="02020603020101020101" pitchFamily="18" charset="-127"/>
+              <a:sym typeface="Wingdings" panose="05000000000000000000" pitchFamily="2" charset="2"/>
+            </a:endParaRPr>
+          </a:p>
+        </p:txBody>
+      </p:sp>
+      <p:sp>
+        <p:nvSpPr>
+          <p:cNvPr id="34" name="직사각형 33">
+            <a:extLst>
+              <a:ext uri="{FF2B5EF4-FFF2-40B4-BE49-F238E27FC236}">
+                <a16:creationId xmlns:a16="http://schemas.microsoft.com/office/drawing/2014/main" id="{9279B9C4-4373-59E1-49F3-97C1BCBA9C8C}"/>
+              </a:ext>
+            </a:extLst>
+          </p:cNvPr>
+          <p:cNvSpPr/>
+          <p:nvPr/>
+        </p:nvSpPr>
+        <p:spPr>
+          <a:xfrm>
+            <a:off x="3737865" y="3971859"/>
+            <a:ext cx="2363565" cy="1477328"/>
+          </a:xfrm>
+          <a:prstGeom prst="rect">
+            <a:avLst/>
+          </a:prstGeom>
+        </p:spPr>
+        <p:txBody>
+          <a:bodyPr wrap="square">
+            <a:spAutoFit/>
+          </a:bodyPr>
+          <a:lstStyle/>
+          <a:p>
+            <a:r>
+              <a:rPr lang="en-US" altLang="ko-KR" sz="1000" dirty="0" smtClean="0">
+                <a:latin typeface="현대하모니 B" panose="02020603020101020101" pitchFamily="18" charset="-127"/>
+                <a:ea typeface="현대하모니 B" panose="02020603020101020101" pitchFamily="18" charset="-127"/>
+              </a:rPr>
+              <a:t>AS-IS</a:t>
+            </a:r>
+            <a:br>
+              <a:rPr lang="en-US" altLang="ko-KR" sz="1000" dirty="0" smtClean="0">
+                <a:latin typeface="현대하모니 B" panose="02020603020101020101" pitchFamily="18" charset="-127"/>
+                <a:ea typeface="현대하모니 B" panose="02020603020101020101" pitchFamily="18" charset="-127"/>
+              </a:rPr>
+            </a:br>
+            <a:endParaRPr lang="en-US" altLang="ko-KR" sz="1000" dirty="0" smtClean="0">
+              <a:latin typeface="현대하모니 B" panose="02020603020101020101" pitchFamily="18" charset="-127"/>
+              <a:ea typeface="현대하모니 B" panose="02020603020101020101" pitchFamily="18" charset="-127"/>
+            </a:endParaRPr>
+          </a:p>
+          <a:p>
+            <a:pPr marL="228600" indent="-228600">
+              <a:buAutoNum type="arabicPeriod"/>
+            </a:pPr>
+            <a:r>
+              <a:rPr lang="ko-KR" altLang="en-US" sz="1000" dirty="0" smtClean="0">
+                <a:latin typeface="현대하모니 B" panose="02020603020101020101" pitchFamily="18" charset="-127"/>
+                <a:ea typeface="현대하모니 B" panose="02020603020101020101" pitchFamily="18" charset="-127"/>
+              </a:rPr>
+              <a:t>수신되는 데이터 모두를 </a:t>
+            </a:r>
+            <a:r>
+              <a:rPr lang="en-US" altLang="ko-KR" sz="1000" dirty="0" smtClean="0">
+                <a:latin typeface="현대하모니 B" panose="02020603020101020101" pitchFamily="18" charset="-127"/>
+                <a:ea typeface="현대하모니 B" panose="02020603020101020101" pitchFamily="18" charset="-127"/>
+              </a:rPr>
+              <a:t>FIFO </a:t>
+            </a:r>
+            <a:r>
+              <a:rPr lang="ko-KR" altLang="en-US" sz="1000" dirty="0" smtClean="0">
+                <a:latin typeface="현대하모니 B" panose="02020603020101020101" pitchFamily="18" charset="-127"/>
+                <a:ea typeface="현대하모니 B" panose="02020603020101020101" pitchFamily="18" charset="-127"/>
+              </a:rPr>
+              <a:t>순으로 처리함으로써 데이터 입력 지연 발생</a:t>
+            </a:r>
+            <a:r>
+              <a:rPr lang="en-US" altLang="ko-KR" sz="1000" dirty="0" smtClean="0">
+                <a:latin typeface="현대하모니 B" panose="02020603020101020101" pitchFamily="18" charset="-127"/>
+                <a:ea typeface="현대하모니 B" panose="02020603020101020101" pitchFamily="18" charset="-127"/>
+              </a:rPr>
+              <a:t/>
+            </a:r>
+            <a:br>
+              <a:rPr lang="en-US" altLang="ko-KR" sz="1000" dirty="0" smtClean="0">
+                <a:latin typeface="현대하모니 B" panose="02020603020101020101" pitchFamily="18" charset="-127"/>
+                <a:ea typeface="현대하모니 B" panose="02020603020101020101" pitchFamily="18" charset="-127"/>
+              </a:rPr>
+            </a:br>
+            <a:endParaRPr lang="en-US" altLang="ko-KR" sz="1000" dirty="0" smtClean="0">
+              <a:latin typeface="현대하모니 B" panose="02020603020101020101" pitchFamily="18" charset="-127"/>
+              <a:ea typeface="현대하모니 B" panose="02020603020101020101" pitchFamily="18" charset="-127"/>
+            </a:endParaRPr>
+          </a:p>
+          <a:p>
+            <a:pPr marL="228600" indent="-228600">
+              <a:buFontTx/>
+              <a:buAutoNum type="arabicPeriod"/>
+            </a:pPr>
+            <a:r>
+              <a:rPr lang="ko-KR" altLang="en-US" sz="1000" dirty="0">
+                <a:latin typeface="현대하모니 B" panose="02020603020101020101" pitchFamily="18" charset="-127"/>
+                <a:ea typeface="현대하모니 B" panose="02020603020101020101" pitchFamily="18" charset="-127"/>
+              </a:rPr>
+              <a:t>모든 </a:t>
+            </a:r>
+            <a:r>
+              <a:rPr lang="en-US" altLang="ko-KR" sz="1000" dirty="0">
+                <a:latin typeface="현대하모니 B" panose="02020603020101020101" pitchFamily="18" charset="-127"/>
+                <a:ea typeface="현대하모니 B" panose="02020603020101020101" pitchFamily="18" charset="-127"/>
+              </a:rPr>
+              <a:t>System</a:t>
+            </a:r>
+            <a:r>
+              <a:rPr lang="ko-KR" altLang="en-US" sz="1000" dirty="0">
+                <a:latin typeface="현대하모니 B" panose="02020603020101020101" pitchFamily="18" charset="-127"/>
+                <a:ea typeface="현대하모니 B" panose="02020603020101020101" pitchFamily="18" charset="-127"/>
+              </a:rPr>
+              <a:t>들이</a:t>
+            </a:r>
+            <a:r>
+              <a:rPr lang="en-US" altLang="ko-KR" sz="1000" dirty="0">
+                <a:latin typeface="현대하모니 B" panose="02020603020101020101" pitchFamily="18" charset="-127"/>
+                <a:ea typeface="현대하모니 B" panose="02020603020101020101" pitchFamily="18" charset="-127"/>
+              </a:rPr>
+              <a:t> </a:t>
+            </a:r>
+            <a:r>
+              <a:rPr lang="ko-KR" altLang="en-US" sz="1000" dirty="0">
+                <a:latin typeface="현대하모니 B" panose="02020603020101020101" pitchFamily="18" charset="-127"/>
+                <a:ea typeface="현대하모니 B" panose="02020603020101020101" pitchFamily="18" charset="-127"/>
+              </a:rPr>
+              <a:t>동일한 </a:t>
+            </a:r>
+            <a:r>
+              <a:rPr lang="en-US" altLang="ko-KR" sz="1000" dirty="0">
+                <a:latin typeface="현대하모니 B" panose="02020603020101020101" pitchFamily="18" charset="-127"/>
+                <a:ea typeface="현대하모니 B" panose="02020603020101020101" pitchFamily="18" charset="-127"/>
+              </a:rPr>
+              <a:t>Database</a:t>
+            </a:r>
+            <a:r>
+              <a:rPr lang="ko-KR" altLang="en-US" sz="1000" dirty="0">
+                <a:latin typeface="현대하모니 B" panose="02020603020101020101" pitchFamily="18" charset="-127"/>
+                <a:ea typeface="현대하모니 B" panose="02020603020101020101" pitchFamily="18" charset="-127"/>
+              </a:rPr>
+              <a:t> </a:t>
+            </a:r>
+            <a:r>
+              <a:rPr lang="en-US" altLang="ko-KR" sz="1000" dirty="0">
+                <a:latin typeface="현대하모니 B" panose="02020603020101020101" pitchFamily="18" charset="-127"/>
+                <a:ea typeface="현대하모니 B" panose="02020603020101020101" pitchFamily="18" charset="-127"/>
+              </a:rPr>
+              <a:t>Server</a:t>
+            </a:r>
+            <a:r>
+              <a:rPr lang="ko-KR" altLang="en-US" sz="1000" dirty="0">
+                <a:latin typeface="현대하모니 B" panose="02020603020101020101" pitchFamily="18" charset="-127"/>
+                <a:ea typeface="현대하모니 B" panose="02020603020101020101" pitchFamily="18" charset="-127"/>
+              </a:rPr>
+              <a:t>를 사용하고 있어</a:t>
+            </a:r>
+            <a:r>
+              <a:rPr lang="en-US" altLang="ko-KR" sz="1000" dirty="0">
+                <a:latin typeface="현대하모니 B" panose="02020603020101020101" pitchFamily="18" charset="-127"/>
+                <a:ea typeface="현대하모니 B" panose="02020603020101020101" pitchFamily="18" charset="-127"/>
+              </a:rPr>
+              <a:t> CPU</a:t>
+            </a:r>
+            <a:r>
+              <a:rPr lang="ko-KR" altLang="en-US" sz="1000" dirty="0">
+                <a:latin typeface="현대하모니 B" panose="02020603020101020101" pitchFamily="18" charset="-127"/>
+                <a:ea typeface="현대하모니 B" panose="02020603020101020101" pitchFamily="18" charset="-127"/>
+              </a:rPr>
+              <a:t>점유율이 높은 </a:t>
+            </a:r>
+            <a:r>
+              <a:rPr lang="en-US" altLang="ko-KR" sz="1000" dirty="0">
+                <a:latin typeface="현대하모니 B" panose="02020603020101020101" pitchFamily="18" charset="-127"/>
+                <a:ea typeface="현대하모니 B" panose="02020603020101020101" pitchFamily="18" charset="-127"/>
+              </a:rPr>
+              <a:t>Query</a:t>
+            </a:r>
+            <a:r>
+              <a:rPr lang="ko-KR" altLang="en-US" sz="1000" dirty="0">
+                <a:latin typeface="현대하모니 B" panose="02020603020101020101" pitchFamily="18" charset="-127"/>
+                <a:ea typeface="현대하모니 B" panose="02020603020101020101" pitchFamily="18" charset="-127"/>
+              </a:rPr>
+              <a:t>가 다수 실행되는 경우 전체 </a:t>
+            </a:r>
+            <a:r>
+              <a:rPr lang="en-US" altLang="ko-KR" sz="1000" dirty="0">
+                <a:latin typeface="현대하모니 B" panose="02020603020101020101" pitchFamily="18" charset="-127"/>
+                <a:ea typeface="현대하모니 B" panose="02020603020101020101" pitchFamily="18" charset="-127"/>
+              </a:rPr>
+              <a:t>System</a:t>
+            </a:r>
+            <a:r>
+              <a:rPr lang="ko-KR" altLang="en-US" sz="1000" dirty="0">
+                <a:latin typeface="현대하모니 B" panose="02020603020101020101" pitchFamily="18" charset="-127"/>
+                <a:ea typeface="현대하모니 B" panose="02020603020101020101" pitchFamily="18" charset="-127"/>
+              </a:rPr>
+              <a:t>에 </a:t>
+            </a:r>
+            <a:r>
+              <a:rPr lang="en-US" altLang="ko-KR" sz="1000" dirty="0">
+                <a:latin typeface="현대하모니 B" panose="02020603020101020101" pitchFamily="18" charset="-127"/>
+                <a:ea typeface="현대하모니 B" panose="02020603020101020101" pitchFamily="18" charset="-127"/>
+              </a:rPr>
+              <a:t>Timeout </a:t>
+            </a:r>
+            <a:r>
+              <a:rPr lang="ko-KR" altLang="en-US" sz="1000" dirty="0" smtClean="0">
+                <a:latin typeface="현대하모니 B" panose="02020603020101020101" pitchFamily="18" charset="-127"/>
+                <a:ea typeface="현대하모니 B" panose="02020603020101020101" pitchFamily="18" charset="-127"/>
+              </a:rPr>
+              <a:t>발생</a:t>
+            </a:r>
+            <a:r>
+              <a:rPr lang="en-US" altLang="ko-KR" sz="1000" dirty="0" smtClean="0">
+                <a:latin typeface="현대하모니 B" panose="02020603020101020101" pitchFamily="18" charset="-127"/>
+                <a:ea typeface="현대하모니 B" panose="02020603020101020101" pitchFamily="18" charset="-127"/>
+              </a:rPr>
+              <a:t> </a:t>
+            </a:r>
+            <a:endParaRPr lang="en-US" altLang="ko-KR" sz="1000" dirty="0" smtClean="0">
+              <a:latin typeface="현대하모니 B" panose="02020603020101020101" pitchFamily="18" charset="-127"/>
+              <a:ea typeface="현대하모니 B" panose="02020603020101020101" pitchFamily="18" charset="-127"/>
+            </a:endParaRPr>
+          </a:p>
+        </p:txBody>
+      </p:sp>
+      <p:sp>
+        <p:nvSpPr>
+          <p:cNvPr id="35" name="직사각형 34">
+            <a:extLst>
+              <a:ext uri="{FF2B5EF4-FFF2-40B4-BE49-F238E27FC236}">
+                <a16:creationId xmlns:a16="http://schemas.microsoft.com/office/drawing/2014/main" id="{9279B9C4-4373-59E1-49F3-97C1BCBA9C8C}"/>
+              </a:ext>
+            </a:extLst>
+          </p:cNvPr>
+          <p:cNvSpPr/>
+          <p:nvPr/>
+        </p:nvSpPr>
+        <p:spPr>
+          <a:xfrm>
+            <a:off x="6284048" y="3983132"/>
+            <a:ext cx="2363565" cy="1785104"/>
+          </a:xfrm>
+          <a:prstGeom prst="rect">
+            <a:avLst/>
+          </a:prstGeom>
+        </p:spPr>
+        <p:txBody>
+          <a:bodyPr wrap="square">
+            <a:spAutoFit/>
+          </a:bodyPr>
+          <a:lstStyle/>
+          <a:p>
+            <a:r>
+              <a:rPr lang="en-US" altLang="ko-KR" sz="1000" dirty="0" smtClean="0">
+                <a:latin typeface="현대하모니 B" panose="02020603020101020101" pitchFamily="18" charset="-127"/>
+                <a:ea typeface="현대하모니 B" panose="02020603020101020101" pitchFamily="18" charset="-127"/>
+              </a:rPr>
+              <a:t>TO-BE</a:t>
+            </a:r>
+            <a:br>
+              <a:rPr lang="en-US" altLang="ko-KR" sz="1000" dirty="0" smtClean="0">
+                <a:latin typeface="현대하모니 B" panose="02020603020101020101" pitchFamily="18" charset="-127"/>
+                <a:ea typeface="현대하모니 B" panose="02020603020101020101" pitchFamily="18" charset="-127"/>
+              </a:rPr>
+            </a:br>
+            <a:endParaRPr lang="en-US" altLang="ko-KR" sz="1000" dirty="0" smtClean="0">
+              <a:latin typeface="현대하모니 B" panose="02020603020101020101" pitchFamily="18" charset="-127"/>
+              <a:ea typeface="현대하모니 B" panose="02020603020101020101" pitchFamily="18" charset="-127"/>
+            </a:endParaRPr>
+          </a:p>
+          <a:p>
+            <a:pPr marL="228600" indent="-228600">
+              <a:buAutoNum type="arabicPeriod"/>
+            </a:pPr>
+            <a:r>
+              <a:rPr lang="en-US" altLang="ko-KR" sz="1000" dirty="0" smtClean="0">
+                <a:latin typeface="현대하모니 B" panose="02020603020101020101" pitchFamily="18" charset="-127"/>
+                <a:ea typeface="현대하모니 B" panose="02020603020101020101" pitchFamily="18" charset="-127"/>
+              </a:rPr>
+              <a:t>Thread</a:t>
+            </a:r>
+            <a:r>
+              <a:rPr lang="ko-KR" altLang="en-US" sz="1000" dirty="0" smtClean="0">
+                <a:latin typeface="현대하모니 B" panose="02020603020101020101" pitchFamily="18" charset="-127"/>
+                <a:ea typeface="현대하모니 B" panose="02020603020101020101" pitchFamily="18" charset="-127"/>
+              </a:rPr>
+              <a:t>가 처리하는 최대 파일 개수를 설정하여 </a:t>
+            </a:r>
+            <a:r>
+              <a:rPr lang="en-US" altLang="ko-KR" sz="1000" dirty="0" smtClean="0">
+                <a:latin typeface="현대하모니 B" panose="02020603020101020101" pitchFamily="18" charset="-127"/>
+                <a:ea typeface="현대하모니 B" panose="02020603020101020101" pitchFamily="18" charset="-127"/>
+              </a:rPr>
+              <a:t>item</a:t>
+            </a:r>
+            <a:r>
+              <a:rPr lang="ko-KR" altLang="en-US" sz="1000" dirty="0" smtClean="0">
+                <a:latin typeface="현대하모니 B" panose="02020603020101020101" pitchFamily="18" charset="-127"/>
+                <a:ea typeface="현대하모니 B" panose="02020603020101020101" pitchFamily="18" charset="-127"/>
+              </a:rPr>
+              <a:t>별로 병렬적으로 입력될 수 있도록 수정</a:t>
+            </a:r>
+            <a:r>
+              <a:rPr lang="en-US" altLang="ko-KR" sz="1000" dirty="0" smtClean="0">
+                <a:latin typeface="현대하모니 B" panose="02020603020101020101" pitchFamily="18" charset="-127"/>
+                <a:ea typeface="현대하모니 B" panose="02020603020101020101" pitchFamily="18" charset="-127"/>
+              </a:rPr>
+              <a:t/>
+            </a:r>
+            <a:br>
+              <a:rPr lang="en-US" altLang="ko-KR" sz="1000" dirty="0" smtClean="0">
+                <a:latin typeface="현대하모니 B" panose="02020603020101020101" pitchFamily="18" charset="-127"/>
+                <a:ea typeface="현대하모니 B" panose="02020603020101020101" pitchFamily="18" charset="-127"/>
+              </a:rPr>
+            </a:br>
+            <a:endParaRPr lang="en-US" altLang="ko-KR" sz="1000" dirty="0" smtClean="0">
+              <a:latin typeface="현대하모니 B" panose="02020603020101020101" pitchFamily="18" charset="-127"/>
+              <a:ea typeface="현대하모니 B" panose="02020603020101020101" pitchFamily="18" charset="-127"/>
+            </a:endParaRPr>
+          </a:p>
+          <a:p>
+            <a:pPr marL="228600" indent="-228600">
+              <a:buAutoNum type="arabicPeriod"/>
+            </a:pPr>
+            <a:r>
+              <a:rPr lang="en-US" altLang="ko-KR" sz="1000" dirty="0" smtClean="0">
+                <a:latin typeface="현대하모니 B" panose="02020603020101020101" pitchFamily="18" charset="-127"/>
+                <a:ea typeface="현대하모니 B" panose="02020603020101020101" pitchFamily="18" charset="-127"/>
+              </a:rPr>
+              <a:t>CPU</a:t>
+            </a:r>
+            <a:r>
+              <a:rPr lang="ko-KR" altLang="en-US" sz="1000" dirty="0" smtClean="0">
+                <a:latin typeface="현대하모니 B" panose="02020603020101020101" pitchFamily="18" charset="-127"/>
+                <a:ea typeface="현대하모니 B" panose="02020603020101020101" pitchFamily="18" charset="-127"/>
+              </a:rPr>
+              <a:t>점유율이 높은 </a:t>
+            </a:r>
+            <a:r>
+              <a:rPr lang="en-US" altLang="ko-KR" sz="1000" dirty="0" smtClean="0">
+                <a:latin typeface="현대하모니 B" panose="02020603020101020101" pitchFamily="18" charset="-127"/>
+                <a:ea typeface="현대하모니 B" panose="02020603020101020101" pitchFamily="18" charset="-127"/>
+              </a:rPr>
+              <a:t>Query</a:t>
+            </a:r>
+            <a:r>
+              <a:rPr lang="ko-KR" altLang="en-US" sz="1000" dirty="0" smtClean="0">
+                <a:latin typeface="현대하모니 B" panose="02020603020101020101" pitchFamily="18" charset="-127"/>
+                <a:ea typeface="현대하모니 B" panose="02020603020101020101" pitchFamily="18" charset="-127"/>
+              </a:rPr>
+              <a:t>를 자주 발생시키는 </a:t>
+            </a:r>
+            <a:r>
+              <a:rPr lang="en-US" altLang="ko-KR" sz="1000" dirty="0" smtClean="0">
+                <a:latin typeface="현대하모니 B" panose="02020603020101020101" pitchFamily="18" charset="-127"/>
+                <a:ea typeface="현대하모니 B" panose="02020603020101020101" pitchFamily="18" charset="-127"/>
+              </a:rPr>
+              <a:t>item</a:t>
+            </a:r>
+            <a:r>
+              <a:rPr lang="ko-KR" altLang="en-US" sz="1000" dirty="0" smtClean="0">
+                <a:latin typeface="현대하모니 B" panose="02020603020101020101" pitchFamily="18" charset="-127"/>
+                <a:ea typeface="현대하모니 B" panose="02020603020101020101" pitchFamily="18" charset="-127"/>
+              </a:rPr>
+              <a:t>에 대해 전용 </a:t>
+            </a:r>
+            <a:r>
+              <a:rPr lang="en-US" altLang="ko-KR" sz="1000" dirty="0" smtClean="0">
+                <a:latin typeface="현대하모니 B" panose="02020603020101020101" pitchFamily="18" charset="-127"/>
+                <a:ea typeface="현대하모니 B" panose="02020603020101020101" pitchFamily="18" charset="-127"/>
+              </a:rPr>
+              <a:t>Thread</a:t>
+            </a:r>
+            <a:r>
+              <a:rPr lang="ko-KR" altLang="en-US" sz="1000" dirty="0" smtClean="0">
+                <a:latin typeface="현대하모니 B" panose="02020603020101020101" pitchFamily="18" charset="-127"/>
+                <a:ea typeface="현대하모니 B" panose="02020603020101020101" pitchFamily="18" charset="-127"/>
+              </a:rPr>
+              <a:t>를 생성해 분리하고 최대 개수를 지정하여 </a:t>
+            </a:r>
+            <a:r>
+              <a:rPr lang="en-US" altLang="ko-KR" sz="1000" dirty="0" smtClean="0">
+                <a:latin typeface="현대하모니 B" panose="02020603020101020101" pitchFamily="18" charset="-127"/>
+                <a:ea typeface="현대하모니 B" panose="02020603020101020101" pitchFamily="18" charset="-127"/>
+              </a:rPr>
+              <a:t>Database </a:t>
+            </a:r>
+            <a:r>
+              <a:rPr lang="ko-KR" altLang="en-US" sz="1000" dirty="0" smtClean="0">
+                <a:latin typeface="현대하모니 B" panose="02020603020101020101" pitchFamily="18" charset="-127"/>
+                <a:ea typeface="현대하모니 B" panose="02020603020101020101" pitchFamily="18" charset="-127"/>
+              </a:rPr>
+              <a:t>부하 최소화</a:t>
+            </a:r>
+            <a:endParaRPr lang="en-US" altLang="ko-KR" sz="1000" dirty="0" smtClean="0">
+              <a:latin typeface="현대하모니 B" panose="02020603020101020101" pitchFamily="18" charset="-127"/>
+              <a:ea typeface="현대하모니 B" panose="02020603020101020101" pitchFamily="18" charset="-127"/>
+            </a:endParaRPr>
+          </a:p>
+          <a:p>
+            <a:r>
+              <a:rPr lang="en-US" altLang="ko-KR" sz="1000" dirty="0" smtClean="0">
+                <a:latin typeface="현대하모니 B" panose="02020603020101020101" pitchFamily="18" charset="-127"/>
+                <a:ea typeface="현대하모니 B" panose="02020603020101020101" pitchFamily="18" charset="-127"/>
+              </a:rPr>
+              <a:t> </a:t>
+            </a:r>
+            <a:endParaRPr lang="en-US" altLang="ko-KR" sz="1000" dirty="0" smtClean="0">
+              <a:latin typeface="현대하모니 B" panose="02020603020101020101" pitchFamily="18" charset="-127"/>
+              <a:ea typeface="현대하모니 B" panose="02020603020101020101" pitchFamily="18" charset="-127"/>
+            </a:endParaRPr>
+          </a:p>
+        </p:txBody>
+      </p:sp>
+      <p:sp>
+        <p:nvSpPr>
+          <p:cNvPr id="36" name="직사각형 35">
+            <a:extLst>
+              <a:ext uri="{FF2B5EF4-FFF2-40B4-BE49-F238E27FC236}">
+                <a16:creationId xmlns:a16="http://schemas.microsoft.com/office/drawing/2014/main" id="{909668C4-1BF4-4ED3-7629-284DFFA5E9F1}"/>
+              </a:ext>
+            </a:extLst>
+          </p:cNvPr>
+          <p:cNvSpPr/>
+          <p:nvPr/>
+        </p:nvSpPr>
+        <p:spPr>
+          <a:xfrm>
+            <a:off x="353900" y="5549134"/>
+            <a:ext cx="8489654" cy="784830"/>
+          </a:xfrm>
+          <a:prstGeom prst="rect">
+            <a:avLst/>
+          </a:prstGeom>
+        </p:spPr>
+        <p:txBody>
+          <a:bodyPr wrap="square">
+            <a:spAutoFit/>
+          </a:bodyPr>
+          <a:lstStyle/>
+          <a:p>
+            <a:pPr>
+              <a:lnSpc>
+                <a:spcPct val="150000"/>
+              </a:lnSpc>
+            </a:pPr>
+            <a:r>
+              <a:rPr lang="en-US" altLang="ko-KR" sz="1000" dirty="0" smtClean="0">
+                <a:latin typeface="현대하모니 B" panose="02020603020101020101" pitchFamily="18" charset="-127"/>
+                <a:ea typeface="현대하모니 B" panose="02020603020101020101" pitchFamily="18" charset="-127"/>
+              </a:rPr>
+              <a:t>[</a:t>
+            </a:r>
+            <a:r>
+              <a:rPr lang="ko-KR" altLang="en-US" sz="1000" dirty="0" smtClean="0">
+                <a:latin typeface="현대하모니 B" panose="02020603020101020101" pitchFamily="18" charset="-127"/>
+                <a:ea typeface="현대하모니 B" panose="02020603020101020101" pitchFamily="18" charset="-127"/>
+              </a:rPr>
+              <a:t>성과</a:t>
+            </a:r>
+            <a:r>
+              <a:rPr lang="en-US" altLang="ko-KR" sz="1000" dirty="0" smtClean="0">
+                <a:latin typeface="현대하모니 B" panose="02020603020101020101" pitchFamily="18" charset="-127"/>
+                <a:ea typeface="현대하모니 B" panose="02020603020101020101" pitchFamily="18" charset="-127"/>
+              </a:rPr>
+              <a:t>]</a:t>
+            </a:r>
+          </a:p>
+          <a:p>
+            <a:pPr>
+              <a:lnSpc>
+                <a:spcPct val="150000"/>
+              </a:lnSpc>
+            </a:pPr>
+            <a:r>
+              <a:rPr lang="en-US" altLang="ko-KR" sz="1000" dirty="0">
+                <a:latin typeface="현대하모니 B" panose="02020603020101020101" pitchFamily="18" charset="-127"/>
+                <a:ea typeface="현대하모니 B" panose="02020603020101020101" pitchFamily="18" charset="-127"/>
+              </a:rPr>
+              <a:t>1. </a:t>
+            </a:r>
+            <a:r>
+              <a:rPr lang="ko-KR" altLang="en-US" sz="1000" dirty="0">
+                <a:latin typeface="현대하모니 B" panose="02020603020101020101" pitchFamily="18" charset="-127"/>
+                <a:ea typeface="현대하모니 B" panose="02020603020101020101" pitchFamily="18" charset="-127"/>
+              </a:rPr>
+              <a:t>기존 방식은 </a:t>
+            </a:r>
+            <a:r>
+              <a:rPr lang="en-US" altLang="ko-KR" sz="1000" dirty="0">
+                <a:latin typeface="현대하모니 B" panose="02020603020101020101" pitchFamily="18" charset="-127"/>
+                <a:ea typeface="현대하모니 B" panose="02020603020101020101" pitchFamily="18" charset="-127"/>
+              </a:rPr>
+              <a:t>FIFO</a:t>
+            </a:r>
+            <a:r>
+              <a:rPr lang="ko-KR" altLang="en-US" sz="1000" dirty="0">
+                <a:latin typeface="현대하모니 B" panose="02020603020101020101" pitchFamily="18" charset="-127"/>
+                <a:ea typeface="현대하모니 B" panose="02020603020101020101" pitchFamily="18" charset="-127"/>
+              </a:rPr>
+              <a:t>순으로 처리하여 데이터 양이 많은 경우 한 가지 </a:t>
+            </a:r>
+            <a:r>
+              <a:rPr lang="en-US" altLang="ko-KR" sz="1000" dirty="0">
+                <a:latin typeface="현대하모니 B" panose="02020603020101020101" pitchFamily="18" charset="-127"/>
+                <a:ea typeface="현대하모니 B" panose="02020603020101020101" pitchFamily="18" charset="-127"/>
+              </a:rPr>
+              <a:t>item</a:t>
+            </a:r>
+            <a:r>
+              <a:rPr lang="ko-KR" altLang="en-US" sz="1000" dirty="0">
+                <a:latin typeface="현대하모니 B" panose="02020603020101020101" pitchFamily="18" charset="-127"/>
+                <a:ea typeface="현대하모니 B" panose="02020603020101020101" pitchFamily="18" charset="-127"/>
+              </a:rPr>
+              <a:t>이 입력되었지만 여러가지 </a:t>
+            </a:r>
+            <a:r>
+              <a:rPr lang="en-US" altLang="ko-KR" sz="1000" dirty="0">
+                <a:latin typeface="현대하모니 B" panose="02020603020101020101" pitchFamily="18" charset="-127"/>
+                <a:ea typeface="현대하모니 B" panose="02020603020101020101" pitchFamily="18" charset="-127"/>
+              </a:rPr>
+              <a:t>item</a:t>
+            </a:r>
+            <a:r>
+              <a:rPr lang="ko-KR" altLang="en-US" sz="1000" dirty="0">
+                <a:latin typeface="현대하모니 B" panose="02020603020101020101" pitchFamily="18" charset="-127"/>
+                <a:ea typeface="현대하모니 B" panose="02020603020101020101" pitchFamily="18" charset="-127"/>
+              </a:rPr>
+              <a:t>을 넣을 수 있도록 변경하여 데이터 </a:t>
+            </a:r>
+            <a:r>
+              <a:rPr lang="ko-KR" altLang="en-US" sz="1000" dirty="0" err="1">
+                <a:latin typeface="현대하모니 B" panose="02020603020101020101" pitchFamily="18" charset="-127"/>
+                <a:ea typeface="현대하모니 B" panose="02020603020101020101" pitchFamily="18" charset="-127"/>
+              </a:rPr>
+              <a:t>입력지연</a:t>
+            </a:r>
+            <a:r>
+              <a:rPr lang="ko-KR" altLang="en-US" sz="1000" dirty="0">
+                <a:latin typeface="현대하모니 B" panose="02020603020101020101" pitchFamily="18" charset="-127"/>
+                <a:ea typeface="현대하모니 B" panose="02020603020101020101" pitchFamily="18" charset="-127"/>
+              </a:rPr>
+              <a:t> 최소화</a:t>
+            </a:r>
+          </a:p>
+          <a:p>
+            <a:pPr>
+              <a:lnSpc>
+                <a:spcPct val="150000"/>
+              </a:lnSpc>
+            </a:pPr>
+            <a:r>
+              <a:rPr lang="en-US" altLang="ko-KR" sz="1000" dirty="0">
+                <a:latin typeface="현대하모니 B" panose="02020603020101020101" pitchFamily="18" charset="-127"/>
+                <a:ea typeface="현대하모니 B" panose="02020603020101020101" pitchFamily="18" charset="-127"/>
+              </a:rPr>
+              <a:t>2. Database Server CPU</a:t>
+            </a:r>
+            <a:r>
+              <a:rPr lang="ko-KR" altLang="en-US" sz="1000" dirty="0">
+                <a:latin typeface="현대하모니 B" panose="02020603020101020101" pitchFamily="18" charset="-127"/>
+                <a:ea typeface="현대하모니 B" panose="02020603020101020101" pitchFamily="18" charset="-127"/>
+              </a:rPr>
+              <a:t>사용률 </a:t>
+            </a:r>
+            <a:r>
+              <a:rPr lang="ko-KR" altLang="en-US" sz="1000" dirty="0" smtClean="0">
+                <a:latin typeface="현대하모니 B" panose="02020603020101020101" pitchFamily="18" charset="-127"/>
+                <a:ea typeface="현대하모니 B" panose="02020603020101020101" pitchFamily="18" charset="-127"/>
+              </a:rPr>
+              <a:t>정상화되어 </a:t>
+            </a:r>
+            <a:r>
+              <a:rPr lang="en-US" altLang="ko-KR" sz="1000" dirty="0">
+                <a:latin typeface="현대하모니 B" panose="02020603020101020101" pitchFamily="18" charset="-127"/>
+                <a:ea typeface="현대하모니 B" panose="02020603020101020101" pitchFamily="18" charset="-127"/>
+              </a:rPr>
+              <a:t>System timeout </a:t>
+            </a:r>
+            <a:r>
+              <a:rPr lang="ko-KR" altLang="en-US" sz="1000" dirty="0">
+                <a:latin typeface="현대하모니 B" panose="02020603020101020101" pitchFamily="18" charset="-127"/>
+                <a:ea typeface="현대하모니 B" panose="02020603020101020101" pitchFamily="18" charset="-127"/>
+              </a:rPr>
+              <a:t>해결</a:t>
+            </a:r>
+            <a:endParaRPr lang="en-US" altLang="ko-KR" sz="1000" dirty="0" smtClean="0">
+              <a:latin typeface="현대하모니 B" panose="02020603020101020101" pitchFamily="18" charset="-127"/>
+              <a:ea typeface="현대하모니 B" panose="02020603020101020101" pitchFamily="18" charset="-127"/>
+            </a:endParaRPr>
+          </a:p>
+        </p:txBody>
+      </p:sp>
+    </p:spTree>
+    <p:extLst>
+      <p:ext uri="{BB962C8B-B14F-4D97-AF65-F5344CB8AC3E}">
+        <p14:creationId xmlns:p14="http://schemas.microsoft.com/office/powerpoint/2010/main" val="293496196"/>
+      </p:ext>
+    </p:extLst>
+  </p:cSld>
+  <p:clrMapOvr>
+    <a:masterClrMapping/>
+  </p:clrMapOvr>
+  <p:timing>
+    <p:tnLst>
+      <p:par>
+        <p:cTn id="1" dur="indefinite" restart="never" nodeType="tmRoot"/>
+      </p:par>
+    </p:tnLst>
+  </p:timing>
+</p:sld>
+</file>
+
+<file path=ppt/slides/slide6.xml><?xml version="1.0" encoding="utf-8"?>
+<p:sld xmlns:a="http://schemas.openxmlformats.org/drawingml/2006/main" xmlns:r="http://schemas.openxmlformats.org/officeDocument/2006/relationships" xmlns:p="http://schemas.openxmlformats.org/presentationml/2006/main">
+  <p:cSld>
+    <p:spTree>
+      <p:nvGrpSpPr>
+        <p:cNvPr id="1" name=""/>
+        <p:cNvGrpSpPr/>
+        <p:nvPr/>
+      </p:nvGrpSpPr>
+      <p:grpSpPr>
+        <a:xfrm>
+          <a:off x="0" y="0"/>
+          <a:ext cx="0" cy="0"/>
+          <a:chOff x="0" y="0"/>
+          <a:chExt cx="0" cy="0"/>
+        </a:xfrm>
+      </p:grpSpPr>
+      <p:sp>
+        <p:nvSpPr>
+          <p:cNvPr id="2" name="제목 1"/>
+          <p:cNvSpPr>
+            <a:spLocks noGrp="1"/>
+          </p:cNvSpPr>
+          <p:nvPr>
+            <p:ph type="title"/>
+          </p:nvPr>
+        </p:nvSpPr>
+        <p:spPr/>
+        <p:txBody>
+          <a:bodyPr/>
+          <a:lstStyle/>
+          <a:p>
+            <a:r>
+              <a:rPr lang="en-US" altLang="ko-KR" dirty="0"/>
+              <a:t>I</a:t>
+            </a:r>
+            <a:r>
+              <a:rPr lang="en-US" altLang="ko-KR" dirty="0" smtClean="0"/>
+              <a:t>V</a:t>
+            </a:r>
+            <a:r>
+              <a:rPr lang="en-US" altLang="ko-KR" dirty="0" smtClean="0"/>
+              <a:t>. </a:t>
+            </a:r>
+            <a:r>
+              <a:rPr lang="en-US" altLang="ko-KR" dirty="0" err="1" smtClean="0"/>
+              <a:t>Etc</a:t>
+            </a:r>
+            <a:endParaRPr lang="ko-KR" altLang="en-US" dirty="0"/>
+          </a:p>
+        </p:txBody>
+      </p:sp>
+      <p:sp>
+        <p:nvSpPr>
+          <p:cNvPr id="4" name="내용 개체 틀 5">
+            <a:extLst>
+              <a:ext uri="{FF2B5EF4-FFF2-40B4-BE49-F238E27FC236}">
+                <a16:creationId xmlns:a16="http://schemas.microsoft.com/office/drawing/2014/main" id="{E82A5FAB-6C6B-6D17-C6D5-B36C22C11895}"/>
+              </a:ext>
+            </a:extLst>
+          </p:cNvPr>
+          <p:cNvSpPr txBox="1">
+            <a:spLocks/>
+          </p:cNvSpPr>
+          <p:nvPr/>
+        </p:nvSpPr>
+        <p:spPr>
+          <a:xfrm>
+            <a:off x="457200" y="920125"/>
+            <a:ext cx="8229600" cy="5284731"/>
+          </a:xfrm>
+          <a:prstGeom prst="rect">
+            <a:avLst/>
+          </a:prstGeom>
+        </p:spPr>
+        <p:txBody>
+          <a:bodyPr vert="horz" lIns="91440" tIns="45720" rIns="91440" bIns="45720" rtlCol="0">
+            <a:normAutofit/>
+          </a:bodyPr>
+          <a:lstStyle>
+            <a:lvl1pPr marL="342900" indent="-342900" algn="l" defTabSz="914400" rtl="0" eaLnBrk="1" latinLnBrk="1" hangingPunct="1">
+              <a:spcBef>
+                <a:spcPct val="20000"/>
+              </a:spcBef>
+              <a:buFont typeface="Arial" pitchFamily="34" charset="0"/>
+              <a:buNone/>
+              <a:defRPr lang="ko-KR" altLang="en-US" sz="2000" kern="1200" baseline="0">
+                <a:solidFill>
+                  <a:schemeClr val="tx1">
+                    <a:lumMod val="65000"/>
+                    <a:lumOff val="35000"/>
+                  </a:schemeClr>
+                </a:solidFill>
+                <a:latin typeface="Noto Sans" pitchFamily="34" charset="0"/>
+                <a:ea typeface="맑은 고딕" pitchFamily="50" charset="-127"/>
+                <a:cs typeface="+mn-cs"/>
+              </a:defRPr>
+            </a:lvl1pPr>
+            <a:lvl2pPr marL="742950" indent="-285750" algn="l" defTabSz="914400" rtl="0" eaLnBrk="1" latinLnBrk="1" hangingPunct="1">
+              <a:spcBef>
+                <a:spcPct val="20000"/>
+              </a:spcBef>
+              <a:buFont typeface="Arial" pitchFamily="34" charset="0"/>
+              <a:buNone/>
+              <a:defRPr lang="ko-KR" altLang="en-US" sz="1800" kern="1200" baseline="0">
+                <a:solidFill>
+                  <a:schemeClr val="tx1">
+                    <a:lumMod val="65000"/>
+                    <a:lumOff val="35000"/>
+                  </a:schemeClr>
+                </a:solidFill>
+                <a:latin typeface="Noto Sans" pitchFamily="34" charset="0"/>
+                <a:ea typeface="맑은 고딕" pitchFamily="50" charset="-127"/>
+                <a:cs typeface="+mn-cs"/>
+              </a:defRPr>
+            </a:lvl2pPr>
+            <a:lvl3pPr marL="1143000" indent="-228600" algn="l" defTabSz="914400" rtl="0" eaLnBrk="1" latinLnBrk="1" hangingPunct="1">
+              <a:spcBef>
+                <a:spcPct val="20000"/>
+              </a:spcBef>
+              <a:buFont typeface="Arial" pitchFamily="34" charset="0"/>
+              <a:buNone/>
+              <a:defRPr lang="ko-KR" altLang="en-US" sz="1800" kern="1200" baseline="0">
+                <a:solidFill>
+                  <a:schemeClr val="tx1">
+                    <a:lumMod val="65000"/>
+                    <a:lumOff val="35000"/>
+                  </a:schemeClr>
+                </a:solidFill>
+                <a:latin typeface="Noto Sans" pitchFamily="34" charset="0"/>
+                <a:ea typeface="맑은 고딕" pitchFamily="50" charset="-127"/>
+                <a:cs typeface="+mn-cs"/>
+              </a:defRPr>
+            </a:lvl3pPr>
+            <a:lvl4pPr marL="1600200" indent="-228600" algn="l" defTabSz="914400" rtl="0" eaLnBrk="1" latinLnBrk="1" hangingPunct="1">
+              <a:spcBef>
+                <a:spcPct val="20000"/>
+              </a:spcBef>
+              <a:buFont typeface="Arial" pitchFamily="34" charset="0"/>
+              <a:buNone/>
+              <a:defRPr lang="ko-KR" altLang="en-US" sz="1800" kern="1200" baseline="0">
+                <a:solidFill>
+                  <a:schemeClr val="tx1">
+                    <a:lumMod val="65000"/>
+                    <a:lumOff val="35000"/>
+                  </a:schemeClr>
+                </a:solidFill>
+                <a:latin typeface="Noto Sans" pitchFamily="34" charset="0"/>
+                <a:ea typeface="맑은 고딕" pitchFamily="50" charset="-127"/>
+                <a:cs typeface="+mn-cs"/>
+              </a:defRPr>
+            </a:lvl4pPr>
+            <a:lvl5pPr marL="2057400" indent="-228600" algn="l" defTabSz="914400" rtl="0" eaLnBrk="1" latinLnBrk="1" hangingPunct="1">
+              <a:spcBef>
+                <a:spcPct val="20000"/>
+              </a:spcBef>
+              <a:buFont typeface="Arial" pitchFamily="34" charset="0"/>
+              <a:buNone/>
+              <a:defRPr lang="ko-KR" altLang="en-US" sz="1800" kern="1200" baseline="0">
+                <a:solidFill>
+                  <a:schemeClr val="tx1">
+                    <a:lumMod val="65000"/>
+                    <a:lumOff val="35000"/>
+                  </a:schemeClr>
+                </a:solidFill>
+                <a:latin typeface="Noto Sans" pitchFamily="34" charset="0"/>
+                <a:ea typeface="맑은 고딕" pitchFamily="50" charset="-127"/>
+                <a:cs typeface="+mn-cs"/>
+              </a:defRPr>
+            </a:lvl5pPr>
+            <a:lvl6pPr marL="2514600" indent="-228600" algn="l" defTabSz="914400" rtl="0" eaLnBrk="1" latinLnBrk="1" hangingPunct="1">
+              <a:spcBef>
+                <a:spcPct val="20000"/>
+              </a:spcBef>
+              <a:buFont typeface="Arial" pitchFamily="34" charset="0"/>
+              <a:buChar char="•"/>
+              <a:defRPr sz="2000" kern="1200">
+                <a:solidFill>
+                  <a:schemeClr val="tx1"/>
+                </a:solidFill>
+                <a:latin typeface="+mn-lt"/>
+                <a:ea typeface="+mn-ea"/>
+                <a:cs typeface="+mn-cs"/>
+              </a:defRPr>
+            </a:lvl6pPr>
+            <a:lvl7pPr marL="2971800" indent="-228600" algn="l" defTabSz="914400" rtl="0" eaLnBrk="1" latinLnBrk="1" hangingPunct="1">
+              <a:spcBef>
+                <a:spcPct val="20000"/>
+              </a:spcBef>
+              <a:buFont typeface="Arial" pitchFamily="34" charset="0"/>
+              <a:buChar char="•"/>
+              <a:defRPr sz="2000" kern="1200">
+                <a:solidFill>
+                  <a:schemeClr val="tx1"/>
+                </a:solidFill>
+                <a:latin typeface="+mn-lt"/>
+                <a:ea typeface="+mn-ea"/>
+                <a:cs typeface="+mn-cs"/>
+              </a:defRPr>
+            </a:lvl7pPr>
+            <a:lvl8pPr marL="3429000" indent="-228600" algn="l" defTabSz="914400" rtl="0" eaLnBrk="1" latinLnBrk="1" hangingPunct="1">
+              <a:spcBef>
+                <a:spcPct val="20000"/>
+              </a:spcBef>
+              <a:buFont typeface="Arial" pitchFamily="34" charset="0"/>
+              <a:buChar char="•"/>
+              <a:defRPr sz="2000" kern="1200">
+                <a:solidFill>
+                  <a:schemeClr val="tx1"/>
+                </a:solidFill>
+                <a:latin typeface="+mn-lt"/>
+                <a:ea typeface="+mn-ea"/>
+                <a:cs typeface="+mn-cs"/>
+              </a:defRPr>
+            </a:lvl8pPr>
+            <a:lvl9pPr marL="3886200" indent="-228600" algn="l" defTabSz="914400" rtl="0" eaLnBrk="1" latinLnBrk="1" hangingPunct="1">
+              <a:spcBef>
+                <a:spcPct val="20000"/>
+              </a:spcBef>
+              <a:buFont typeface="Arial" pitchFamily="34" charset="0"/>
+              <a:buChar char="•"/>
+              <a:defRPr sz="2000" kern="1200">
+                <a:solidFill>
+                  <a:schemeClr val="tx1"/>
+                </a:solidFill>
+                <a:latin typeface="+mn-lt"/>
+                <a:ea typeface="+mn-ea"/>
+                <a:cs typeface="+mn-cs"/>
+              </a:defRPr>
+            </a:lvl9pPr>
+          </a:lstStyle>
+          <a:p>
+            <a:r>
+              <a:rPr lang="en-US" altLang="ko-KR" sz="1100" b="1" dirty="0" smtClean="0">
+                <a:solidFill>
+                  <a:schemeClr val="tx1"/>
+                </a:solidFill>
+                <a:latin typeface="현대하모니 B" panose="02020603020101020101" pitchFamily="18" charset="-127"/>
+                <a:ea typeface="현대하모니 B" panose="02020603020101020101" pitchFamily="18" charset="-127"/>
+                <a:sym typeface="Wingdings" panose="05000000000000000000" pitchFamily="2" charset="2"/>
+              </a:rPr>
+              <a:t>[Offer </a:t>
+            </a:r>
+            <a:r>
+              <a:rPr lang="en-US" altLang="ko-KR" sz="1100" b="1" dirty="0" smtClean="0">
+                <a:solidFill>
+                  <a:schemeClr val="tx1"/>
+                </a:solidFill>
+                <a:latin typeface="현대하모니 B" panose="02020603020101020101" pitchFamily="18" charset="-127"/>
+                <a:ea typeface="현대하모니 B" panose="02020603020101020101" pitchFamily="18" charset="-127"/>
+                <a:sym typeface="Wingdings" panose="05000000000000000000" pitchFamily="2" charset="2"/>
+              </a:rPr>
+              <a:t>BI</a:t>
+            </a:r>
+            <a:r>
+              <a:rPr lang="en-US" altLang="ko-KR" sz="1100" b="1" dirty="0" smtClean="0">
+                <a:solidFill>
+                  <a:schemeClr val="tx1"/>
+                </a:solidFill>
+                <a:latin typeface="현대하모니 B" panose="02020603020101020101" pitchFamily="18" charset="-127"/>
+                <a:ea typeface="현대하모니 B" panose="02020603020101020101" pitchFamily="18" charset="-127"/>
+                <a:sym typeface="Wingdings" panose="05000000000000000000" pitchFamily="2" charset="2"/>
+              </a:rPr>
+              <a:t> data by created Oracle view]</a:t>
+            </a:r>
+          </a:p>
+          <a:p>
+            <a:r>
+              <a:rPr lang="en-US" altLang="ko-KR" sz="1100" dirty="0" smtClean="0">
+                <a:solidFill>
+                  <a:schemeClr val="bg1">
+                    <a:lumMod val="75000"/>
+                  </a:schemeClr>
+                </a:solidFill>
+                <a:latin typeface="현대하모니 B" panose="02020603020101020101" pitchFamily="18" charset="-127"/>
+                <a:ea typeface="현대하모니 B" panose="02020603020101020101" pitchFamily="18" charset="-127"/>
+                <a:sym typeface="Wingdings" panose="05000000000000000000" pitchFamily="2" charset="2"/>
+              </a:rPr>
+              <a:t>BI(Business Intelligence) </a:t>
+            </a:r>
+            <a:r>
+              <a:rPr lang="ko-KR" altLang="en-US" sz="1100" dirty="0" smtClean="0">
+                <a:solidFill>
+                  <a:schemeClr val="bg1">
+                    <a:lumMod val="75000"/>
+                  </a:schemeClr>
+                </a:solidFill>
+                <a:latin typeface="현대하모니 B" panose="02020603020101020101" pitchFamily="18" charset="-127"/>
+                <a:ea typeface="현대하모니 B" panose="02020603020101020101" pitchFamily="18" charset="-127"/>
+                <a:sym typeface="Wingdings" panose="05000000000000000000" pitchFamily="2" charset="2"/>
+              </a:rPr>
+              <a:t>솔루션  구축을 위한</a:t>
+            </a:r>
+            <a:r>
+              <a:rPr lang="en-US" altLang="ko-KR" sz="1100" dirty="0" smtClean="0">
+                <a:solidFill>
+                  <a:schemeClr val="bg1">
+                    <a:lumMod val="75000"/>
+                  </a:schemeClr>
+                </a:solidFill>
+                <a:latin typeface="현대하모니 B" panose="02020603020101020101" pitchFamily="18" charset="-127"/>
+                <a:ea typeface="현대하모니 B" panose="02020603020101020101" pitchFamily="18" charset="-127"/>
+                <a:sym typeface="Wingdings" panose="05000000000000000000" pitchFamily="2" charset="2"/>
+              </a:rPr>
+              <a:t> </a:t>
+            </a:r>
+            <a:r>
+              <a:rPr lang="ko-KR" altLang="en-US" sz="1100" dirty="0" smtClean="0">
+                <a:solidFill>
+                  <a:schemeClr val="bg1">
+                    <a:lumMod val="75000"/>
+                  </a:schemeClr>
+                </a:solidFill>
+                <a:latin typeface="현대하모니 B" panose="02020603020101020101" pitchFamily="18" charset="-127"/>
+                <a:ea typeface="현대하모니 B" panose="02020603020101020101" pitchFamily="18" charset="-127"/>
+                <a:sym typeface="Wingdings" panose="05000000000000000000" pitchFamily="2" charset="2"/>
+              </a:rPr>
+              <a:t>본사</a:t>
+            </a:r>
+            <a:r>
+              <a:rPr lang="en-US" altLang="ko-KR" sz="1100" dirty="0" smtClean="0">
+                <a:solidFill>
+                  <a:schemeClr val="bg1">
+                    <a:lumMod val="75000"/>
+                  </a:schemeClr>
+                </a:solidFill>
+                <a:latin typeface="현대하모니 B" panose="02020603020101020101" pitchFamily="18" charset="-127"/>
+                <a:ea typeface="현대하모니 B" panose="02020603020101020101" pitchFamily="18" charset="-127"/>
+                <a:sym typeface="Wingdings" panose="05000000000000000000" pitchFamily="2" charset="2"/>
+              </a:rPr>
+              <a:t>(</a:t>
+            </a:r>
+            <a:r>
+              <a:rPr lang="ko-KR" altLang="en-US" sz="1100" dirty="0" smtClean="0">
+                <a:solidFill>
+                  <a:schemeClr val="bg1">
+                    <a:lumMod val="75000"/>
+                  </a:schemeClr>
+                </a:solidFill>
+                <a:latin typeface="현대하모니 B" panose="02020603020101020101" pitchFamily="18" charset="-127"/>
+                <a:ea typeface="현대하모니 B" panose="02020603020101020101" pitchFamily="18" charset="-127"/>
+                <a:sym typeface="Wingdings" panose="05000000000000000000" pitchFamily="2" charset="2"/>
+              </a:rPr>
+              <a:t>중국</a:t>
+            </a:r>
+            <a:r>
+              <a:rPr lang="en-US" altLang="ko-KR" sz="1100" dirty="0" smtClean="0">
+                <a:solidFill>
+                  <a:schemeClr val="bg1">
+                    <a:lumMod val="75000"/>
+                  </a:schemeClr>
+                </a:solidFill>
+                <a:latin typeface="현대하모니 B" panose="02020603020101020101" pitchFamily="18" charset="-127"/>
+                <a:ea typeface="현대하모니 B" panose="02020603020101020101" pitchFamily="18" charset="-127"/>
+                <a:sym typeface="Wingdings" panose="05000000000000000000" pitchFamily="2" charset="2"/>
+              </a:rPr>
+              <a:t>) </a:t>
+            </a:r>
+            <a:r>
+              <a:rPr lang="ko-KR" altLang="en-US" sz="1100" dirty="0" smtClean="0">
+                <a:solidFill>
+                  <a:schemeClr val="bg1">
+                    <a:lumMod val="75000"/>
+                  </a:schemeClr>
+                </a:solidFill>
+                <a:latin typeface="현대하모니 B" panose="02020603020101020101" pitchFamily="18" charset="-127"/>
+                <a:ea typeface="현대하모니 B" panose="02020603020101020101" pitchFamily="18" charset="-127"/>
+                <a:sym typeface="Wingdings" panose="05000000000000000000" pitchFamily="2" charset="2"/>
+              </a:rPr>
+              <a:t>프로젝트 </a:t>
+            </a:r>
+            <a:endParaRPr lang="en-US" altLang="ko-KR" sz="1100" dirty="0" smtClean="0">
+              <a:solidFill>
+                <a:schemeClr val="bg1">
+                  <a:lumMod val="75000"/>
+                </a:schemeClr>
+              </a:solidFill>
+              <a:latin typeface="현대하모니 B" panose="02020603020101020101" pitchFamily="18" charset="-127"/>
+              <a:ea typeface="현대하모니 B" panose="02020603020101020101" pitchFamily="18" charset="-127"/>
+              <a:sym typeface="Wingdings" panose="05000000000000000000" pitchFamily="2" charset="2"/>
+            </a:endParaRPr>
+          </a:p>
+          <a:p>
+            <a:r>
+              <a:rPr lang="en-US" altLang="ko-KR" sz="1100" dirty="0" smtClean="0">
+                <a:solidFill>
+                  <a:schemeClr val="tx1"/>
+                </a:solidFill>
+                <a:latin typeface="현대하모니 B" panose="02020603020101020101" pitchFamily="18" charset="-127"/>
+                <a:ea typeface="현대하모니 B" panose="02020603020101020101" pitchFamily="18" charset="-127"/>
+                <a:sym typeface="Wingdings" panose="05000000000000000000" pitchFamily="2" charset="2"/>
+              </a:rPr>
+              <a:t>- </a:t>
+            </a:r>
+            <a:r>
+              <a:rPr lang="ko-KR" altLang="en-US" sz="1100" dirty="0" smtClean="0">
+                <a:solidFill>
+                  <a:schemeClr val="tx1"/>
+                </a:solidFill>
+                <a:latin typeface="현대하모니 B" panose="02020603020101020101" pitchFamily="18" charset="-127"/>
+                <a:ea typeface="현대하모니 B" panose="02020603020101020101" pitchFamily="18" charset="-127"/>
+                <a:sym typeface="Wingdings" panose="05000000000000000000" pitchFamily="2" charset="2"/>
+              </a:rPr>
+              <a:t>각 공정 별 </a:t>
+            </a:r>
+            <a:r>
+              <a:rPr lang="en-US" altLang="ko-KR" sz="1100" dirty="0" smtClean="0">
+                <a:solidFill>
+                  <a:schemeClr val="tx1"/>
+                </a:solidFill>
+                <a:latin typeface="현대하모니 B" panose="02020603020101020101" pitchFamily="18" charset="-127"/>
+                <a:ea typeface="현대하모니 B" panose="02020603020101020101" pitchFamily="18" charset="-127"/>
+                <a:sym typeface="Wingdings" panose="05000000000000000000" pitchFamily="2" charset="2"/>
+              </a:rPr>
+              <a:t>In/Out</a:t>
+            </a:r>
+            <a:r>
+              <a:rPr lang="ko-KR" altLang="en-US" sz="1100" dirty="0" smtClean="0">
+                <a:solidFill>
+                  <a:schemeClr val="tx1"/>
+                </a:solidFill>
+                <a:latin typeface="현대하모니 B" panose="02020603020101020101" pitchFamily="18" charset="-127"/>
+                <a:ea typeface="현대하모니 B" panose="02020603020101020101" pitchFamily="18" charset="-127"/>
+                <a:sym typeface="Wingdings" panose="05000000000000000000" pitchFamily="2" charset="2"/>
+              </a:rPr>
+              <a:t>수량</a:t>
+            </a:r>
+            <a:r>
+              <a:rPr lang="en-US" altLang="ko-KR" sz="1100" dirty="0" smtClean="0">
+                <a:solidFill>
+                  <a:schemeClr val="tx1"/>
+                </a:solidFill>
+                <a:latin typeface="현대하모니 B" panose="02020603020101020101" pitchFamily="18" charset="-127"/>
+                <a:ea typeface="현대하모니 B" panose="02020603020101020101" pitchFamily="18" charset="-127"/>
+                <a:sym typeface="Wingdings" panose="05000000000000000000" pitchFamily="2" charset="2"/>
+              </a:rPr>
+              <a:t>, Yield, Defect </a:t>
+            </a:r>
+            <a:r>
+              <a:rPr lang="ko-KR" altLang="en-US" sz="1100" dirty="0" smtClean="0">
+                <a:solidFill>
+                  <a:schemeClr val="tx1"/>
+                </a:solidFill>
+                <a:latin typeface="현대하모니 B" panose="02020603020101020101" pitchFamily="18" charset="-127"/>
+                <a:ea typeface="현대하모니 B" panose="02020603020101020101" pitchFamily="18" charset="-127"/>
+                <a:sym typeface="Wingdings" panose="05000000000000000000" pitchFamily="2" charset="2"/>
+              </a:rPr>
+              <a:t>등의 데이터를 취합하여 </a:t>
+            </a:r>
+            <a:r>
+              <a:rPr lang="en-US" altLang="ko-KR" sz="1100" dirty="0" smtClean="0">
+                <a:solidFill>
+                  <a:schemeClr val="tx1"/>
+                </a:solidFill>
+                <a:latin typeface="현대하모니 B" panose="02020603020101020101" pitchFamily="18" charset="-127"/>
+                <a:ea typeface="현대하모니 B" panose="02020603020101020101" pitchFamily="18" charset="-127"/>
+                <a:sym typeface="Wingdings" panose="05000000000000000000" pitchFamily="2" charset="2"/>
+              </a:rPr>
+              <a:t>Oracle View</a:t>
+            </a:r>
+            <a:r>
+              <a:rPr lang="ko-KR" altLang="en-US" sz="1100" dirty="0" smtClean="0">
+                <a:solidFill>
+                  <a:schemeClr val="tx1"/>
+                </a:solidFill>
+                <a:latin typeface="현대하모니 B" panose="02020603020101020101" pitchFamily="18" charset="-127"/>
+                <a:ea typeface="현대하모니 B" panose="02020603020101020101" pitchFamily="18" charset="-127"/>
+                <a:sym typeface="Wingdings" panose="05000000000000000000" pitchFamily="2" charset="2"/>
+              </a:rPr>
+              <a:t>생성하여 제공</a:t>
+            </a:r>
+            <a:r>
+              <a:rPr lang="en-US" altLang="ko-KR" sz="1100" dirty="0" smtClean="0">
+                <a:solidFill>
+                  <a:schemeClr val="tx1"/>
+                </a:solidFill>
+                <a:latin typeface="현대하모니 B" panose="02020603020101020101" pitchFamily="18" charset="-127"/>
+                <a:ea typeface="현대하모니 B" panose="02020603020101020101" pitchFamily="18" charset="-127"/>
+                <a:sym typeface="Wingdings" panose="05000000000000000000" pitchFamily="2" charset="2"/>
+              </a:rPr>
+              <a:t>.</a:t>
+            </a:r>
+          </a:p>
+          <a:p>
+            <a:endParaRPr lang="en-US" altLang="ko-KR" sz="1100" dirty="0" smtClean="0">
+              <a:solidFill>
+                <a:schemeClr val="tx1"/>
+              </a:solidFill>
+              <a:latin typeface="현대하모니 B" panose="02020603020101020101" pitchFamily="18" charset="-127"/>
+              <a:ea typeface="현대하모니 B" panose="02020603020101020101" pitchFamily="18" charset="-127"/>
+              <a:sym typeface="Wingdings" panose="05000000000000000000" pitchFamily="2" charset="2"/>
+            </a:endParaRPr>
+          </a:p>
+          <a:p>
+            <a:r>
+              <a:rPr lang="en-US" altLang="ko-KR" sz="1100" b="1" dirty="0" smtClean="0">
+                <a:solidFill>
+                  <a:schemeClr val="tx1"/>
+                </a:solidFill>
+                <a:latin typeface="현대하모니 B" panose="02020603020101020101" pitchFamily="18" charset="-127"/>
+                <a:ea typeface="현대하모니 B" panose="02020603020101020101" pitchFamily="18" charset="-127"/>
+                <a:sym typeface="Wingdings" panose="05000000000000000000" pitchFamily="2" charset="2"/>
+              </a:rPr>
+              <a:t>[Excel</a:t>
+            </a:r>
+            <a:r>
+              <a:rPr lang="ko-KR" altLang="en-US" sz="1100" b="1" dirty="0">
+                <a:solidFill>
+                  <a:schemeClr val="tx1"/>
+                </a:solidFill>
+                <a:latin typeface="현대하모니 B" panose="02020603020101020101" pitchFamily="18" charset="-127"/>
+                <a:ea typeface="현대하모니 B" panose="02020603020101020101" pitchFamily="18" charset="-127"/>
+                <a:sym typeface="Wingdings" panose="05000000000000000000" pitchFamily="2" charset="2"/>
+              </a:rPr>
+              <a:t> </a:t>
+            </a:r>
+            <a:r>
+              <a:rPr lang="ko-KR" altLang="en-US" sz="1100" b="1" dirty="0" smtClean="0">
+                <a:solidFill>
+                  <a:schemeClr val="tx1"/>
+                </a:solidFill>
+                <a:latin typeface="현대하모니 B" panose="02020603020101020101" pitchFamily="18" charset="-127"/>
+                <a:ea typeface="현대하모니 B" panose="02020603020101020101" pitchFamily="18" charset="-127"/>
+                <a:sym typeface="Wingdings" panose="05000000000000000000" pitchFamily="2" charset="2"/>
+              </a:rPr>
+              <a:t>및 </a:t>
+            </a:r>
+            <a:r>
+              <a:rPr lang="en-US" altLang="ko-KR" sz="1100" b="1" dirty="0" smtClean="0">
+                <a:solidFill>
+                  <a:schemeClr val="tx1"/>
+                </a:solidFill>
+                <a:latin typeface="현대하모니 B" panose="02020603020101020101" pitchFamily="18" charset="-127"/>
+                <a:ea typeface="현대하모니 B" panose="02020603020101020101" pitchFamily="18" charset="-127"/>
+                <a:sym typeface="Wingdings" panose="05000000000000000000" pitchFamily="2" charset="2"/>
+              </a:rPr>
+              <a:t>csv</a:t>
+            </a:r>
+            <a:r>
+              <a:rPr lang="ko-KR" altLang="en-US" sz="1100" b="1" dirty="0" smtClean="0">
+                <a:solidFill>
+                  <a:schemeClr val="tx1"/>
+                </a:solidFill>
+                <a:latin typeface="현대하모니 B" panose="02020603020101020101" pitchFamily="18" charset="-127"/>
+                <a:ea typeface="현대하모니 B" panose="02020603020101020101" pitchFamily="18" charset="-127"/>
+                <a:sym typeface="Wingdings" panose="05000000000000000000" pitchFamily="2" charset="2"/>
+              </a:rPr>
+              <a:t>파일</a:t>
+            </a:r>
+            <a:r>
+              <a:rPr lang="en-US" altLang="ko-KR" sz="1100" b="1" dirty="0" smtClean="0">
+                <a:solidFill>
+                  <a:schemeClr val="tx1"/>
+                </a:solidFill>
+                <a:latin typeface="현대하모니 B" panose="02020603020101020101" pitchFamily="18" charset="-127"/>
+                <a:ea typeface="현대하모니 B" panose="02020603020101020101" pitchFamily="18" charset="-127"/>
+                <a:sym typeface="Wingdings" panose="05000000000000000000" pitchFamily="2" charset="2"/>
+              </a:rPr>
+              <a:t> </a:t>
+            </a:r>
+            <a:r>
+              <a:rPr lang="ko-KR" altLang="en-US" sz="1100" b="1" dirty="0" smtClean="0">
+                <a:solidFill>
+                  <a:schemeClr val="tx1"/>
+                </a:solidFill>
+                <a:latin typeface="현대하모니 B" panose="02020603020101020101" pitchFamily="18" charset="-127"/>
+                <a:ea typeface="현대하모니 B" panose="02020603020101020101" pitchFamily="18" charset="-127"/>
+                <a:sym typeface="Wingdings" panose="05000000000000000000" pitchFamily="2" charset="2"/>
+              </a:rPr>
+              <a:t>데이터 </a:t>
+            </a:r>
+            <a:r>
+              <a:rPr lang="en-US" altLang="ko-KR" sz="1100" b="1" dirty="0" smtClean="0">
+                <a:solidFill>
+                  <a:schemeClr val="tx1"/>
+                </a:solidFill>
+                <a:latin typeface="현대하모니 B" panose="02020603020101020101" pitchFamily="18" charset="-127"/>
+                <a:ea typeface="현대하모니 B" panose="02020603020101020101" pitchFamily="18" charset="-127"/>
+                <a:sym typeface="Wingdings" panose="05000000000000000000" pitchFamily="2" charset="2"/>
+              </a:rPr>
+              <a:t>Parsing]</a:t>
+            </a:r>
+            <a:endParaRPr lang="en-US" altLang="ko-KR" sz="1100" b="1" dirty="0">
+              <a:solidFill>
+                <a:schemeClr val="tx1"/>
+              </a:solidFill>
+              <a:latin typeface="현대하모니 B" panose="02020603020101020101" pitchFamily="18" charset="-127"/>
+              <a:ea typeface="현대하모니 B" panose="02020603020101020101" pitchFamily="18" charset="-127"/>
+              <a:sym typeface="Wingdings" panose="05000000000000000000" pitchFamily="2" charset="2"/>
+            </a:endParaRPr>
+          </a:p>
+          <a:p>
+            <a:r>
+              <a:rPr lang="en-US" altLang="ko-KR" sz="1100" dirty="0" smtClean="0">
+                <a:solidFill>
+                  <a:schemeClr val="tx1"/>
+                </a:solidFill>
+                <a:latin typeface="현대하모니 B" panose="02020603020101020101" pitchFamily="18" charset="-127"/>
+                <a:ea typeface="현대하모니 B" panose="02020603020101020101" pitchFamily="18" charset="-127"/>
+                <a:sym typeface="Wingdings" panose="05000000000000000000" pitchFamily="2" charset="2"/>
+              </a:rPr>
+              <a:t>- Vb6, </a:t>
+            </a:r>
+            <a:r>
+              <a:rPr lang="en-US" altLang="ko-KR" sz="1100" dirty="0">
+                <a:solidFill>
+                  <a:schemeClr val="tx1"/>
+                </a:solidFill>
+                <a:latin typeface="현대하모니 B" panose="02020603020101020101" pitchFamily="18" charset="-127"/>
+                <a:ea typeface="현대하모니 B" panose="02020603020101020101" pitchFamily="18" charset="-127"/>
+                <a:sym typeface="Wingdings" panose="05000000000000000000" pitchFamily="2" charset="2"/>
+              </a:rPr>
+              <a:t>C</a:t>
+            </a:r>
+            <a:r>
+              <a:rPr lang="en-US" altLang="ko-KR" sz="1100" dirty="0" smtClean="0">
+                <a:solidFill>
+                  <a:schemeClr val="tx1"/>
+                </a:solidFill>
+                <a:latin typeface="현대하모니 B" panose="02020603020101020101" pitchFamily="18" charset="-127"/>
+                <a:ea typeface="현대하모니 B" panose="02020603020101020101" pitchFamily="18" charset="-127"/>
+                <a:sym typeface="Wingdings" panose="05000000000000000000" pitchFamily="2" charset="2"/>
+              </a:rPr>
+              <a:t># </a:t>
+            </a:r>
+            <a:r>
+              <a:rPr lang="ko-KR" altLang="en-US" sz="1100" dirty="0" smtClean="0">
+                <a:solidFill>
+                  <a:schemeClr val="tx1"/>
+                </a:solidFill>
+                <a:latin typeface="현대하모니 B" panose="02020603020101020101" pitchFamily="18" charset="-127"/>
+                <a:ea typeface="현대하모니 B" panose="02020603020101020101" pitchFamily="18" charset="-127"/>
+                <a:sym typeface="Wingdings" panose="05000000000000000000" pitchFamily="2" charset="2"/>
+              </a:rPr>
+              <a:t>라이브러리 활용하여 데이터 </a:t>
+            </a:r>
+            <a:r>
+              <a:rPr lang="en-US" altLang="ko-KR" sz="1100" dirty="0" smtClean="0">
+                <a:solidFill>
+                  <a:schemeClr val="tx1"/>
+                </a:solidFill>
+                <a:latin typeface="현대하모니 B" panose="02020603020101020101" pitchFamily="18" charset="-127"/>
+                <a:ea typeface="현대하모니 B" panose="02020603020101020101" pitchFamily="18" charset="-127"/>
+                <a:sym typeface="Wingdings" panose="05000000000000000000" pitchFamily="2" charset="2"/>
+              </a:rPr>
+              <a:t>Import/Export.</a:t>
+            </a:r>
+            <a:endParaRPr lang="en-US" altLang="ko-KR" sz="1100" dirty="0" smtClean="0">
+              <a:solidFill>
+                <a:schemeClr val="tx1"/>
+              </a:solidFill>
+              <a:latin typeface="현대하모니 B" panose="02020603020101020101" pitchFamily="18" charset="-127"/>
+              <a:ea typeface="현대하모니 B" panose="02020603020101020101" pitchFamily="18" charset="-127"/>
+              <a:sym typeface="Wingdings" panose="05000000000000000000" pitchFamily="2" charset="2"/>
+            </a:endParaRPr>
+          </a:p>
+        </p:txBody>
+      </p:sp>
+    </p:spTree>
+    <p:extLst>
+      <p:ext uri="{BB962C8B-B14F-4D97-AF65-F5344CB8AC3E}">
+        <p14:creationId xmlns:p14="http://schemas.microsoft.com/office/powerpoint/2010/main" val="964497825"/>
       </p:ext>
     </p:extLst>
   </p:cSld>
